--- a/Apuntadores.pptx
+++ b/Apuntadores.pptx
@@ -2,13 +2,24 @@
 <file path=ppt/presentation.xml><?xml version="1.0" encoding="utf-8"?>
 <p:presentation xmlns:a="http://schemas.openxmlformats.org/drawingml/2006/main" xmlns:r="http://schemas.openxmlformats.org/officeDocument/2006/relationships" xmlns:p="http://schemas.openxmlformats.org/presentationml/2006/main" saveSubsetFonts="1">
   <p:sldMasterIdLst>
-    <p:sldMasterId id="2147483648" r:id="rId1"/>
+    <p:sldMasterId id="2147483678" r:id="rId1"/>
   </p:sldMasterIdLst>
   <p:sldIdLst>
     <p:sldId id="256" r:id="rId2"/>
     <p:sldId id="257" r:id="rId3"/>
     <p:sldId id="258" r:id="rId4"/>
     <p:sldId id="259" r:id="rId5"/>
+    <p:sldId id="260" r:id="rId6"/>
+    <p:sldId id="261" r:id="rId7"/>
+    <p:sldId id="262" r:id="rId8"/>
+    <p:sldId id="263" r:id="rId9"/>
+    <p:sldId id="266" r:id="rId10"/>
+    <p:sldId id="267" r:id="rId11"/>
+    <p:sldId id="268" r:id="rId12"/>
+    <p:sldId id="264" r:id="rId13"/>
+    <p:sldId id="265" r:id="rId14"/>
+    <p:sldId id="269" r:id="rId15"/>
+    <p:sldId id="270" r:id="rId16"/>
   </p:sldIdLst>
   <p:sldSz cx="12192000" cy="6858000"/>
   <p:notesSz cx="6858000" cy="9144000"/>
@@ -107,11 +118,16 @@
       </a:defRPr>
     </a:lvl9pPr>
   </p:defaultTextStyle>
+  <p:extLst>
+    <p:ext uri="{EFAFB233-063F-42B5-8137-9DF3F51BA10A}">
+      <p15:sldGuideLst xmlns:p15="http://schemas.microsoft.com/office/powerpoint/2012/main"/>
+    </p:ext>
+  </p:extLst>
 </p:presentation>
 </file>
 
 <file path=ppt/slideLayouts/slideLayout1.xml><?xml version="1.0" encoding="utf-8"?>
-<p:sldLayout xmlns:a="http://schemas.openxmlformats.org/drawingml/2006/main" xmlns:r="http://schemas.openxmlformats.org/officeDocument/2006/relationships" xmlns:p="http://schemas.openxmlformats.org/presentationml/2006/main" type="title" preserve="1">
+<p:sldLayout xmlns:a="http://schemas.openxmlformats.org/drawingml/2006/main" xmlns:r="http://schemas.openxmlformats.org/officeDocument/2006/relationships" xmlns:p="http://schemas.openxmlformats.org/presentationml/2006/main" showMasterSp="0" type="title" preserve="1">
   <p:cSld name="Diapositiva de título">
     <p:spTree>
       <p:nvGrpSpPr>
@@ -127,9 +143,322 @@
           <a:chExt cx="0" cy="0"/>
         </a:xfrm>
       </p:grpSpPr>
-      <p:sp>
-        <p:nvSpPr>
-          <p:cNvPr id="2" name="Título 1"/>
+      <p:grpSp>
+        <p:nvGrpSpPr>
+          <p:cNvPr id="19" name="Group 18"/>
+          <p:cNvGrpSpPr/>
+          <p:nvPr/>
+        </p:nvGrpSpPr>
+        <p:grpSpPr>
+          <a:xfrm>
+            <a:off x="546100" y="-4763"/>
+            <a:ext cx="5014912" cy="6862763"/>
+            <a:chOff x="2928938" y="-4763"/>
+            <a:chExt cx="5014912" cy="6862763"/>
+          </a:xfrm>
+        </p:grpSpPr>
+        <p:sp>
+          <p:nvSpPr>
+            <p:cNvPr id="22" name="Freeform 6"/>
+            <p:cNvSpPr/>
+            <p:nvPr/>
+          </p:nvSpPr>
+          <p:spPr bwMode="auto">
+            <a:xfrm>
+              <a:off x="3367088" y="-4763"/>
+              <a:ext cx="1063625" cy="2782888"/>
+            </a:xfrm>
+            <a:custGeom>
+              <a:avLst/>
+              <a:gdLst/>
+              <a:ahLst/>
+              <a:cxnLst/>
+              <a:rect l="0" t="0" r="r" b="b"/>
+              <a:pathLst>
+                <a:path w="670" h="1753">
+                  <a:moveTo>
+                    <a:pt x="0" y="1696"/>
+                  </a:moveTo>
+                  <a:lnTo>
+                    <a:pt x="225" y="1753"/>
+                  </a:lnTo>
+                  <a:lnTo>
+                    <a:pt x="670" y="0"/>
+                  </a:lnTo>
+                  <a:lnTo>
+                    <a:pt x="430" y="0"/>
+                  </a:lnTo>
+                  <a:lnTo>
+                    <a:pt x="0" y="1696"/>
+                  </a:lnTo>
+                  <a:close/>
+                </a:path>
+              </a:pathLst>
+            </a:custGeom>
+            <a:solidFill>
+              <a:schemeClr val="accent1"/>
+            </a:solidFill>
+            <a:ln>
+              <a:noFill/>
+            </a:ln>
+          </p:spPr>
+        </p:sp>
+        <p:sp>
+          <p:nvSpPr>
+            <p:cNvPr id="23" name="Freeform 7"/>
+            <p:cNvSpPr/>
+            <p:nvPr/>
+          </p:nvSpPr>
+          <p:spPr bwMode="auto">
+            <a:xfrm>
+              <a:off x="2928938" y="-4763"/>
+              <a:ext cx="1035050" cy="2673350"/>
+            </a:xfrm>
+            <a:custGeom>
+              <a:avLst/>
+              <a:gdLst/>
+              <a:ahLst/>
+              <a:cxnLst/>
+              <a:rect l="0" t="0" r="r" b="b"/>
+              <a:pathLst>
+                <a:path w="652" h="1684">
+                  <a:moveTo>
+                    <a:pt x="225" y="1684"/>
+                  </a:moveTo>
+                  <a:lnTo>
+                    <a:pt x="652" y="0"/>
+                  </a:lnTo>
+                  <a:lnTo>
+                    <a:pt x="411" y="0"/>
+                  </a:lnTo>
+                  <a:lnTo>
+                    <a:pt x="0" y="1627"/>
+                  </a:lnTo>
+                  <a:lnTo>
+                    <a:pt x="219" y="1681"/>
+                  </a:lnTo>
+                  <a:lnTo>
+                    <a:pt x="225" y="1684"/>
+                  </a:lnTo>
+                  <a:close/>
+                </a:path>
+              </a:pathLst>
+            </a:custGeom>
+            <a:solidFill>
+              <a:schemeClr val="tx1">
+                <a:lumMod val="65000"/>
+                <a:lumOff val="35000"/>
+              </a:schemeClr>
+            </a:solidFill>
+            <a:ln>
+              <a:noFill/>
+            </a:ln>
+          </p:spPr>
+        </p:sp>
+        <p:sp>
+          <p:nvSpPr>
+            <p:cNvPr id="24" name="Freeform 9"/>
+            <p:cNvSpPr/>
+            <p:nvPr/>
+          </p:nvSpPr>
+          <p:spPr bwMode="auto">
+            <a:xfrm>
+              <a:off x="2928938" y="2582862"/>
+              <a:ext cx="2693987" cy="4275138"/>
+            </a:xfrm>
+            <a:custGeom>
+              <a:avLst/>
+              <a:gdLst/>
+              <a:ahLst/>
+              <a:cxnLst/>
+              <a:rect l="0" t="0" r="r" b="b"/>
+              <a:pathLst>
+                <a:path w="1697" h="2693">
+                  <a:moveTo>
+                    <a:pt x="0" y="0"/>
+                  </a:moveTo>
+                  <a:lnTo>
+                    <a:pt x="1622" y="2693"/>
+                  </a:lnTo>
+                  <a:lnTo>
+                    <a:pt x="1697" y="2693"/>
+                  </a:lnTo>
+                  <a:lnTo>
+                    <a:pt x="0" y="0"/>
+                  </a:lnTo>
+                  <a:close/>
+                </a:path>
+              </a:pathLst>
+            </a:custGeom>
+            <a:solidFill>
+              <a:schemeClr val="tx1">
+                <a:lumMod val="85000"/>
+                <a:lumOff val="15000"/>
+              </a:schemeClr>
+            </a:solidFill>
+            <a:ln>
+              <a:noFill/>
+            </a:ln>
+          </p:spPr>
+        </p:sp>
+        <p:sp>
+          <p:nvSpPr>
+            <p:cNvPr id="25" name="Freeform 10"/>
+            <p:cNvSpPr/>
+            <p:nvPr/>
+          </p:nvSpPr>
+          <p:spPr bwMode="auto">
+            <a:xfrm>
+              <a:off x="3371850" y="2692400"/>
+              <a:ext cx="3332162" cy="4165600"/>
+            </a:xfrm>
+            <a:custGeom>
+              <a:avLst/>
+              <a:gdLst/>
+              <a:ahLst/>
+              <a:cxnLst/>
+              <a:rect l="0" t="0" r="r" b="b"/>
+              <a:pathLst>
+                <a:path w="2099" h="2624">
+                  <a:moveTo>
+                    <a:pt x="2099" y="2624"/>
+                  </a:moveTo>
+                  <a:lnTo>
+                    <a:pt x="0" y="0"/>
+                  </a:lnTo>
+                  <a:lnTo>
+                    <a:pt x="2021" y="2624"/>
+                  </a:lnTo>
+                  <a:lnTo>
+                    <a:pt x="2099" y="2624"/>
+                  </a:lnTo>
+                  <a:close/>
+                </a:path>
+              </a:pathLst>
+            </a:custGeom>
+            <a:solidFill>
+              <a:schemeClr val="accent1">
+                <a:lumMod val="50000"/>
+              </a:schemeClr>
+            </a:solidFill>
+            <a:ln>
+              <a:noFill/>
+            </a:ln>
+          </p:spPr>
+        </p:sp>
+        <p:sp>
+          <p:nvSpPr>
+            <p:cNvPr id="26" name="Freeform 11"/>
+            <p:cNvSpPr/>
+            <p:nvPr/>
+          </p:nvSpPr>
+          <p:spPr bwMode="auto">
+            <a:xfrm>
+              <a:off x="3367088" y="2687637"/>
+              <a:ext cx="4576762" cy="4170363"/>
+            </a:xfrm>
+            <a:custGeom>
+              <a:avLst/>
+              <a:gdLst/>
+              <a:ahLst/>
+              <a:cxnLst/>
+              <a:rect l="0" t="0" r="r" b="b"/>
+              <a:pathLst>
+                <a:path w="2883" h="2627">
+                  <a:moveTo>
+                    <a:pt x="0" y="0"/>
+                  </a:moveTo>
+                  <a:lnTo>
+                    <a:pt x="3" y="3"/>
+                  </a:lnTo>
+                  <a:lnTo>
+                    <a:pt x="2102" y="2627"/>
+                  </a:lnTo>
+                  <a:lnTo>
+                    <a:pt x="2883" y="2627"/>
+                  </a:lnTo>
+                  <a:lnTo>
+                    <a:pt x="225" y="57"/>
+                  </a:lnTo>
+                  <a:lnTo>
+                    <a:pt x="0" y="0"/>
+                  </a:lnTo>
+                  <a:close/>
+                </a:path>
+              </a:pathLst>
+            </a:custGeom>
+            <a:solidFill>
+              <a:schemeClr val="accent1">
+                <a:lumMod val="75000"/>
+              </a:schemeClr>
+            </a:solidFill>
+            <a:ln>
+              <a:noFill/>
+            </a:ln>
+          </p:spPr>
+        </p:sp>
+        <p:sp>
+          <p:nvSpPr>
+            <p:cNvPr id="27" name="Freeform 12"/>
+            <p:cNvSpPr/>
+            <p:nvPr/>
+          </p:nvSpPr>
+          <p:spPr bwMode="auto">
+            <a:xfrm>
+              <a:off x="2928938" y="2578100"/>
+              <a:ext cx="3584575" cy="4279900"/>
+            </a:xfrm>
+            <a:custGeom>
+              <a:avLst/>
+              <a:gdLst/>
+              <a:ahLst/>
+              <a:cxnLst/>
+              <a:rect l="0" t="0" r="r" b="b"/>
+              <a:pathLst>
+                <a:path w="2258" h="2696">
+                  <a:moveTo>
+                    <a:pt x="2258" y="2696"/>
+                  </a:moveTo>
+                  <a:lnTo>
+                    <a:pt x="264" y="111"/>
+                  </a:lnTo>
+                  <a:lnTo>
+                    <a:pt x="228" y="60"/>
+                  </a:lnTo>
+                  <a:lnTo>
+                    <a:pt x="225" y="57"/>
+                  </a:lnTo>
+                  <a:lnTo>
+                    <a:pt x="0" y="0"/>
+                  </a:lnTo>
+                  <a:lnTo>
+                    <a:pt x="0" y="3"/>
+                  </a:lnTo>
+                  <a:lnTo>
+                    <a:pt x="1697" y="2696"/>
+                  </a:lnTo>
+                  <a:lnTo>
+                    <a:pt x="2258" y="2696"/>
+                  </a:lnTo>
+                  <a:close/>
+                </a:path>
+              </a:pathLst>
+            </a:custGeom>
+            <a:solidFill>
+              <a:schemeClr val="tx1">
+                <a:lumMod val="75000"/>
+                <a:lumOff val="25000"/>
+              </a:schemeClr>
+            </a:solidFill>
+            <a:ln>
+              <a:noFill/>
+            </a:ln>
+          </p:spPr>
+        </p:sp>
+      </p:grpSp>
+      <p:sp>
+        <p:nvSpPr>
+          <p:cNvPr id="2" name="Title 1"/>
           <p:cNvSpPr>
             <a:spLocks noGrp="1"/>
           </p:cNvSpPr>
@@ -139,15 +468,19 @@
         </p:nvSpPr>
         <p:spPr>
           <a:xfrm>
-            <a:off x="1524000" y="1122363"/>
-            <a:ext cx="9144000" cy="2387600"/>
-          </a:xfrm>
-        </p:spPr>
-        <p:txBody>
-          <a:bodyPr anchor="b"/>
+            <a:off x="2928401" y="1380068"/>
+            <a:ext cx="8574622" cy="2616199"/>
+          </a:xfrm>
+        </p:spPr>
+        <p:txBody>
+          <a:bodyPr anchor="b">
+            <a:normAutofit/>
+          </a:bodyPr>
           <a:lstStyle>
-            <a:lvl1pPr algn="ctr">
-              <a:defRPr sz="6000"/>
+            <a:lvl1pPr algn="r">
+              <a:defRPr sz="6000">
+                <a:effectLst/>
+              </a:defRPr>
             </a:lvl1pPr>
           </a:lstStyle>
           <a:p>
@@ -155,13 +488,13 @@
               <a:rPr lang="es-ES" smtClean="0"/>
               <a:t>Haga clic para modificar el estilo de título del patrón</a:t>
             </a:r>
-            <a:endParaRPr lang="es-HN"/>
-          </a:p>
-        </p:txBody>
-      </p:sp>
-      <p:sp>
-        <p:nvSpPr>
-          <p:cNvPr id="3" name="Subtítulo 2"/>
+            <a:endParaRPr lang="en-US" dirty="0"/>
+          </a:p>
+        </p:txBody>
+      </p:sp>
+      <p:sp>
+        <p:nvSpPr>
+          <p:cNvPr id="3" name="Subtitle 2"/>
           <p:cNvSpPr>
             <a:spLocks noGrp="1"/>
           </p:cNvSpPr>
@@ -171,48 +504,102 @@
         </p:nvSpPr>
         <p:spPr>
           <a:xfrm>
-            <a:off x="1524000" y="3602038"/>
-            <a:ext cx="9144000" cy="1655762"/>
-          </a:xfrm>
-        </p:spPr>
-        <p:txBody>
-          <a:bodyPr/>
+            <a:off x="4515377" y="3996267"/>
+            <a:ext cx="6987645" cy="1388534"/>
+          </a:xfrm>
+        </p:spPr>
+        <p:txBody>
+          <a:bodyPr anchor="t">
+            <a:normAutofit/>
+          </a:bodyPr>
           <a:lstStyle>
-            <a:lvl1pPr marL="0" indent="0" algn="ctr">
-              <a:buNone/>
-              <a:defRPr sz="2400"/>
+            <a:lvl1pPr marL="0" indent="0" algn="r">
+              <a:buNone/>
+              <a:defRPr sz="2100">
+                <a:solidFill>
+                  <a:schemeClr val="tx1"/>
+                </a:solidFill>
+              </a:defRPr>
             </a:lvl1pPr>
             <a:lvl2pPr marL="457200" indent="0" algn="ctr">
               <a:buNone/>
-              <a:defRPr sz="2000"/>
+              <a:defRPr>
+                <a:solidFill>
+                  <a:schemeClr val="tx1">
+                    <a:tint val="75000"/>
+                  </a:schemeClr>
+                </a:solidFill>
+              </a:defRPr>
             </a:lvl2pPr>
             <a:lvl3pPr marL="914400" indent="0" algn="ctr">
               <a:buNone/>
-              <a:defRPr sz="1800"/>
+              <a:defRPr>
+                <a:solidFill>
+                  <a:schemeClr val="tx1">
+                    <a:tint val="75000"/>
+                  </a:schemeClr>
+                </a:solidFill>
+              </a:defRPr>
             </a:lvl3pPr>
             <a:lvl4pPr marL="1371600" indent="0" algn="ctr">
               <a:buNone/>
-              <a:defRPr sz="1600"/>
+              <a:defRPr>
+                <a:solidFill>
+                  <a:schemeClr val="tx1">
+                    <a:tint val="75000"/>
+                  </a:schemeClr>
+                </a:solidFill>
+              </a:defRPr>
             </a:lvl4pPr>
             <a:lvl5pPr marL="1828800" indent="0" algn="ctr">
               <a:buNone/>
-              <a:defRPr sz="1600"/>
+              <a:defRPr>
+                <a:solidFill>
+                  <a:schemeClr val="tx1">
+                    <a:tint val="75000"/>
+                  </a:schemeClr>
+                </a:solidFill>
+              </a:defRPr>
             </a:lvl5pPr>
             <a:lvl6pPr marL="2286000" indent="0" algn="ctr">
               <a:buNone/>
-              <a:defRPr sz="1600"/>
+              <a:defRPr>
+                <a:solidFill>
+                  <a:schemeClr val="tx1">
+                    <a:tint val="75000"/>
+                  </a:schemeClr>
+                </a:solidFill>
+              </a:defRPr>
             </a:lvl6pPr>
             <a:lvl7pPr marL="2743200" indent="0" algn="ctr">
               <a:buNone/>
-              <a:defRPr sz="1600"/>
+              <a:defRPr>
+                <a:solidFill>
+                  <a:schemeClr val="tx1">
+                    <a:tint val="75000"/>
+                  </a:schemeClr>
+                </a:solidFill>
+              </a:defRPr>
             </a:lvl7pPr>
             <a:lvl8pPr marL="3200400" indent="0" algn="ctr">
               <a:buNone/>
-              <a:defRPr sz="1600"/>
+              <a:defRPr>
+                <a:solidFill>
+                  <a:schemeClr val="tx1">
+                    <a:tint val="75000"/>
+                  </a:schemeClr>
+                </a:solidFill>
+              </a:defRPr>
             </a:lvl8pPr>
             <a:lvl9pPr marL="3657600" indent="0" algn="ctr">
               <a:buNone/>
-              <a:defRPr sz="1600"/>
+              <a:defRPr>
+                <a:solidFill>
+                  <a:schemeClr val="tx1">
+                    <a:tint val="75000"/>
+                  </a:schemeClr>
+                </a:solidFill>
+              </a:defRPr>
             </a:lvl9pPr>
           </a:lstStyle>
           <a:p>
@@ -220,13 +607,13 @@
               <a:rPr lang="es-ES" smtClean="0"/>
               <a:t>Haga clic para modificar el estilo de subtítulo del patrón</a:t>
             </a:r>
-            <a:endParaRPr lang="es-HN"/>
-          </a:p>
-        </p:txBody>
-      </p:sp>
-      <p:sp>
-        <p:nvSpPr>
-          <p:cNvPr id="4" name="Marcador de fecha 3"/>
+            <a:endParaRPr lang="en-US" dirty="0"/>
+          </a:p>
+        </p:txBody>
+      </p:sp>
+      <p:sp>
+        <p:nvSpPr>
+          <p:cNvPr id="4" name="Date Placeholder 3"/>
           <p:cNvSpPr>
             <a:spLocks noGrp="1"/>
           </p:cNvSpPr>
@@ -241,7 +628,7 @@
           <a:p>
             <a:fld id="{A34E6EBE-B126-4045-BFC8-0CFD75EE4621}" type="datetimeFigureOut">
               <a:rPr lang="es-HN" smtClean="0"/>
-              <a:t>25/7/2016</a:t>
+              <a:t>26/7/2016</a:t>
             </a:fld>
             <a:endParaRPr lang="es-HN"/>
           </a:p>
@@ -249,7 +636,7 @@
       </p:sp>
       <p:sp>
         <p:nvSpPr>
-          <p:cNvPr id="5" name="Marcador de pie de página 4"/>
+          <p:cNvPr id="5" name="Footer Placeholder 4"/>
           <p:cNvSpPr>
             <a:spLocks noGrp="1"/>
           </p:cNvSpPr>
@@ -257,7 +644,12 @@
             <p:ph type="ftr" sz="quarter" idx="11"/>
           </p:nvPr>
         </p:nvSpPr>
-        <p:spPr/>
+        <p:spPr>
+          <a:xfrm>
+            <a:off x="5332412" y="5883275"/>
+            <a:ext cx="4324044" cy="365125"/>
+          </a:xfrm>
+        </p:spPr>
         <p:txBody>
           <a:bodyPr/>
           <a:lstStyle/>
@@ -268,7 +660,7 @@
       </p:sp>
       <p:sp>
         <p:nvSpPr>
-          <p:cNvPr id="6" name="Marcador de número de diapositiva 5"/>
+          <p:cNvPr id="6" name="Slide Number Placeholder 5"/>
           <p:cNvSpPr>
             <a:spLocks noGrp="1"/>
           </p:cNvSpPr>
@@ -292,7 +684,7 @@
     </p:spTree>
     <p:extLst>
       <p:ext uri="{BB962C8B-B14F-4D97-AF65-F5344CB8AC3E}">
-        <p14:creationId xmlns:p14="http://schemas.microsoft.com/office/powerpoint/2010/main" val="2391282296"/>
+        <p14:creationId xmlns:p14="http://schemas.microsoft.com/office/powerpoint/2010/main" val="956345003"/>
       </p:ext>
     </p:extLst>
   </p:cSld>
@@ -303,6 +695,2162 @@
 </file>
 
 <file path=ppt/slideLayouts/slideLayout10.xml><?xml version="1.0" encoding="utf-8"?>
+<p:sldLayout xmlns:a="http://schemas.openxmlformats.org/drawingml/2006/main" xmlns:r="http://schemas.openxmlformats.org/officeDocument/2006/relationships" xmlns:p="http://schemas.openxmlformats.org/presentationml/2006/main" preserve="1">
+  <p:cSld name="Imagen panorámica con descripción">
+    <p:spTree>
+      <p:nvGrpSpPr>
+        <p:cNvPr id="1" name=""/>
+        <p:cNvGrpSpPr/>
+        <p:nvPr/>
+      </p:nvGrpSpPr>
+      <p:grpSpPr>
+        <a:xfrm>
+          <a:off x="0" y="0"/>
+          <a:ext cx="0" cy="0"/>
+          <a:chOff x="0" y="0"/>
+          <a:chExt cx="0" cy="0"/>
+        </a:xfrm>
+      </p:grpSpPr>
+      <p:sp>
+        <p:nvSpPr>
+          <p:cNvPr id="2" name="Title 1"/>
+          <p:cNvSpPr>
+            <a:spLocks noGrp="1"/>
+          </p:cNvSpPr>
+          <p:nvPr>
+            <p:ph type="title"/>
+          </p:nvPr>
+        </p:nvSpPr>
+        <p:spPr>
+          <a:xfrm>
+            <a:off x="1484311" y="4732865"/>
+            <a:ext cx="10018711" cy="566738"/>
+          </a:xfrm>
+        </p:spPr>
+        <p:txBody>
+          <a:bodyPr anchor="b">
+            <a:normAutofit/>
+          </a:bodyPr>
+          <a:lstStyle>
+            <a:lvl1pPr algn="ctr">
+              <a:defRPr sz="2400" b="0"/>
+            </a:lvl1pPr>
+          </a:lstStyle>
+          <a:p>
+            <a:r>
+              <a:rPr lang="es-ES" smtClean="0"/>
+              <a:t>Haga clic para modificar el estilo de título del patrón</a:t>
+            </a:r>
+            <a:endParaRPr lang="en-US" dirty="0"/>
+          </a:p>
+        </p:txBody>
+      </p:sp>
+      <p:sp>
+        <p:nvSpPr>
+          <p:cNvPr id="3" name="Picture Placeholder 2"/>
+          <p:cNvSpPr>
+            <a:spLocks noGrp="1" noChangeAspect="1"/>
+          </p:cNvSpPr>
+          <p:nvPr>
+            <p:ph type="pic" idx="1"/>
+          </p:nvPr>
+        </p:nvSpPr>
+        <p:spPr>
+          <a:xfrm>
+            <a:off x="2386012" y="932112"/>
+            <a:ext cx="8225944" cy="3164976"/>
+          </a:xfrm>
+          <a:prstGeom prst="roundRect">
+            <a:avLst>
+              <a:gd name="adj" fmla="val 4380"/>
+            </a:avLst>
+          </a:prstGeom>
+          <a:ln w="38100">
+            <a:gradFill flip="none" rotWithShape="1">
+              <a:gsLst>
+                <a:gs pos="0">
+                  <a:schemeClr val="bg2"/>
+                </a:gs>
+                <a:gs pos="100000">
+                  <a:schemeClr val="bg2">
+                    <a:lumMod val="75000"/>
+                  </a:schemeClr>
+                </a:gs>
+              </a:gsLst>
+              <a:lin ang="5400000" scaled="0"/>
+              <a:tileRect/>
+            </a:gradFill>
+          </a:ln>
+          <a:effectLst>
+            <a:innerShdw blurRad="57150" dist="38100" dir="14460000">
+              <a:srgbClr val="000000">
+                <a:alpha val="70000"/>
+              </a:srgbClr>
+            </a:innerShdw>
+          </a:effectLst>
+        </p:spPr>
+        <p:txBody>
+          <a:bodyPr anchor="t">
+            <a:normAutofit/>
+          </a:bodyPr>
+          <a:lstStyle>
+            <a:lvl1pPr marL="0" indent="0" algn="ctr">
+              <a:buNone/>
+              <a:defRPr sz="1600"/>
+            </a:lvl1pPr>
+            <a:lvl2pPr marL="457200" indent="0">
+              <a:buNone/>
+              <a:defRPr sz="1600"/>
+            </a:lvl2pPr>
+            <a:lvl3pPr marL="914400" indent="0">
+              <a:buNone/>
+              <a:defRPr sz="1600"/>
+            </a:lvl3pPr>
+            <a:lvl4pPr marL="1371600" indent="0">
+              <a:buNone/>
+              <a:defRPr sz="1600"/>
+            </a:lvl4pPr>
+            <a:lvl5pPr marL="1828800" indent="0">
+              <a:buNone/>
+              <a:defRPr sz="1600"/>
+            </a:lvl5pPr>
+            <a:lvl6pPr marL="2286000" indent="0">
+              <a:buNone/>
+              <a:defRPr sz="1600"/>
+            </a:lvl6pPr>
+            <a:lvl7pPr marL="2743200" indent="0">
+              <a:buNone/>
+              <a:defRPr sz="1600"/>
+            </a:lvl7pPr>
+            <a:lvl8pPr marL="3200400" indent="0">
+              <a:buNone/>
+              <a:defRPr sz="1600"/>
+            </a:lvl8pPr>
+            <a:lvl9pPr marL="3657600" indent="0">
+              <a:buNone/>
+              <a:defRPr sz="1600"/>
+            </a:lvl9pPr>
+          </a:lstStyle>
+          <a:p>
+            <a:r>
+              <a:rPr lang="es-ES" smtClean="0"/>
+              <a:t>Haga clic en el icono para agregar una imagen</a:t>
+            </a:r>
+            <a:endParaRPr lang="en-US" dirty="0"/>
+          </a:p>
+        </p:txBody>
+      </p:sp>
+      <p:sp>
+        <p:nvSpPr>
+          <p:cNvPr id="4" name="Text Placeholder 3"/>
+          <p:cNvSpPr>
+            <a:spLocks noGrp="1"/>
+          </p:cNvSpPr>
+          <p:nvPr>
+            <p:ph type="body" sz="half" idx="2"/>
+          </p:nvPr>
+        </p:nvSpPr>
+        <p:spPr>
+          <a:xfrm>
+            <a:off x="1484311" y="5299603"/>
+            <a:ext cx="10018711" cy="493712"/>
+          </a:xfrm>
+        </p:spPr>
+        <p:txBody>
+          <a:bodyPr>
+            <a:normAutofit/>
+          </a:bodyPr>
+          <a:lstStyle>
+            <a:lvl1pPr marL="0" indent="0" algn="ctr">
+              <a:buNone/>
+              <a:defRPr sz="1400"/>
+            </a:lvl1pPr>
+            <a:lvl2pPr marL="457200" indent="0">
+              <a:buNone/>
+              <a:defRPr sz="1200"/>
+            </a:lvl2pPr>
+            <a:lvl3pPr marL="914400" indent="0">
+              <a:buNone/>
+              <a:defRPr sz="1000"/>
+            </a:lvl3pPr>
+            <a:lvl4pPr marL="1371600" indent="0">
+              <a:buNone/>
+              <a:defRPr sz="900"/>
+            </a:lvl4pPr>
+            <a:lvl5pPr marL="1828800" indent="0">
+              <a:buNone/>
+              <a:defRPr sz="900"/>
+            </a:lvl5pPr>
+            <a:lvl6pPr marL="2286000" indent="0">
+              <a:buNone/>
+              <a:defRPr sz="900"/>
+            </a:lvl6pPr>
+            <a:lvl7pPr marL="2743200" indent="0">
+              <a:buNone/>
+              <a:defRPr sz="900"/>
+            </a:lvl7pPr>
+            <a:lvl8pPr marL="3200400" indent="0">
+              <a:buNone/>
+              <a:defRPr sz="900"/>
+            </a:lvl8pPr>
+            <a:lvl9pPr marL="3657600" indent="0">
+              <a:buNone/>
+              <a:defRPr sz="900"/>
+            </a:lvl9pPr>
+          </a:lstStyle>
+          <a:p>
+            <a:pPr lvl="0"/>
+            <a:r>
+              <a:rPr lang="es-ES" smtClean="0"/>
+              <a:t>Haga clic para modificar el estilo de texto del patrón</a:t>
+            </a:r>
+          </a:p>
+        </p:txBody>
+      </p:sp>
+      <p:sp>
+        <p:nvSpPr>
+          <p:cNvPr id="5" name="Date Placeholder 4"/>
+          <p:cNvSpPr>
+            <a:spLocks noGrp="1"/>
+          </p:cNvSpPr>
+          <p:nvPr>
+            <p:ph type="dt" sz="half" idx="10"/>
+          </p:nvPr>
+        </p:nvSpPr>
+        <p:spPr/>
+        <p:txBody>
+          <a:bodyPr/>
+          <a:lstStyle/>
+          <a:p>
+            <a:fld id="{A34E6EBE-B126-4045-BFC8-0CFD75EE4621}" type="datetimeFigureOut">
+              <a:rPr lang="es-HN" smtClean="0"/>
+              <a:t>26/7/2016</a:t>
+            </a:fld>
+            <a:endParaRPr lang="es-HN"/>
+          </a:p>
+        </p:txBody>
+      </p:sp>
+      <p:sp>
+        <p:nvSpPr>
+          <p:cNvPr id="6" name="Footer Placeholder 5"/>
+          <p:cNvSpPr>
+            <a:spLocks noGrp="1"/>
+          </p:cNvSpPr>
+          <p:nvPr>
+            <p:ph type="ftr" sz="quarter" idx="11"/>
+          </p:nvPr>
+        </p:nvSpPr>
+        <p:spPr/>
+        <p:txBody>
+          <a:bodyPr/>
+          <a:lstStyle/>
+          <a:p>
+            <a:endParaRPr lang="es-HN"/>
+          </a:p>
+        </p:txBody>
+      </p:sp>
+      <p:sp>
+        <p:nvSpPr>
+          <p:cNvPr id="7" name="Slide Number Placeholder 6"/>
+          <p:cNvSpPr>
+            <a:spLocks noGrp="1"/>
+          </p:cNvSpPr>
+          <p:nvPr>
+            <p:ph type="sldNum" sz="quarter" idx="12"/>
+          </p:nvPr>
+        </p:nvSpPr>
+        <p:spPr/>
+        <p:txBody>
+          <a:bodyPr/>
+          <a:lstStyle/>
+          <a:p>
+            <a:fld id="{670D6CF0-C626-44FE-8241-A88390B0011C}" type="slidenum">
+              <a:rPr lang="es-HN" smtClean="0"/>
+              <a:t>‹Nº›</a:t>
+            </a:fld>
+            <a:endParaRPr lang="es-HN"/>
+          </a:p>
+        </p:txBody>
+      </p:sp>
+    </p:spTree>
+    <p:extLst>
+      <p:ext uri="{BB962C8B-B14F-4D97-AF65-F5344CB8AC3E}">
+        <p14:creationId xmlns:p14="http://schemas.microsoft.com/office/powerpoint/2010/main" val="2818974321"/>
+      </p:ext>
+    </p:extLst>
+  </p:cSld>
+  <p:clrMapOvr>
+    <a:masterClrMapping/>
+  </p:clrMapOvr>
+</p:sldLayout>
+</file>
+
+<file path=ppt/slideLayouts/slideLayout11.xml><?xml version="1.0" encoding="utf-8"?>
+<p:sldLayout xmlns:a="http://schemas.openxmlformats.org/drawingml/2006/main" xmlns:r="http://schemas.openxmlformats.org/officeDocument/2006/relationships" xmlns:p="http://schemas.openxmlformats.org/presentationml/2006/main" preserve="1">
+  <p:cSld name="Título y descripción">
+    <p:spTree>
+      <p:nvGrpSpPr>
+        <p:cNvPr id="1" name=""/>
+        <p:cNvGrpSpPr/>
+        <p:nvPr/>
+      </p:nvGrpSpPr>
+      <p:grpSpPr>
+        <a:xfrm>
+          <a:off x="0" y="0"/>
+          <a:ext cx="0" cy="0"/>
+          <a:chOff x="0" y="0"/>
+          <a:chExt cx="0" cy="0"/>
+        </a:xfrm>
+      </p:grpSpPr>
+      <p:sp>
+        <p:nvSpPr>
+          <p:cNvPr id="2" name="Title 1"/>
+          <p:cNvSpPr>
+            <a:spLocks noGrp="1"/>
+          </p:cNvSpPr>
+          <p:nvPr>
+            <p:ph type="title"/>
+          </p:nvPr>
+        </p:nvSpPr>
+        <p:spPr>
+          <a:xfrm>
+            <a:off x="1484312" y="685800"/>
+            <a:ext cx="10018711" cy="3048000"/>
+          </a:xfrm>
+        </p:spPr>
+        <p:txBody>
+          <a:bodyPr anchor="ctr">
+            <a:normAutofit/>
+          </a:bodyPr>
+          <a:lstStyle>
+            <a:lvl1pPr algn="ctr">
+              <a:defRPr sz="3200" b="0" cap="none"/>
+            </a:lvl1pPr>
+          </a:lstStyle>
+          <a:p>
+            <a:r>
+              <a:rPr lang="es-ES" smtClean="0"/>
+              <a:t>Haga clic para modificar el estilo de título del patrón</a:t>
+            </a:r>
+            <a:endParaRPr lang="en-US" dirty="0"/>
+          </a:p>
+        </p:txBody>
+      </p:sp>
+      <p:sp>
+        <p:nvSpPr>
+          <p:cNvPr id="3" name="Text Placeholder 2"/>
+          <p:cNvSpPr>
+            <a:spLocks noGrp="1"/>
+          </p:cNvSpPr>
+          <p:nvPr>
+            <p:ph type="body" idx="1"/>
+          </p:nvPr>
+        </p:nvSpPr>
+        <p:spPr>
+          <a:xfrm>
+            <a:off x="1484312" y="4343400"/>
+            <a:ext cx="10018713" cy="1447800"/>
+          </a:xfrm>
+        </p:spPr>
+        <p:txBody>
+          <a:bodyPr anchor="ctr">
+            <a:normAutofit/>
+          </a:bodyPr>
+          <a:lstStyle>
+            <a:lvl1pPr marL="0" indent="0" algn="ctr">
+              <a:buNone/>
+              <a:defRPr sz="2000">
+                <a:solidFill>
+                  <a:schemeClr val="tx1"/>
+                </a:solidFill>
+              </a:defRPr>
+            </a:lvl1pPr>
+            <a:lvl2pPr marL="457200" indent="0">
+              <a:buNone/>
+              <a:defRPr sz="1800">
+                <a:solidFill>
+                  <a:schemeClr val="tx1">
+                    <a:tint val="75000"/>
+                  </a:schemeClr>
+                </a:solidFill>
+              </a:defRPr>
+            </a:lvl2pPr>
+            <a:lvl3pPr marL="914400" indent="0">
+              <a:buNone/>
+              <a:defRPr sz="1600">
+                <a:solidFill>
+                  <a:schemeClr val="tx1">
+                    <a:tint val="75000"/>
+                  </a:schemeClr>
+                </a:solidFill>
+              </a:defRPr>
+            </a:lvl3pPr>
+            <a:lvl4pPr marL="1371600" indent="0">
+              <a:buNone/>
+              <a:defRPr sz="1400">
+                <a:solidFill>
+                  <a:schemeClr val="tx1">
+                    <a:tint val="75000"/>
+                  </a:schemeClr>
+                </a:solidFill>
+              </a:defRPr>
+            </a:lvl4pPr>
+            <a:lvl5pPr marL="1828800" indent="0">
+              <a:buNone/>
+              <a:defRPr sz="1400">
+                <a:solidFill>
+                  <a:schemeClr val="tx1">
+                    <a:tint val="75000"/>
+                  </a:schemeClr>
+                </a:solidFill>
+              </a:defRPr>
+            </a:lvl5pPr>
+            <a:lvl6pPr marL="2286000" indent="0">
+              <a:buNone/>
+              <a:defRPr sz="1400">
+                <a:solidFill>
+                  <a:schemeClr val="tx1">
+                    <a:tint val="75000"/>
+                  </a:schemeClr>
+                </a:solidFill>
+              </a:defRPr>
+            </a:lvl6pPr>
+            <a:lvl7pPr marL="2743200" indent="0">
+              <a:buNone/>
+              <a:defRPr sz="1400">
+                <a:solidFill>
+                  <a:schemeClr val="tx1">
+                    <a:tint val="75000"/>
+                  </a:schemeClr>
+                </a:solidFill>
+              </a:defRPr>
+            </a:lvl7pPr>
+            <a:lvl8pPr marL="3200400" indent="0">
+              <a:buNone/>
+              <a:defRPr sz="1400">
+                <a:solidFill>
+                  <a:schemeClr val="tx1">
+                    <a:tint val="75000"/>
+                  </a:schemeClr>
+                </a:solidFill>
+              </a:defRPr>
+            </a:lvl8pPr>
+            <a:lvl9pPr marL="3657600" indent="0">
+              <a:buNone/>
+              <a:defRPr sz="1400">
+                <a:solidFill>
+                  <a:schemeClr val="tx1">
+                    <a:tint val="75000"/>
+                  </a:schemeClr>
+                </a:solidFill>
+              </a:defRPr>
+            </a:lvl9pPr>
+          </a:lstStyle>
+          <a:p>
+            <a:pPr lvl="0"/>
+            <a:r>
+              <a:rPr lang="es-ES" smtClean="0"/>
+              <a:t>Haga clic para modificar el estilo de texto del patrón</a:t>
+            </a:r>
+          </a:p>
+        </p:txBody>
+      </p:sp>
+      <p:sp>
+        <p:nvSpPr>
+          <p:cNvPr id="4" name="Date Placeholder 3"/>
+          <p:cNvSpPr>
+            <a:spLocks noGrp="1"/>
+          </p:cNvSpPr>
+          <p:nvPr>
+            <p:ph type="dt" sz="half" idx="10"/>
+          </p:nvPr>
+        </p:nvSpPr>
+        <p:spPr/>
+        <p:txBody>
+          <a:bodyPr/>
+          <a:lstStyle/>
+          <a:p>
+            <a:fld id="{A34E6EBE-B126-4045-BFC8-0CFD75EE4621}" type="datetimeFigureOut">
+              <a:rPr lang="es-HN" smtClean="0"/>
+              <a:t>26/7/2016</a:t>
+            </a:fld>
+            <a:endParaRPr lang="es-HN"/>
+          </a:p>
+        </p:txBody>
+      </p:sp>
+      <p:sp>
+        <p:nvSpPr>
+          <p:cNvPr id="5" name="Footer Placeholder 4"/>
+          <p:cNvSpPr>
+            <a:spLocks noGrp="1"/>
+          </p:cNvSpPr>
+          <p:nvPr>
+            <p:ph type="ftr" sz="quarter" idx="11"/>
+          </p:nvPr>
+        </p:nvSpPr>
+        <p:spPr/>
+        <p:txBody>
+          <a:bodyPr/>
+          <a:lstStyle/>
+          <a:p>
+            <a:endParaRPr lang="es-HN"/>
+          </a:p>
+        </p:txBody>
+      </p:sp>
+      <p:sp>
+        <p:nvSpPr>
+          <p:cNvPr id="6" name="Slide Number Placeholder 5"/>
+          <p:cNvSpPr>
+            <a:spLocks noGrp="1"/>
+          </p:cNvSpPr>
+          <p:nvPr>
+            <p:ph type="sldNum" sz="quarter" idx="12"/>
+          </p:nvPr>
+        </p:nvSpPr>
+        <p:spPr/>
+        <p:txBody>
+          <a:bodyPr/>
+          <a:lstStyle/>
+          <a:p>
+            <a:fld id="{670D6CF0-C626-44FE-8241-A88390B0011C}" type="slidenum">
+              <a:rPr lang="es-HN" smtClean="0"/>
+              <a:t>‹Nº›</a:t>
+            </a:fld>
+            <a:endParaRPr lang="es-HN"/>
+          </a:p>
+        </p:txBody>
+      </p:sp>
+    </p:spTree>
+    <p:extLst>
+      <p:ext uri="{BB962C8B-B14F-4D97-AF65-F5344CB8AC3E}">
+        <p14:creationId xmlns:p14="http://schemas.microsoft.com/office/powerpoint/2010/main" val="3351926701"/>
+      </p:ext>
+    </p:extLst>
+  </p:cSld>
+  <p:clrMapOvr>
+    <a:masterClrMapping/>
+  </p:clrMapOvr>
+</p:sldLayout>
+</file>
+
+<file path=ppt/slideLayouts/slideLayout12.xml><?xml version="1.0" encoding="utf-8"?>
+<p:sldLayout xmlns:a="http://schemas.openxmlformats.org/drawingml/2006/main" xmlns:r="http://schemas.openxmlformats.org/officeDocument/2006/relationships" xmlns:p="http://schemas.openxmlformats.org/presentationml/2006/main" preserve="1">
+  <p:cSld name="Cita con descripción">
+    <p:spTree>
+      <p:nvGrpSpPr>
+        <p:cNvPr id="1" name=""/>
+        <p:cNvGrpSpPr/>
+        <p:nvPr/>
+      </p:nvGrpSpPr>
+      <p:grpSpPr>
+        <a:xfrm>
+          <a:off x="0" y="0"/>
+          <a:ext cx="0" cy="0"/>
+          <a:chOff x="0" y="0"/>
+          <a:chExt cx="0" cy="0"/>
+        </a:xfrm>
+      </p:grpSpPr>
+      <p:sp>
+        <p:nvSpPr>
+          <p:cNvPr id="14" name="TextBox 13"/>
+          <p:cNvSpPr txBox="1"/>
+          <p:nvPr/>
+        </p:nvSpPr>
+        <p:spPr>
+          <a:xfrm>
+            <a:off x="1598612" y="863023"/>
+            <a:ext cx="609600" cy="584776"/>
+          </a:xfrm>
+          <a:prstGeom prst="rect">
+            <a:avLst/>
+          </a:prstGeom>
+        </p:spPr>
+        <p:txBody>
+          <a:bodyPr vert="horz" lIns="91440" tIns="45720" rIns="91440" bIns="45720" rtlCol="0" anchor="ctr">
+            <a:noAutofit/>
+          </a:bodyPr>
+          <a:lstStyle>
+            <a:lvl1pPr>
+              <a:spcBef>
+                <a:spcPct val="0"/>
+              </a:spcBef>
+              <a:buNone/>
+              <a:defRPr sz="3200" b="0" cap="all">
+                <a:ln w="3175" cmpd="sng">
+                  <a:noFill/>
+                </a:ln>
+                <a:effectLst>
+                  <a:glow rad="38100">
+                    <a:schemeClr val="bg1">
+                      <a:lumMod val="65000"/>
+                      <a:lumOff val="35000"/>
+                      <a:alpha val="40000"/>
+                    </a:schemeClr>
+                  </a:glow>
+                  <a:outerShdw blurRad="28575" dist="38100" dir="14040000" algn="tl" rotWithShape="0">
+                    <a:srgbClr val="000000">
+                      <a:alpha val="25000"/>
+                    </a:srgbClr>
+                  </a:outerShdw>
+                </a:effectLst>
+              </a:defRPr>
+            </a:lvl1pPr>
+            <a:lvl2pPr>
+              <a:defRPr>
+                <a:solidFill>
+                  <a:schemeClr val="tx2"/>
+                </a:solidFill>
+              </a:defRPr>
+            </a:lvl2pPr>
+            <a:lvl3pPr>
+              <a:defRPr>
+                <a:solidFill>
+                  <a:schemeClr val="tx2"/>
+                </a:solidFill>
+              </a:defRPr>
+            </a:lvl3pPr>
+            <a:lvl4pPr>
+              <a:defRPr>
+                <a:solidFill>
+                  <a:schemeClr val="tx2"/>
+                </a:solidFill>
+              </a:defRPr>
+            </a:lvl4pPr>
+            <a:lvl5pPr>
+              <a:defRPr>
+                <a:solidFill>
+                  <a:schemeClr val="tx2"/>
+                </a:solidFill>
+              </a:defRPr>
+            </a:lvl5pPr>
+            <a:lvl6pPr>
+              <a:defRPr>
+                <a:solidFill>
+                  <a:schemeClr val="tx2"/>
+                </a:solidFill>
+              </a:defRPr>
+            </a:lvl6pPr>
+            <a:lvl7pPr>
+              <a:defRPr>
+                <a:solidFill>
+                  <a:schemeClr val="tx2"/>
+                </a:solidFill>
+              </a:defRPr>
+            </a:lvl7pPr>
+            <a:lvl8pPr>
+              <a:defRPr>
+                <a:solidFill>
+                  <a:schemeClr val="tx2"/>
+                </a:solidFill>
+              </a:defRPr>
+            </a:lvl8pPr>
+            <a:lvl9pPr>
+              <a:defRPr>
+                <a:solidFill>
+                  <a:schemeClr val="tx2"/>
+                </a:solidFill>
+              </a:defRPr>
+            </a:lvl9pPr>
+          </a:lstStyle>
+          <a:p>
+            <a:pPr lvl="0"/>
+            <a:r>
+              <a:rPr lang="en-US" sz="8000" dirty="0">
+                <a:solidFill>
+                  <a:schemeClr val="tx1"/>
+                </a:solidFill>
+                <a:effectLst/>
+              </a:rPr>
+              <a:t>“</a:t>
+            </a:r>
+          </a:p>
+        </p:txBody>
+      </p:sp>
+      <p:sp>
+        <p:nvSpPr>
+          <p:cNvPr id="15" name="TextBox 14"/>
+          <p:cNvSpPr txBox="1"/>
+          <p:nvPr/>
+        </p:nvSpPr>
+        <p:spPr>
+          <a:xfrm>
+            <a:off x="10893425" y="2819399"/>
+            <a:ext cx="609600" cy="584776"/>
+          </a:xfrm>
+          <a:prstGeom prst="rect">
+            <a:avLst/>
+          </a:prstGeom>
+        </p:spPr>
+        <p:txBody>
+          <a:bodyPr vert="horz" lIns="91440" tIns="45720" rIns="91440" bIns="45720" rtlCol="0" anchor="ctr">
+            <a:noAutofit/>
+          </a:bodyPr>
+          <a:lstStyle>
+            <a:lvl1pPr>
+              <a:spcBef>
+                <a:spcPct val="0"/>
+              </a:spcBef>
+              <a:buNone/>
+              <a:defRPr sz="3200" b="0" cap="all">
+                <a:ln w="3175" cmpd="sng">
+                  <a:noFill/>
+                </a:ln>
+                <a:effectLst>
+                  <a:glow rad="38100">
+                    <a:schemeClr val="bg1">
+                      <a:lumMod val="65000"/>
+                      <a:lumOff val="35000"/>
+                      <a:alpha val="40000"/>
+                    </a:schemeClr>
+                  </a:glow>
+                  <a:outerShdw blurRad="28575" dist="38100" dir="14040000" algn="tl" rotWithShape="0">
+                    <a:srgbClr val="000000">
+                      <a:alpha val="25000"/>
+                    </a:srgbClr>
+                  </a:outerShdw>
+                </a:effectLst>
+              </a:defRPr>
+            </a:lvl1pPr>
+            <a:lvl2pPr>
+              <a:defRPr>
+                <a:solidFill>
+                  <a:schemeClr val="tx2"/>
+                </a:solidFill>
+              </a:defRPr>
+            </a:lvl2pPr>
+            <a:lvl3pPr>
+              <a:defRPr>
+                <a:solidFill>
+                  <a:schemeClr val="tx2"/>
+                </a:solidFill>
+              </a:defRPr>
+            </a:lvl3pPr>
+            <a:lvl4pPr>
+              <a:defRPr>
+                <a:solidFill>
+                  <a:schemeClr val="tx2"/>
+                </a:solidFill>
+              </a:defRPr>
+            </a:lvl4pPr>
+            <a:lvl5pPr>
+              <a:defRPr>
+                <a:solidFill>
+                  <a:schemeClr val="tx2"/>
+                </a:solidFill>
+              </a:defRPr>
+            </a:lvl5pPr>
+            <a:lvl6pPr>
+              <a:defRPr>
+                <a:solidFill>
+                  <a:schemeClr val="tx2"/>
+                </a:solidFill>
+              </a:defRPr>
+            </a:lvl6pPr>
+            <a:lvl7pPr>
+              <a:defRPr>
+                <a:solidFill>
+                  <a:schemeClr val="tx2"/>
+                </a:solidFill>
+              </a:defRPr>
+            </a:lvl7pPr>
+            <a:lvl8pPr>
+              <a:defRPr>
+                <a:solidFill>
+                  <a:schemeClr val="tx2"/>
+                </a:solidFill>
+              </a:defRPr>
+            </a:lvl8pPr>
+            <a:lvl9pPr>
+              <a:defRPr>
+                <a:solidFill>
+                  <a:schemeClr val="tx2"/>
+                </a:solidFill>
+              </a:defRPr>
+            </a:lvl9pPr>
+          </a:lstStyle>
+          <a:p>
+            <a:pPr lvl="0" algn="r"/>
+            <a:r>
+              <a:rPr lang="en-US" sz="8000" dirty="0">
+                <a:solidFill>
+                  <a:schemeClr val="tx1"/>
+                </a:solidFill>
+                <a:effectLst/>
+              </a:rPr>
+              <a:t>”</a:t>
+            </a:r>
+          </a:p>
+        </p:txBody>
+      </p:sp>
+      <p:sp>
+        <p:nvSpPr>
+          <p:cNvPr id="2" name="Title 1"/>
+          <p:cNvSpPr>
+            <a:spLocks noGrp="1"/>
+          </p:cNvSpPr>
+          <p:nvPr>
+            <p:ph type="title"/>
+          </p:nvPr>
+        </p:nvSpPr>
+        <p:spPr>
+          <a:xfrm>
+            <a:off x="2208212" y="685800"/>
+            <a:ext cx="8990012" cy="2743199"/>
+          </a:xfrm>
+        </p:spPr>
+        <p:txBody>
+          <a:bodyPr anchor="ctr">
+            <a:normAutofit/>
+          </a:bodyPr>
+          <a:lstStyle>
+            <a:lvl1pPr algn="ctr">
+              <a:defRPr sz="3200" b="0" cap="none">
+                <a:solidFill>
+                  <a:schemeClr val="tx1"/>
+                </a:solidFill>
+              </a:defRPr>
+            </a:lvl1pPr>
+          </a:lstStyle>
+          <a:p>
+            <a:r>
+              <a:rPr lang="es-ES" smtClean="0"/>
+              <a:t>Haga clic para modificar el estilo de título del patrón</a:t>
+            </a:r>
+            <a:endParaRPr lang="en-US" dirty="0"/>
+          </a:p>
+        </p:txBody>
+      </p:sp>
+      <p:sp>
+        <p:nvSpPr>
+          <p:cNvPr id="10" name="Text Placeholder 9"/>
+          <p:cNvSpPr>
+            <a:spLocks noGrp="1"/>
+          </p:cNvSpPr>
+          <p:nvPr>
+            <p:ph type="body" sz="quarter" idx="13"/>
+          </p:nvPr>
+        </p:nvSpPr>
+        <p:spPr>
+          <a:xfrm>
+            <a:off x="2436811" y="3428999"/>
+            <a:ext cx="8532815" cy="381000"/>
+          </a:xfrm>
+        </p:spPr>
+        <p:txBody>
+          <a:bodyPr anchor="ctr">
+            <a:normAutofit/>
+          </a:bodyPr>
+          <a:lstStyle>
+            <a:lvl1pPr marL="0" indent="0">
+              <a:buFontTx/>
+              <a:buNone/>
+              <a:defRPr sz="1800"/>
+            </a:lvl1pPr>
+            <a:lvl2pPr marL="457200" indent="0">
+              <a:buFontTx/>
+              <a:buNone/>
+              <a:defRPr/>
+            </a:lvl2pPr>
+            <a:lvl3pPr marL="914400" indent="0">
+              <a:buFontTx/>
+              <a:buNone/>
+              <a:defRPr/>
+            </a:lvl3pPr>
+            <a:lvl4pPr marL="1371600" indent="0">
+              <a:buFontTx/>
+              <a:buNone/>
+              <a:defRPr/>
+            </a:lvl4pPr>
+            <a:lvl5pPr marL="1828800" indent="0">
+              <a:buFontTx/>
+              <a:buNone/>
+              <a:defRPr/>
+            </a:lvl5pPr>
+          </a:lstStyle>
+          <a:p>
+            <a:pPr lvl="0"/>
+            <a:r>
+              <a:rPr lang="es-ES" smtClean="0"/>
+              <a:t>Haga clic para modificar el estilo de texto del patrón</a:t>
+            </a:r>
+          </a:p>
+        </p:txBody>
+      </p:sp>
+      <p:sp>
+        <p:nvSpPr>
+          <p:cNvPr id="3" name="Text Placeholder 2"/>
+          <p:cNvSpPr>
+            <a:spLocks noGrp="1"/>
+          </p:cNvSpPr>
+          <p:nvPr>
+            <p:ph type="body" idx="1"/>
+          </p:nvPr>
+        </p:nvSpPr>
+        <p:spPr>
+          <a:xfrm>
+            <a:off x="1484311" y="4343400"/>
+            <a:ext cx="10018711" cy="1447800"/>
+          </a:xfrm>
+        </p:spPr>
+        <p:txBody>
+          <a:bodyPr anchor="ctr">
+            <a:normAutofit/>
+          </a:bodyPr>
+          <a:lstStyle>
+            <a:lvl1pPr marL="0" indent="0" algn="ctr">
+              <a:buNone/>
+              <a:defRPr sz="2000">
+                <a:solidFill>
+                  <a:schemeClr val="tx1"/>
+                </a:solidFill>
+              </a:defRPr>
+            </a:lvl1pPr>
+            <a:lvl2pPr marL="457200" indent="0">
+              <a:buNone/>
+              <a:defRPr sz="1800">
+                <a:solidFill>
+                  <a:schemeClr val="tx1">
+                    <a:tint val="75000"/>
+                  </a:schemeClr>
+                </a:solidFill>
+              </a:defRPr>
+            </a:lvl2pPr>
+            <a:lvl3pPr marL="914400" indent="0">
+              <a:buNone/>
+              <a:defRPr sz="1600">
+                <a:solidFill>
+                  <a:schemeClr val="tx1">
+                    <a:tint val="75000"/>
+                  </a:schemeClr>
+                </a:solidFill>
+              </a:defRPr>
+            </a:lvl3pPr>
+            <a:lvl4pPr marL="1371600" indent="0">
+              <a:buNone/>
+              <a:defRPr sz="1400">
+                <a:solidFill>
+                  <a:schemeClr val="tx1">
+                    <a:tint val="75000"/>
+                  </a:schemeClr>
+                </a:solidFill>
+              </a:defRPr>
+            </a:lvl4pPr>
+            <a:lvl5pPr marL="1828800" indent="0">
+              <a:buNone/>
+              <a:defRPr sz="1400">
+                <a:solidFill>
+                  <a:schemeClr val="tx1">
+                    <a:tint val="75000"/>
+                  </a:schemeClr>
+                </a:solidFill>
+              </a:defRPr>
+            </a:lvl5pPr>
+            <a:lvl6pPr marL="2286000" indent="0">
+              <a:buNone/>
+              <a:defRPr sz="1400">
+                <a:solidFill>
+                  <a:schemeClr val="tx1">
+                    <a:tint val="75000"/>
+                  </a:schemeClr>
+                </a:solidFill>
+              </a:defRPr>
+            </a:lvl6pPr>
+            <a:lvl7pPr marL="2743200" indent="0">
+              <a:buNone/>
+              <a:defRPr sz="1400">
+                <a:solidFill>
+                  <a:schemeClr val="tx1">
+                    <a:tint val="75000"/>
+                  </a:schemeClr>
+                </a:solidFill>
+              </a:defRPr>
+            </a:lvl7pPr>
+            <a:lvl8pPr marL="3200400" indent="0">
+              <a:buNone/>
+              <a:defRPr sz="1400">
+                <a:solidFill>
+                  <a:schemeClr val="tx1">
+                    <a:tint val="75000"/>
+                  </a:schemeClr>
+                </a:solidFill>
+              </a:defRPr>
+            </a:lvl8pPr>
+            <a:lvl9pPr marL="3657600" indent="0">
+              <a:buNone/>
+              <a:defRPr sz="1400">
+                <a:solidFill>
+                  <a:schemeClr val="tx1">
+                    <a:tint val="75000"/>
+                  </a:schemeClr>
+                </a:solidFill>
+              </a:defRPr>
+            </a:lvl9pPr>
+          </a:lstStyle>
+          <a:p>
+            <a:pPr lvl="0"/>
+            <a:r>
+              <a:rPr lang="es-ES" smtClean="0"/>
+              <a:t>Haga clic para modificar el estilo de texto del patrón</a:t>
+            </a:r>
+          </a:p>
+        </p:txBody>
+      </p:sp>
+      <p:sp>
+        <p:nvSpPr>
+          <p:cNvPr id="4" name="Date Placeholder 3"/>
+          <p:cNvSpPr>
+            <a:spLocks noGrp="1"/>
+          </p:cNvSpPr>
+          <p:nvPr>
+            <p:ph type="dt" sz="half" idx="10"/>
+          </p:nvPr>
+        </p:nvSpPr>
+        <p:spPr/>
+        <p:txBody>
+          <a:bodyPr/>
+          <a:lstStyle/>
+          <a:p>
+            <a:fld id="{A34E6EBE-B126-4045-BFC8-0CFD75EE4621}" type="datetimeFigureOut">
+              <a:rPr lang="es-HN" smtClean="0"/>
+              <a:t>26/7/2016</a:t>
+            </a:fld>
+            <a:endParaRPr lang="es-HN"/>
+          </a:p>
+        </p:txBody>
+      </p:sp>
+      <p:sp>
+        <p:nvSpPr>
+          <p:cNvPr id="5" name="Footer Placeholder 4"/>
+          <p:cNvSpPr>
+            <a:spLocks noGrp="1"/>
+          </p:cNvSpPr>
+          <p:nvPr>
+            <p:ph type="ftr" sz="quarter" idx="11"/>
+          </p:nvPr>
+        </p:nvSpPr>
+        <p:spPr/>
+        <p:txBody>
+          <a:bodyPr/>
+          <a:lstStyle/>
+          <a:p>
+            <a:endParaRPr lang="es-HN"/>
+          </a:p>
+        </p:txBody>
+      </p:sp>
+      <p:sp>
+        <p:nvSpPr>
+          <p:cNvPr id="6" name="Slide Number Placeholder 5"/>
+          <p:cNvSpPr>
+            <a:spLocks noGrp="1"/>
+          </p:cNvSpPr>
+          <p:nvPr>
+            <p:ph type="sldNum" sz="quarter" idx="12"/>
+          </p:nvPr>
+        </p:nvSpPr>
+        <p:spPr/>
+        <p:txBody>
+          <a:bodyPr/>
+          <a:lstStyle/>
+          <a:p>
+            <a:fld id="{670D6CF0-C626-44FE-8241-A88390B0011C}" type="slidenum">
+              <a:rPr lang="es-HN" smtClean="0"/>
+              <a:t>‹Nº›</a:t>
+            </a:fld>
+            <a:endParaRPr lang="es-HN"/>
+          </a:p>
+        </p:txBody>
+      </p:sp>
+    </p:spTree>
+    <p:extLst>
+      <p:ext uri="{BB962C8B-B14F-4D97-AF65-F5344CB8AC3E}">
+        <p14:creationId xmlns:p14="http://schemas.microsoft.com/office/powerpoint/2010/main" val="185974133"/>
+      </p:ext>
+    </p:extLst>
+  </p:cSld>
+  <p:clrMapOvr>
+    <a:masterClrMapping/>
+  </p:clrMapOvr>
+</p:sldLayout>
+</file>
+
+<file path=ppt/slideLayouts/slideLayout13.xml><?xml version="1.0" encoding="utf-8"?>
+<p:sldLayout xmlns:a="http://schemas.openxmlformats.org/drawingml/2006/main" xmlns:r="http://schemas.openxmlformats.org/officeDocument/2006/relationships" xmlns:p="http://schemas.openxmlformats.org/presentationml/2006/main" preserve="1">
+  <p:cSld name="Tarjeta de nombre">
+    <p:spTree>
+      <p:nvGrpSpPr>
+        <p:cNvPr id="1" name=""/>
+        <p:cNvGrpSpPr/>
+        <p:nvPr/>
+      </p:nvGrpSpPr>
+      <p:grpSpPr>
+        <a:xfrm>
+          <a:off x="0" y="0"/>
+          <a:ext cx="0" cy="0"/>
+          <a:chOff x="0" y="0"/>
+          <a:chExt cx="0" cy="0"/>
+        </a:xfrm>
+      </p:grpSpPr>
+      <p:sp>
+        <p:nvSpPr>
+          <p:cNvPr id="2" name="Title 1"/>
+          <p:cNvSpPr>
+            <a:spLocks noGrp="1"/>
+          </p:cNvSpPr>
+          <p:nvPr>
+            <p:ph type="title"/>
+          </p:nvPr>
+        </p:nvSpPr>
+        <p:spPr>
+          <a:xfrm>
+            <a:off x="1484313" y="3308581"/>
+            <a:ext cx="10018709" cy="1468800"/>
+          </a:xfrm>
+        </p:spPr>
+        <p:txBody>
+          <a:bodyPr anchor="b">
+            <a:normAutofit/>
+          </a:bodyPr>
+          <a:lstStyle>
+            <a:lvl1pPr algn="r">
+              <a:defRPr sz="3200" b="0" cap="none"/>
+            </a:lvl1pPr>
+          </a:lstStyle>
+          <a:p>
+            <a:r>
+              <a:rPr lang="es-ES" smtClean="0"/>
+              <a:t>Haga clic para modificar el estilo de título del patrón</a:t>
+            </a:r>
+            <a:endParaRPr lang="en-US" dirty="0"/>
+          </a:p>
+        </p:txBody>
+      </p:sp>
+      <p:sp>
+        <p:nvSpPr>
+          <p:cNvPr id="3" name="Text Placeholder 2"/>
+          <p:cNvSpPr>
+            <a:spLocks noGrp="1"/>
+          </p:cNvSpPr>
+          <p:nvPr>
+            <p:ph type="body" idx="1"/>
+          </p:nvPr>
+        </p:nvSpPr>
+        <p:spPr>
+          <a:xfrm>
+            <a:off x="1484312" y="4777381"/>
+            <a:ext cx="10018710" cy="860400"/>
+          </a:xfrm>
+        </p:spPr>
+        <p:txBody>
+          <a:bodyPr anchor="t">
+            <a:normAutofit/>
+          </a:bodyPr>
+          <a:lstStyle>
+            <a:lvl1pPr marL="0" indent="0" algn="r">
+              <a:buNone/>
+              <a:defRPr sz="2000">
+                <a:solidFill>
+                  <a:schemeClr val="tx1"/>
+                </a:solidFill>
+              </a:defRPr>
+            </a:lvl1pPr>
+            <a:lvl2pPr marL="457200" indent="0">
+              <a:buNone/>
+              <a:defRPr sz="1800">
+                <a:solidFill>
+                  <a:schemeClr val="tx1">
+                    <a:tint val="75000"/>
+                  </a:schemeClr>
+                </a:solidFill>
+              </a:defRPr>
+            </a:lvl2pPr>
+            <a:lvl3pPr marL="914400" indent="0">
+              <a:buNone/>
+              <a:defRPr sz="1600">
+                <a:solidFill>
+                  <a:schemeClr val="tx1">
+                    <a:tint val="75000"/>
+                  </a:schemeClr>
+                </a:solidFill>
+              </a:defRPr>
+            </a:lvl3pPr>
+            <a:lvl4pPr marL="1371600" indent="0">
+              <a:buNone/>
+              <a:defRPr sz="1400">
+                <a:solidFill>
+                  <a:schemeClr val="tx1">
+                    <a:tint val="75000"/>
+                  </a:schemeClr>
+                </a:solidFill>
+              </a:defRPr>
+            </a:lvl4pPr>
+            <a:lvl5pPr marL="1828800" indent="0">
+              <a:buNone/>
+              <a:defRPr sz="1400">
+                <a:solidFill>
+                  <a:schemeClr val="tx1">
+                    <a:tint val="75000"/>
+                  </a:schemeClr>
+                </a:solidFill>
+              </a:defRPr>
+            </a:lvl5pPr>
+            <a:lvl6pPr marL="2286000" indent="0">
+              <a:buNone/>
+              <a:defRPr sz="1400">
+                <a:solidFill>
+                  <a:schemeClr val="tx1">
+                    <a:tint val="75000"/>
+                  </a:schemeClr>
+                </a:solidFill>
+              </a:defRPr>
+            </a:lvl6pPr>
+            <a:lvl7pPr marL="2743200" indent="0">
+              <a:buNone/>
+              <a:defRPr sz="1400">
+                <a:solidFill>
+                  <a:schemeClr val="tx1">
+                    <a:tint val="75000"/>
+                  </a:schemeClr>
+                </a:solidFill>
+              </a:defRPr>
+            </a:lvl7pPr>
+            <a:lvl8pPr marL="3200400" indent="0">
+              <a:buNone/>
+              <a:defRPr sz="1400">
+                <a:solidFill>
+                  <a:schemeClr val="tx1">
+                    <a:tint val="75000"/>
+                  </a:schemeClr>
+                </a:solidFill>
+              </a:defRPr>
+            </a:lvl8pPr>
+            <a:lvl9pPr marL="3657600" indent="0">
+              <a:buNone/>
+              <a:defRPr sz="1400">
+                <a:solidFill>
+                  <a:schemeClr val="tx1">
+                    <a:tint val="75000"/>
+                  </a:schemeClr>
+                </a:solidFill>
+              </a:defRPr>
+            </a:lvl9pPr>
+          </a:lstStyle>
+          <a:p>
+            <a:pPr lvl="0"/>
+            <a:r>
+              <a:rPr lang="es-ES" smtClean="0"/>
+              <a:t>Haga clic para modificar el estilo de texto del patrón</a:t>
+            </a:r>
+          </a:p>
+        </p:txBody>
+      </p:sp>
+      <p:sp>
+        <p:nvSpPr>
+          <p:cNvPr id="4" name="Date Placeholder 3"/>
+          <p:cNvSpPr>
+            <a:spLocks noGrp="1"/>
+          </p:cNvSpPr>
+          <p:nvPr>
+            <p:ph type="dt" sz="half" idx="10"/>
+          </p:nvPr>
+        </p:nvSpPr>
+        <p:spPr/>
+        <p:txBody>
+          <a:bodyPr/>
+          <a:lstStyle/>
+          <a:p>
+            <a:fld id="{A34E6EBE-B126-4045-BFC8-0CFD75EE4621}" type="datetimeFigureOut">
+              <a:rPr lang="es-HN" smtClean="0"/>
+              <a:t>26/7/2016</a:t>
+            </a:fld>
+            <a:endParaRPr lang="es-HN"/>
+          </a:p>
+        </p:txBody>
+      </p:sp>
+      <p:sp>
+        <p:nvSpPr>
+          <p:cNvPr id="5" name="Footer Placeholder 4"/>
+          <p:cNvSpPr>
+            <a:spLocks noGrp="1"/>
+          </p:cNvSpPr>
+          <p:nvPr>
+            <p:ph type="ftr" sz="quarter" idx="11"/>
+          </p:nvPr>
+        </p:nvSpPr>
+        <p:spPr/>
+        <p:txBody>
+          <a:bodyPr/>
+          <a:lstStyle/>
+          <a:p>
+            <a:endParaRPr lang="es-HN"/>
+          </a:p>
+        </p:txBody>
+      </p:sp>
+      <p:sp>
+        <p:nvSpPr>
+          <p:cNvPr id="6" name="Slide Number Placeholder 5"/>
+          <p:cNvSpPr>
+            <a:spLocks noGrp="1"/>
+          </p:cNvSpPr>
+          <p:nvPr>
+            <p:ph type="sldNum" sz="quarter" idx="12"/>
+          </p:nvPr>
+        </p:nvSpPr>
+        <p:spPr/>
+        <p:txBody>
+          <a:bodyPr/>
+          <a:lstStyle/>
+          <a:p>
+            <a:fld id="{670D6CF0-C626-44FE-8241-A88390B0011C}" type="slidenum">
+              <a:rPr lang="es-HN" smtClean="0"/>
+              <a:t>‹Nº›</a:t>
+            </a:fld>
+            <a:endParaRPr lang="es-HN"/>
+          </a:p>
+        </p:txBody>
+      </p:sp>
+    </p:spTree>
+    <p:extLst>
+      <p:ext uri="{BB962C8B-B14F-4D97-AF65-F5344CB8AC3E}">
+        <p14:creationId xmlns:p14="http://schemas.microsoft.com/office/powerpoint/2010/main" val="994998513"/>
+      </p:ext>
+    </p:extLst>
+  </p:cSld>
+  <p:clrMapOvr>
+    <a:masterClrMapping/>
+  </p:clrMapOvr>
+</p:sldLayout>
+</file>
+
+<file path=ppt/slideLayouts/slideLayout14.xml><?xml version="1.0" encoding="utf-8"?>
+<p:sldLayout xmlns:a="http://schemas.openxmlformats.org/drawingml/2006/main" xmlns:r="http://schemas.openxmlformats.org/officeDocument/2006/relationships" xmlns:p="http://schemas.openxmlformats.org/presentationml/2006/main" preserve="1">
+  <p:cSld name="Citar la tarjeta de nombre">
+    <p:spTree>
+      <p:nvGrpSpPr>
+        <p:cNvPr id="1" name=""/>
+        <p:cNvGrpSpPr/>
+        <p:nvPr/>
+      </p:nvGrpSpPr>
+      <p:grpSpPr>
+        <a:xfrm>
+          <a:off x="0" y="0"/>
+          <a:ext cx="0" cy="0"/>
+          <a:chOff x="0" y="0"/>
+          <a:chExt cx="0" cy="0"/>
+        </a:xfrm>
+      </p:grpSpPr>
+      <p:sp>
+        <p:nvSpPr>
+          <p:cNvPr id="14" name="TextBox 13"/>
+          <p:cNvSpPr txBox="1"/>
+          <p:nvPr/>
+        </p:nvSpPr>
+        <p:spPr>
+          <a:xfrm>
+            <a:off x="1598612" y="863023"/>
+            <a:ext cx="609600" cy="584776"/>
+          </a:xfrm>
+          <a:prstGeom prst="rect">
+            <a:avLst/>
+          </a:prstGeom>
+        </p:spPr>
+        <p:txBody>
+          <a:bodyPr vert="horz" lIns="91440" tIns="45720" rIns="91440" bIns="45720" rtlCol="0" anchor="ctr">
+            <a:noAutofit/>
+          </a:bodyPr>
+          <a:lstStyle>
+            <a:lvl1pPr>
+              <a:spcBef>
+                <a:spcPct val="0"/>
+              </a:spcBef>
+              <a:buNone/>
+              <a:defRPr sz="3200" b="0" cap="all">
+                <a:ln w="3175" cmpd="sng">
+                  <a:noFill/>
+                </a:ln>
+                <a:effectLst>
+                  <a:glow rad="38100">
+                    <a:schemeClr val="bg1">
+                      <a:lumMod val="65000"/>
+                      <a:lumOff val="35000"/>
+                      <a:alpha val="40000"/>
+                    </a:schemeClr>
+                  </a:glow>
+                  <a:outerShdw blurRad="28575" dist="38100" dir="14040000" algn="tl" rotWithShape="0">
+                    <a:srgbClr val="000000">
+                      <a:alpha val="25000"/>
+                    </a:srgbClr>
+                  </a:outerShdw>
+                </a:effectLst>
+              </a:defRPr>
+            </a:lvl1pPr>
+            <a:lvl2pPr>
+              <a:defRPr>
+                <a:solidFill>
+                  <a:schemeClr val="tx2"/>
+                </a:solidFill>
+              </a:defRPr>
+            </a:lvl2pPr>
+            <a:lvl3pPr>
+              <a:defRPr>
+                <a:solidFill>
+                  <a:schemeClr val="tx2"/>
+                </a:solidFill>
+              </a:defRPr>
+            </a:lvl3pPr>
+            <a:lvl4pPr>
+              <a:defRPr>
+                <a:solidFill>
+                  <a:schemeClr val="tx2"/>
+                </a:solidFill>
+              </a:defRPr>
+            </a:lvl4pPr>
+            <a:lvl5pPr>
+              <a:defRPr>
+                <a:solidFill>
+                  <a:schemeClr val="tx2"/>
+                </a:solidFill>
+              </a:defRPr>
+            </a:lvl5pPr>
+            <a:lvl6pPr>
+              <a:defRPr>
+                <a:solidFill>
+                  <a:schemeClr val="tx2"/>
+                </a:solidFill>
+              </a:defRPr>
+            </a:lvl6pPr>
+            <a:lvl7pPr>
+              <a:defRPr>
+                <a:solidFill>
+                  <a:schemeClr val="tx2"/>
+                </a:solidFill>
+              </a:defRPr>
+            </a:lvl7pPr>
+            <a:lvl8pPr>
+              <a:defRPr>
+                <a:solidFill>
+                  <a:schemeClr val="tx2"/>
+                </a:solidFill>
+              </a:defRPr>
+            </a:lvl8pPr>
+            <a:lvl9pPr>
+              <a:defRPr>
+                <a:solidFill>
+                  <a:schemeClr val="tx2"/>
+                </a:solidFill>
+              </a:defRPr>
+            </a:lvl9pPr>
+          </a:lstStyle>
+          <a:p>
+            <a:pPr lvl="0"/>
+            <a:r>
+              <a:rPr lang="en-US" sz="8000" dirty="0">
+                <a:solidFill>
+                  <a:schemeClr val="tx1"/>
+                </a:solidFill>
+                <a:effectLst/>
+              </a:rPr>
+              <a:t>“</a:t>
+            </a:r>
+          </a:p>
+        </p:txBody>
+      </p:sp>
+      <p:sp>
+        <p:nvSpPr>
+          <p:cNvPr id="15" name="TextBox 14"/>
+          <p:cNvSpPr txBox="1"/>
+          <p:nvPr/>
+        </p:nvSpPr>
+        <p:spPr>
+          <a:xfrm>
+            <a:off x="10893425" y="2819399"/>
+            <a:ext cx="609600" cy="584776"/>
+          </a:xfrm>
+          <a:prstGeom prst="rect">
+            <a:avLst/>
+          </a:prstGeom>
+        </p:spPr>
+        <p:txBody>
+          <a:bodyPr vert="horz" lIns="91440" tIns="45720" rIns="91440" bIns="45720" rtlCol="0" anchor="ctr">
+            <a:noAutofit/>
+          </a:bodyPr>
+          <a:lstStyle>
+            <a:lvl1pPr>
+              <a:spcBef>
+                <a:spcPct val="0"/>
+              </a:spcBef>
+              <a:buNone/>
+              <a:defRPr sz="3200" b="0" cap="all">
+                <a:ln w="3175" cmpd="sng">
+                  <a:noFill/>
+                </a:ln>
+                <a:effectLst>
+                  <a:glow rad="38100">
+                    <a:schemeClr val="bg1">
+                      <a:lumMod val="65000"/>
+                      <a:lumOff val="35000"/>
+                      <a:alpha val="40000"/>
+                    </a:schemeClr>
+                  </a:glow>
+                  <a:outerShdw blurRad="28575" dist="38100" dir="14040000" algn="tl" rotWithShape="0">
+                    <a:srgbClr val="000000">
+                      <a:alpha val="25000"/>
+                    </a:srgbClr>
+                  </a:outerShdw>
+                </a:effectLst>
+              </a:defRPr>
+            </a:lvl1pPr>
+            <a:lvl2pPr>
+              <a:defRPr>
+                <a:solidFill>
+                  <a:schemeClr val="tx2"/>
+                </a:solidFill>
+              </a:defRPr>
+            </a:lvl2pPr>
+            <a:lvl3pPr>
+              <a:defRPr>
+                <a:solidFill>
+                  <a:schemeClr val="tx2"/>
+                </a:solidFill>
+              </a:defRPr>
+            </a:lvl3pPr>
+            <a:lvl4pPr>
+              <a:defRPr>
+                <a:solidFill>
+                  <a:schemeClr val="tx2"/>
+                </a:solidFill>
+              </a:defRPr>
+            </a:lvl4pPr>
+            <a:lvl5pPr>
+              <a:defRPr>
+                <a:solidFill>
+                  <a:schemeClr val="tx2"/>
+                </a:solidFill>
+              </a:defRPr>
+            </a:lvl5pPr>
+            <a:lvl6pPr>
+              <a:defRPr>
+                <a:solidFill>
+                  <a:schemeClr val="tx2"/>
+                </a:solidFill>
+              </a:defRPr>
+            </a:lvl6pPr>
+            <a:lvl7pPr>
+              <a:defRPr>
+                <a:solidFill>
+                  <a:schemeClr val="tx2"/>
+                </a:solidFill>
+              </a:defRPr>
+            </a:lvl7pPr>
+            <a:lvl8pPr>
+              <a:defRPr>
+                <a:solidFill>
+                  <a:schemeClr val="tx2"/>
+                </a:solidFill>
+              </a:defRPr>
+            </a:lvl8pPr>
+            <a:lvl9pPr>
+              <a:defRPr>
+                <a:solidFill>
+                  <a:schemeClr val="tx2"/>
+                </a:solidFill>
+              </a:defRPr>
+            </a:lvl9pPr>
+          </a:lstStyle>
+          <a:p>
+            <a:pPr lvl="0" algn="r"/>
+            <a:r>
+              <a:rPr lang="en-US" sz="8000" dirty="0">
+                <a:solidFill>
+                  <a:schemeClr val="tx1"/>
+                </a:solidFill>
+                <a:effectLst/>
+              </a:rPr>
+              <a:t>”</a:t>
+            </a:r>
+          </a:p>
+        </p:txBody>
+      </p:sp>
+      <p:sp>
+        <p:nvSpPr>
+          <p:cNvPr id="2" name="Title 1"/>
+          <p:cNvSpPr>
+            <a:spLocks noGrp="1"/>
+          </p:cNvSpPr>
+          <p:nvPr>
+            <p:ph type="title"/>
+          </p:nvPr>
+        </p:nvSpPr>
+        <p:spPr>
+          <a:xfrm>
+            <a:off x="2208212" y="685800"/>
+            <a:ext cx="8990012" cy="2743199"/>
+          </a:xfrm>
+        </p:spPr>
+        <p:txBody>
+          <a:bodyPr anchor="ctr">
+            <a:normAutofit/>
+          </a:bodyPr>
+          <a:lstStyle>
+            <a:lvl1pPr algn="ctr">
+              <a:defRPr sz="3200" b="0" cap="none">
+                <a:solidFill>
+                  <a:schemeClr val="tx1"/>
+                </a:solidFill>
+              </a:defRPr>
+            </a:lvl1pPr>
+          </a:lstStyle>
+          <a:p>
+            <a:r>
+              <a:rPr lang="es-ES" smtClean="0"/>
+              <a:t>Haga clic para modificar el estilo de título del patrón</a:t>
+            </a:r>
+            <a:endParaRPr lang="en-US" dirty="0"/>
+          </a:p>
+        </p:txBody>
+      </p:sp>
+      <p:sp>
+        <p:nvSpPr>
+          <p:cNvPr id="10" name="Text Placeholder 9"/>
+          <p:cNvSpPr>
+            <a:spLocks noGrp="1"/>
+          </p:cNvSpPr>
+          <p:nvPr>
+            <p:ph type="body" sz="quarter" idx="13"/>
+          </p:nvPr>
+        </p:nvSpPr>
+        <p:spPr>
+          <a:xfrm>
+            <a:off x="1484313" y="3886200"/>
+            <a:ext cx="10018710" cy="889000"/>
+          </a:xfrm>
+        </p:spPr>
+        <p:txBody>
+          <a:bodyPr vert="horz" lIns="91440" tIns="45720" rIns="91440" bIns="45720" rtlCol="0" anchor="b">
+            <a:normAutofit/>
+          </a:bodyPr>
+          <a:lstStyle>
+            <a:lvl1pPr algn="r">
+              <a:buNone/>
+              <a:defRPr lang="en-US" sz="2400" b="0" cap="none" dirty="0">
+                <a:ln w="3175" cmpd="sng">
+                  <a:noFill/>
+                </a:ln>
+                <a:solidFill>
+                  <a:schemeClr val="tx1"/>
+                </a:solidFill>
+                <a:effectLst/>
+              </a:defRPr>
+            </a:lvl1pPr>
+          </a:lstStyle>
+          <a:p>
+            <a:pPr marL="0" lvl="0">
+              <a:spcBef>
+                <a:spcPct val="0"/>
+              </a:spcBef>
+              <a:buNone/>
+            </a:pPr>
+            <a:r>
+              <a:rPr lang="es-ES" smtClean="0"/>
+              <a:t>Haga clic para modificar el estilo de texto del patrón</a:t>
+            </a:r>
+          </a:p>
+        </p:txBody>
+      </p:sp>
+      <p:sp>
+        <p:nvSpPr>
+          <p:cNvPr id="3" name="Text Placeholder 2"/>
+          <p:cNvSpPr>
+            <a:spLocks noGrp="1"/>
+          </p:cNvSpPr>
+          <p:nvPr>
+            <p:ph type="body" idx="1"/>
+          </p:nvPr>
+        </p:nvSpPr>
+        <p:spPr>
+          <a:xfrm>
+            <a:off x="1484312" y="4775200"/>
+            <a:ext cx="10018710" cy="1016000"/>
+          </a:xfrm>
+        </p:spPr>
+        <p:txBody>
+          <a:bodyPr anchor="t">
+            <a:normAutofit/>
+          </a:bodyPr>
+          <a:lstStyle>
+            <a:lvl1pPr marL="0" indent="0" algn="r">
+              <a:buNone/>
+              <a:defRPr sz="1800">
+                <a:solidFill>
+                  <a:schemeClr val="tx1"/>
+                </a:solidFill>
+              </a:defRPr>
+            </a:lvl1pPr>
+            <a:lvl2pPr marL="457200" indent="0">
+              <a:buNone/>
+              <a:defRPr sz="1800">
+                <a:solidFill>
+                  <a:schemeClr val="tx1">
+                    <a:tint val="75000"/>
+                  </a:schemeClr>
+                </a:solidFill>
+              </a:defRPr>
+            </a:lvl2pPr>
+            <a:lvl3pPr marL="914400" indent="0">
+              <a:buNone/>
+              <a:defRPr sz="1600">
+                <a:solidFill>
+                  <a:schemeClr val="tx1">
+                    <a:tint val="75000"/>
+                  </a:schemeClr>
+                </a:solidFill>
+              </a:defRPr>
+            </a:lvl3pPr>
+            <a:lvl4pPr marL="1371600" indent="0">
+              <a:buNone/>
+              <a:defRPr sz="1400">
+                <a:solidFill>
+                  <a:schemeClr val="tx1">
+                    <a:tint val="75000"/>
+                  </a:schemeClr>
+                </a:solidFill>
+              </a:defRPr>
+            </a:lvl4pPr>
+            <a:lvl5pPr marL="1828800" indent="0">
+              <a:buNone/>
+              <a:defRPr sz="1400">
+                <a:solidFill>
+                  <a:schemeClr val="tx1">
+                    <a:tint val="75000"/>
+                  </a:schemeClr>
+                </a:solidFill>
+              </a:defRPr>
+            </a:lvl5pPr>
+            <a:lvl6pPr marL="2286000" indent="0">
+              <a:buNone/>
+              <a:defRPr sz="1400">
+                <a:solidFill>
+                  <a:schemeClr val="tx1">
+                    <a:tint val="75000"/>
+                  </a:schemeClr>
+                </a:solidFill>
+              </a:defRPr>
+            </a:lvl6pPr>
+            <a:lvl7pPr marL="2743200" indent="0">
+              <a:buNone/>
+              <a:defRPr sz="1400">
+                <a:solidFill>
+                  <a:schemeClr val="tx1">
+                    <a:tint val="75000"/>
+                  </a:schemeClr>
+                </a:solidFill>
+              </a:defRPr>
+            </a:lvl7pPr>
+            <a:lvl8pPr marL="3200400" indent="0">
+              <a:buNone/>
+              <a:defRPr sz="1400">
+                <a:solidFill>
+                  <a:schemeClr val="tx1">
+                    <a:tint val="75000"/>
+                  </a:schemeClr>
+                </a:solidFill>
+              </a:defRPr>
+            </a:lvl8pPr>
+            <a:lvl9pPr marL="3657600" indent="0">
+              <a:buNone/>
+              <a:defRPr sz="1400">
+                <a:solidFill>
+                  <a:schemeClr val="tx1">
+                    <a:tint val="75000"/>
+                  </a:schemeClr>
+                </a:solidFill>
+              </a:defRPr>
+            </a:lvl9pPr>
+          </a:lstStyle>
+          <a:p>
+            <a:pPr lvl="0"/>
+            <a:r>
+              <a:rPr lang="es-ES" smtClean="0"/>
+              <a:t>Haga clic para modificar el estilo de texto del patrón</a:t>
+            </a:r>
+          </a:p>
+        </p:txBody>
+      </p:sp>
+      <p:sp>
+        <p:nvSpPr>
+          <p:cNvPr id="4" name="Date Placeholder 3"/>
+          <p:cNvSpPr>
+            <a:spLocks noGrp="1"/>
+          </p:cNvSpPr>
+          <p:nvPr>
+            <p:ph type="dt" sz="half" idx="10"/>
+          </p:nvPr>
+        </p:nvSpPr>
+        <p:spPr/>
+        <p:txBody>
+          <a:bodyPr/>
+          <a:lstStyle/>
+          <a:p>
+            <a:fld id="{A34E6EBE-B126-4045-BFC8-0CFD75EE4621}" type="datetimeFigureOut">
+              <a:rPr lang="es-HN" smtClean="0"/>
+              <a:t>26/7/2016</a:t>
+            </a:fld>
+            <a:endParaRPr lang="es-HN"/>
+          </a:p>
+        </p:txBody>
+      </p:sp>
+      <p:sp>
+        <p:nvSpPr>
+          <p:cNvPr id="5" name="Footer Placeholder 4"/>
+          <p:cNvSpPr>
+            <a:spLocks noGrp="1"/>
+          </p:cNvSpPr>
+          <p:nvPr>
+            <p:ph type="ftr" sz="quarter" idx="11"/>
+          </p:nvPr>
+        </p:nvSpPr>
+        <p:spPr/>
+        <p:txBody>
+          <a:bodyPr/>
+          <a:lstStyle/>
+          <a:p>
+            <a:endParaRPr lang="es-HN"/>
+          </a:p>
+        </p:txBody>
+      </p:sp>
+      <p:sp>
+        <p:nvSpPr>
+          <p:cNvPr id="6" name="Slide Number Placeholder 5"/>
+          <p:cNvSpPr>
+            <a:spLocks noGrp="1"/>
+          </p:cNvSpPr>
+          <p:nvPr>
+            <p:ph type="sldNum" sz="quarter" idx="12"/>
+          </p:nvPr>
+        </p:nvSpPr>
+        <p:spPr/>
+        <p:txBody>
+          <a:bodyPr/>
+          <a:lstStyle/>
+          <a:p>
+            <a:fld id="{670D6CF0-C626-44FE-8241-A88390B0011C}" type="slidenum">
+              <a:rPr lang="es-HN" smtClean="0"/>
+              <a:t>‹Nº›</a:t>
+            </a:fld>
+            <a:endParaRPr lang="es-HN"/>
+          </a:p>
+        </p:txBody>
+      </p:sp>
+    </p:spTree>
+    <p:extLst>
+      <p:ext uri="{BB962C8B-B14F-4D97-AF65-F5344CB8AC3E}">
+        <p14:creationId xmlns:p14="http://schemas.microsoft.com/office/powerpoint/2010/main" val="3213789245"/>
+      </p:ext>
+    </p:extLst>
+  </p:cSld>
+  <p:clrMapOvr>
+    <a:masterClrMapping/>
+  </p:clrMapOvr>
+</p:sldLayout>
+</file>
+
+<file path=ppt/slideLayouts/slideLayout15.xml><?xml version="1.0" encoding="utf-8"?>
+<p:sldLayout xmlns:a="http://schemas.openxmlformats.org/drawingml/2006/main" xmlns:r="http://schemas.openxmlformats.org/officeDocument/2006/relationships" xmlns:p="http://schemas.openxmlformats.org/presentationml/2006/main" preserve="1">
+  <p:cSld name="Verdadero o falso">
+    <p:spTree>
+      <p:nvGrpSpPr>
+        <p:cNvPr id="1" name=""/>
+        <p:cNvGrpSpPr/>
+        <p:nvPr/>
+      </p:nvGrpSpPr>
+      <p:grpSpPr>
+        <a:xfrm>
+          <a:off x="0" y="0"/>
+          <a:ext cx="0" cy="0"/>
+          <a:chOff x="0" y="0"/>
+          <a:chExt cx="0" cy="0"/>
+        </a:xfrm>
+      </p:grpSpPr>
+      <p:sp>
+        <p:nvSpPr>
+          <p:cNvPr id="2" name="Title 1"/>
+          <p:cNvSpPr>
+            <a:spLocks noGrp="1"/>
+          </p:cNvSpPr>
+          <p:nvPr>
+            <p:ph type="title"/>
+          </p:nvPr>
+        </p:nvSpPr>
+        <p:spPr>
+          <a:xfrm>
+            <a:off x="1484313" y="685800"/>
+            <a:ext cx="10018712" cy="2727325"/>
+          </a:xfrm>
+        </p:spPr>
+        <p:txBody>
+          <a:bodyPr vert="horz" lIns="91440" tIns="45720" rIns="91440" bIns="45720" rtlCol="0" anchor="ctr">
+            <a:normAutofit/>
+          </a:bodyPr>
+          <a:lstStyle>
+            <a:lvl1pPr>
+              <a:defRPr lang="en-US" b="0" dirty="0"/>
+            </a:lvl1pPr>
+          </a:lstStyle>
+          <a:p>
+            <a:pPr marL="0" lvl="0"/>
+            <a:r>
+              <a:rPr lang="es-ES" smtClean="0"/>
+              <a:t>Haga clic para modificar el estilo de título del patrón</a:t>
+            </a:r>
+            <a:endParaRPr lang="en-US" dirty="0"/>
+          </a:p>
+        </p:txBody>
+      </p:sp>
+      <p:sp>
+        <p:nvSpPr>
+          <p:cNvPr id="10" name="Text Placeholder 9"/>
+          <p:cNvSpPr>
+            <a:spLocks noGrp="1"/>
+          </p:cNvSpPr>
+          <p:nvPr>
+            <p:ph type="body" sz="quarter" idx="13"/>
+          </p:nvPr>
+        </p:nvSpPr>
+        <p:spPr>
+          <a:xfrm>
+            <a:off x="1484312" y="3505200"/>
+            <a:ext cx="10018713" cy="838200"/>
+          </a:xfrm>
+        </p:spPr>
+        <p:txBody>
+          <a:bodyPr vert="horz" lIns="91440" tIns="45720" rIns="91440" bIns="45720" rtlCol="0" anchor="b">
+            <a:normAutofit/>
+          </a:bodyPr>
+          <a:lstStyle>
+            <a:lvl1pPr>
+              <a:buNone/>
+              <a:defRPr lang="en-US" sz="2800" b="0" cap="none" dirty="0">
+                <a:ln w="3175" cmpd="sng">
+                  <a:noFill/>
+                </a:ln>
+                <a:solidFill>
+                  <a:schemeClr val="tx1"/>
+                </a:solidFill>
+                <a:effectLst/>
+              </a:defRPr>
+            </a:lvl1pPr>
+          </a:lstStyle>
+          <a:p>
+            <a:pPr marL="0" lvl="0">
+              <a:spcBef>
+                <a:spcPct val="0"/>
+              </a:spcBef>
+              <a:buNone/>
+            </a:pPr>
+            <a:r>
+              <a:rPr lang="es-ES" smtClean="0"/>
+              <a:t>Haga clic para modificar el estilo de texto del patrón</a:t>
+            </a:r>
+          </a:p>
+        </p:txBody>
+      </p:sp>
+      <p:sp>
+        <p:nvSpPr>
+          <p:cNvPr id="3" name="Text Placeholder 2"/>
+          <p:cNvSpPr>
+            <a:spLocks noGrp="1"/>
+          </p:cNvSpPr>
+          <p:nvPr>
+            <p:ph type="body" idx="1"/>
+          </p:nvPr>
+        </p:nvSpPr>
+        <p:spPr>
+          <a:xfrm>
+            <a:off x="1484311" y="4343400"/>
+            <a:ext cx="10018713" cy="1447800"/>
+          </a:xfrm>
+        </p:spPr>
+        <p:txBody>
+          <a:bodyPr anchor="t">
+            <a:normAutofit/>
+          </a:bodyPr>
+          <a:lstStyle>
+            <a:lvl1pPr marL="0" indent="0" algn="l">
+              <a:buNone/>
+              <a:defRPr sz="1800">
+                <a:solidFill>
+                  <a:schemeClr val="tx1"/>
+                </a:solidFill>
+              </a:defRPr>
+            </a:lvl1pPr>
+            <a:lvl2pPr marL="457200" indent="0">
+              <a:buNone/>
+              <a:defRPr sz="1800">
+                <a:solidFill>
+                  <a:schemeClr val="tx1">
+                    <a:tint val="75000"/>
+                  </a:schemeClr>
+                </a:solidFill>
+              </a:defRPr>
+            </a:lvl2pPr>
+            <a:lvl3pPr marL="914400" indent="0">
+              <a:buNone/>
+              <a:defRPr sz="1600">
+                <a:solidFill>
+                  <a:schemeClr val="tx1">
+                    <a:tint val="75000"/>
+                  </a:schemeClr>
+                </a:solidFill>
+              </a:defRPr>
+            </a:lvl3pPr>
+            <a:lvl4pPr marL="1371600" indent="0">
+              <a:buNone/>
+              <a:defRPr sz="1400">
+                <a:solidFill>
+                  <a:schemeClr val="tx1">
+                    <a:tint val="75000"/>
+                  </a:schemeClr>
+                </a:solidFill>
+              </a:defRPr>
+            </a:lvl4pPr>
+            <a:lvl5pPr marL="1828800" indent="0">
+              <a:buNone/>
+              <a:defRPr sz="1400">
+                <a:solidFill>
+                  <a:schemeClr val="tx1">
+                    <a:tint val="75000"/>
+                  </a:schemeClr>
+                </a:solidFill>
+              </a:defRPr>
+            </a:lvl5pPr>
+            <a:lvl6pPr marL="2286000" indent="0">
+              <a:buNone/>
+              <a:defRPr sz="1400">
+                <a:solidFill>
+                  <a:schemeClr val="tx1">
+                    <a:tint val="75000"/>
+                  </a:schemeClr>
+                </a:solidFill>
+              </a:defRPr>
+            </a:lvl6pPr>
+            <a:lvl7pPr marL="2743200" indent="0">
+              <a:buNone/>
+              <a:defRPr sz="1400">
+                <a:solidFill>
+                  <a:schemeClr val="tx1">
+                    <a:tint val="75000"/>
+                  </a:schemeClr>
+                </a:solidFill>
+              </a:defRPr>
+            </a:lvl7pPr>
+            <a:lvl8pPr marL="3200400" indent="0">
+              <a:buNone/>
+              <a:defRPr sz="1400">
+                <a:solidFill>
+                  <a:schemeClr val="tx1">
+                    <a:tint val="75000"/>
+                  </a:schemeClr>
+                </a:solidFill>
+              </a:defRPr>
+            </a:lvl8pPr>
+            <a:lvl9pPr marL="3657600" indent="0">
+              <a:buNone/>
+              <a:defRPr sz="1400">
+                <a:solidFill>
+                  <a:schemeClr val="tx1">
+                    <a:tint val="75000"/>
+                  </a:schemeClr>
+                </a:solidFill>
+              </a:defRPr>
+            </a:lvl9pPr>
+          </a:lstStyle>
+          <a:p>
+            <a:pPr lvl="0"/>
+            <a:r>
+              <a:rPr lang="es-ES" smtClean="0"/>
+              <a:t>Haga clic para modificar el estilo de texto del patrón</a:t>
+            </a:r>
+          </a:p>
+        </p:txBody>
+      </p:sp>
+      <p:sp>
+        <p:nvSpPr>
+          <p:cNvPr id="4" name="Date Placeholder 3"/>
+          <p:cNvSpPr>
+            <a:spLocks noGrp="1"/>
+          </p:cNvSpPr>
+          <p:nvPr>
+            <p:ph type="dt" sz="half" idx="10"/>
+          </p:nvPr>
+        </p:nvSpPr>
+        <p:spPr/>
+        <p:txBody>
+          <a:bodyPr/>
+          <a:lstStyle/>
+          <a:p>
+            <a:fld id="{A34E6EBE-B126-4045-BFC8-0CFD75EE4621}" type="datetimeFigureOut">
+              <a:rPr lang="es-HN" smtClean="0"/>
+              <a:t>26/7/2016</a:t>
+            </a:fld>
+            <a:endParaRPr lang="es-HN"/>
+          </a:p>
+        </p:txBody>
+      </p:sp>
+      <p:sp>
+        <p:nvSpPr>
+          <p:cNvPr id="5" name="Footer Placeholder 4"/>
+          <p:cNvSpPr>
+            <a:spLocks noGrp="1"/>
+          </p:cNvSpPr>
+          <p:nvPr>
+            <p:ph type="ftr" sz="quarter" idx="11"/>
+          </p:nvPr>
+        </p:nvSpPr>
+        <p:spPr/>
+        <p:txBody>
+          <a:bodyPr/>
+          <a:lstStyle/>
+          <a:p>
+            <a:endParaRPr lang="es-HN"/>
+          </a:p>
+        </p:txBody>
+      </p:sp>
+      <p:sp>
+        <p:nvSpPr>
+          <p:cNvPr id="6" name="Slide Number Placeholder 5"/>
+          <p:cNvSpPr>
+            <a:spLocks noGrp="1"/>
+          </p:cNvSpPr>
+          <p:nvPr>
+            <p:ph type="sldNum" sz="quarter" idx="12"/>
+          </p:nvPr>
+        </p:nvSpPr>
+        <p:spPr/>
+        <p:txBody>
+          <a:bodyPr/>
+          <a:lstStyle/>
+          <a:p>
+            <a:fld id="{670D6CF0-C626-44FE-8241-A88390B0011C}" type="slidenum">
+              <a:rPr lang="es-HN" smtClean="0"/>
+              <a:t>‹Nº›</a:t>
+            </a:fld>
+            <a:endParaRPr lang="es-HN"/>
+          </a:p>
+        </p:txBody>
+      </p:sp>
+    </p:spTree>
+    <p:extLst>
+      <p:ext uri="{BB962C8B-B14F-4D97-AF65-F5344CB8AC3E}">
+        <p14:creationId xmlns:p14="http://schemas.microsoft.com/office/powerpoint/2010/main" val="315546415"/>
+      </p:ext>
+    </p:extLst>
+  </p:cSld>
+  <p:clrMapOvr>
+    <a:masterClrMapping/>
+  </p:clrMapOvr>
+</p:sldLayout>
+</file>
+
+<file path=ppt/slideLayouts/slideLayout16.xml><?xml version="1.0" encoding="utf-8"?>
 <p:sldLayout xmlns:a="http://schemas.openxmlformats.org/drawingml/2006/main" xmlns:r="http://schemas.openxmlformats.org/officeDocument/2006/relationships" xmlns:p="http://schemas.openxmlformats.org/presentationml/2006/main" type="vertTx" preserve="1">
   <p:cSld name="Título y texto vertical">
     <p:spTree>
@@ -321,7 +2869,7 @@
       </p:grpSpPr>
       <p:sp>
         <p:nvSpPr>
-          <p:cNvPr id="2" name="Título 1"/>
+          <p:cNvPr id="2" name="Title 1"/>
           <p:cNvSpPr>
             <a:spLocks noGrp="1"/>
           </p:cNvSpPr>
@@ -332,19 +2880,23 @@
         <p:spPr/>
         <p:txBody>
           <a:bodyPr/>
-          <a:lstStyle/>
+          <a:lstStyle>
+            <a:lvl1pPr algn="ctr">
+              <a:defRPr/>
+            </a:lvl1pPr>
+          </a:lstStyle>
           <a:p>
             <a:r>
               <a:rPr lang="es-ES" smtClean="0"/>
               <a:t>Haga clic para modificar el estilo de título del patrón</a:t>
             </a:r>
-            <a:endParaRPr lang="es-HN"/>
-          </a:p>
-        </p:txBody>
-      </p:sp>
-      <p:sp>
-        <p:nvSpPr>
-          <p:cNvPr id="3" name="Marcador de texto vertical 2"/>
+            <a:endParaRPr lang="en-US" dirty="0"/>
+          </a:p>
+        </p:txBody>
+      </p:sp>
+      <p:sp>
+        <p:nvSpPr>
+          <p:cNvPr id="3" name="Vertical Text Placeholder 2"/>
           <p:cNvSpPr>
             <a:spLocks noGrp="1"/>
           </p:cNvSpPr>
@@ -354,7 +2906,7 @@
         </p:nvSpPr>
         <p:spPr/>
         <p:txBody>
-          <a:bodyPr vert="eaVert"/>
+          <a:bodyPr vert="eaVert" anchor="t"/>
           <a:lstStyle/>
           <a:p>
             <a:pPr lvl="0"/>
@@ -390,13 +2942,13 @@
               <a:rPr lang="es-ES" smtClean="0"/>
               <a:t>Quinto nivel</a:t>
             </a:r>
-            <a:endParaRPr lang="es-HN"/>
-          </a:p>
-        </p:txBody>
-      </p:sp>
-      <p:sp>
-        <p:nvSpPr>
-          <p:cNvPr id="4" name="Marcador de fecha 3"/>
+            <a:endParaRPr lang="en-US" dirty="0"/>
+          </a:p>
+        </p:txBody>
+      </p:sp>
+      <p:sp>
+        <p:nvSpPr>
+          <p:cNvPr id="4" name="Date Placeholder 3"/>
           <p:cNvSpPr>
             <a:spLocks noGrp="1"/>
           </p:cNvSpPr>
@@ -411,7 +2963,7 @@
           <a:p>
             <a:fld id="{A34E6EBE-B126-4045-BFC8-0CFD75EE4621}" type="datetimeFigureOut">
               <a:rPr lang="es-HN" smtClean="0"/>
-              <a:t>25/7/2016</a:t>
+              <a:t>26/7/2016</a:t>
             </a:fld>
             <a:endParaRPr lang="es-HN"/>
           </a:p>
@@ -419,7 +2971,7 @@
       </p:sp>
       <p:sp>
         <p:nvSpPr>
-          <p:cNvPr id="5" name="Marcador de pie de página 4"/>
+          <p:cNvPr id="5" name="Footer Placeholder 4"/>
           <p:cNvSpPr>
             <a:spLocks noGrp="1"/>
           </p:cNvSpPr>
@@ -438,7 +2990,7 @@
       </p:sp>
       <p:sp>
         <p:nvSpPr>
-          <p:cNvPr id="6" name="Marcador de número de diapositiva 5"/>
+          <p:cNvPr id="6" name="Slide Number Placeholder 5"/>
           <p:cNvSpPr>
             <a:spLocks noGrp="1"/>
           </p:cNvSpPr>
@@ -462,7 +3014,7 @@
     </p:spTree>
     <p:extLst>
       <p:ext uri="{BB962C8B-B14F-4D97-AF65-F5344CB8AC3E}">
-        <p14:creationId xmlns:p14="http://schemas.microsoft.com/office/powerpoint/2010/main" val="3716092572"/>
+        <p14:creationId xmlns:p14="http://schemas.microsoft.com/office/powerpoint/2010/main" val="3573599107"/>
       </p:ext>
     </p:extLst>
   </p:cSld>
@@ -472,7 +3024,7 @@
 </p:sldLayout>
 </file>
 
-<file path=ppt/slideLayouts/slideLayout11.xml><?xml version="1.0" encoding="utf-8"?>
+<file path=ppt/slideLayouts/slideLayout17.xml><?xml version="1.0" encoding="utf-8"?>
 <p:sldLayout xmlns:a="http://schemas.openxmlformats.org/drawingml/2006/main" xmlns:r="http://schemas.openxmlformats.org/officeDocument/2006/relationships" xmlns:p="http://schemas.openxmlformats.org/presentationml/2006/main" type="vertTitleAndTx" preserve="1">
   <p:cSld name="Título vertical y texto">
     <p:spTree>
@@ -491,7 +3043,7 @@
       </p:grpSpPr>
       <p:sp>
         <p:nvSpPr>
-          <p:cNvPr id="2" name="Título vertical 1"/>
+          <p:cNvPr id="2" name="Vertical Title 1"/>
           <p:cNvSpPr>
             <a:spLocks noGrp="1"/>
           </p:cNvSpPr>
@@ -501,8 +3053,8 @@
         </p:nvSpPr>
         <p:spPr>
           <a:xfrm>
-            <a:off x="8724900" y="365125"/>
-            <a:ext cx="2628900" cy="5811838"/>
+            <a:off x="9732655" y="685800"/>
+            <a:ext cx="1770369" cy="5105400"/>
           </a:xfrm>
         </p:spPr>
         <p:txBody>
@@ -513,13 +3065,13 @@
               <a:rPr lang="es-ES" smtClean="0"/>
               <a:t>Haga clic para modificar el estilo de título del patrón</a:t>
             </a:r>
-            <a:endParaRPr lang="es-HN"/>
-          </a:p>
-        </p:txBody>
-      </p:sp>
-      <p:sp>
-        <p:nvSpPr>
-          <p:cNvPr id="3" name="Marcador de texto vertical 2"/>
+            <a:endParaRPr lang="en-US" dirty="0"/>
+          </a:p>
+        </p:txBody>
+      </p:sp>
+      <p:sp>
+        <p:nvSpPr>
+          <p:cNvPr id="3" name="Vertical Text Placeholder 2"/>
           <p:cNvSpPr>
             <a:spLocks noGrp="1"/>
           </p:cNvSpPr>
@@ -529,12 +3081,12 @@
         </p:nvSpPr>
         <p:spPr>
           <a:xfrm>
-            <a:off x="838200" y="365125"/>
-            <a:ext cx="7734300" cy="5811838"/>
-          </a:xfrm>
-        </p:spPr>
-        <p:txBody>
-          <a:bodyPr vert="eaVert"/>
+            <a:off x="1484312" y="685800"/>
+            <a:ext cx="8019742" cy="5105400"/>
+          </a:xfrm>
+        </p:spPr>
+        <p:txBody>
+          <a:bodyPr vert="eaVert" anchor="t"/>
           <a:lstStyle/>
           <a:p>
             <a:pPr lvl="0"/>
@@ -570,13 +3122,13 @@
               <a:rPr lang="es-ES" smtClean="0"/>
               <a:t>Quinto nivel</a:t>
             </a:r>
-            <a:endParaRPr lang="es-HN"/>
-          </a:p>
-        </p:txBody>
-      </p:sp>
-      <p:sp>
-        <p:nvSpPr>
-          <p:cNvPr id="4" name="Marcador de fecha 3"/>
+            <a:endParaRPr lang="en-US" dirty="0"/>
+          </a:p>
+        </p:txBody>
+      </p:sp>
+      <p:sp>
+        <p:nvSpPr>
+          <p:cNvPr id="4" name="Date Placeholder 3"/>
           <p:cNvSpPr>
             <a:spLocks noGrp="1"/>
           </p:cNvSpPr>
@@ -591,7 +3143,7 @@
           <a:p>
             <a:fld id="{A34E6EBE-B126-4045-BFC8-0CFD75EE4621}" type="datetimeFigureOut">
               <a:rPr lang="es-HN" smtClean="0"/>
-              <a:t>25/7/2016</a:t>
+              <a:t>26/7/2016</a:t>
             </a:fld>
             <a:endParaRPr lang="es-HN"/>
           </a:p>
@@ -599,7 +3151,7 @@
       </p:sp>
       <p:sp>
         <p:nvSpPr>
-          <p:cNvPr id="5" name="Marcador de pie de página 4"/>
+          <p:cNvPr id="5" name="Footer Placeholder 4"/>
           <p:cNvSpPr>
             <a:spLocks noGrp="1"/>
           </p:cNvSpPr>
@@ -618,7 +3170,7 @@
       </p:sp>
       <p:sp>
         <p:nvSpPr>
-          <p:cNvPr id="6" name="Marcador de número de diapositiva 5"/>
+          <p:cNvPr id="6" name="Slide Number Placeholder 5"/>
           <p:cNvSpPr>
             <a:spLocks noGrp="1"/>
           </p:cNvSpPr>
@@ -642,7 +3194,7 @@
     </p:spTree>
     <p:extLst>
       <p:ext uri="{BB962C8B-B14F-4D97-AF65-F5344CB8AC3E}">
-        <p14:creationId xmlns:p14="http://schemas.microsoft.com/office/powerpoint/2010/main" val="3534438572"/>
+        <p14:creationId xmlns:p14="http://schemas.microsoft.com/office/powerpoint/2010/main" val="2353546643"/>
       </p:ext>
     </p:extLst>
   </p:cSld>
@@ -671,7 +3223,7 @@
       </p:grpSpPr>
       <p:sp>
         <p:nvSpPr>
-          <p:cNvPr id="2" name="Título 1"/>
+          <p:cNvPr id="2" name="Title 1"/>
           <p:cNvSpPr>
             <a:spLocks noGrp="1"/>
           </p:cNvSpPr>
@@ -688,13 +3240,13 @@
               <a:rPr lang="es-ES" smtClean="0"/>
               <a:t>Haga clic para modificar el estilo de título del patrón</a:t>
             </a:r>
-            <a:endParaRPr lang="es-HN"/>
-          </a:p>
-        </p:txBody>
-      </p:sp>
-      <p:sp>
-        <p:nvSpPr>
-          <p:cNvPr id="3" name="Marcador de contenido 2"/>
+            <a:endParaRPr lang="en-US" dirty="0"/>
+          </a:p>
+        </p:txBody>
+      </p:sp>
+      <p:sp>
+        <p:nvSpPr>
+          <p:cNvPr id="3" name="Content Placeholder 2"/>
           <p:cNvSpPr>
             <a:spLocks noGrp="1"/>
           </p:cNvSpPr>
@@ -704,7 +3256,7 @@
         </p:nvSpPr>
         <p:spPr/>
         <p:txBody>
-          <a:bodyPr/>
+          <a:bodyPr anchor="ctr"/>
           <a:lstStyle/>
           <a:p>
             <a:pPr lvl="0"/>
@@ -740,13 +3292,13 @@
               <a:rPr lang="es-ES" smtClean="0"/>
               <a:t>Quinto nivel</a:t>
             </a:r>
-            <a:endParaRPr lang="es-HN"/>
-          </a:p>
-        </p:txBody>
-      </p:sp>
-      <p:sp>
-        <p:nvSpPr>
-          <p:cNvPr id="4" name="Marcador de fecha 3"/>
+            <a:endParaRPr lang="en-US" dirty="0"/>
+          </a:p>
+        </p:txBody>
+      </p:sp>
+      <p:sp>
+        <p:nvSpPr>
+          <p:cNvPr id="4" name="Date Placeholder 3"/>
           <p:cNvSpPr>
             <a:spLocks noGrp="1"/>
           </p:cNvSpPr>
@@ -761,7 +3313,7 @@
           <a:p>
             <a:fld id="{A34E6EBE-B126-4045-BFC8-0CFD75EE4621}" type="datetimeFigureOut">
               <a:rPr lang="es-HN" smtClean="0"/>
-              <a:t>25/7/2016</a:t>
+              <a:t>26/7/2016</a:t>
             </a:fld>
             <a:endParaRPr lang="es-HN"/>
           </a:p>
@@ -769,7 +3321,7 @@
       </p:sp>
       <p:sp>
         <p:nvSpPr>
-          <p:cNvPr id="5" name="Marcador de pie de página 4"/>
+          <p:cNvPr id="5" name="Footer Placeholder 4"/>
           <p:cNvSpPr>
             <a:spLocks noGrp="1"/>
           </p:cNvSpPr>
@@ -788,7 +3340,7 @@
       </p:sp>
       <p:sp>
         <p:nvSpPr>
-          <p:cNvPr id="6" name="Marcador de número de diapositiva 5"/>
+          <p:cNvPr id="6" name="Slide Number Placeholder 5"/>
           <p:cNvSpPr>
             <a:spLocks noGrp="1"/>
           </p:cNvSpPr>
@@ -796,7 +3348,12 @@
             <p:ph type="sldNum" sz="quarter" idx="12"/>
           </p:nvPr>
         </p:nvSpPr>
-        <p:spPr/>
+        <p:spPr>
+          <a:xfrm>
+            <a:off x="10951856" y="5867131"/>
+            <a:ext cx="551167" cy="365125"/>
+          </a:xfrm>
+        </p:spPr>
         <p:txBody>
           <a:bodyPr/>
           <a:lstStyle/>
@@ -812,7 +3369,7 @@
     </p:spTree>
     <p:extLst>
       <p:ext uri="{BB962C8B-B14F-4D97-AF65-F5344CB8AC3E}">
-        <p14:creationId xmlns:p14="http://schemas.microsoft.com/office/powerpoint/2010/main" val="466325764"/>
+        <p14:creationId xmlns:p14="http://schemas.microsoft.com/office/powerpoint/2010/main" val="1424245272"/>
       </p:ext>
     </p:extLst>
   </p:cSld>
@@ -841,7 +3398,7 @@
       </p:grpSpPr>
       <p:sp>
         <p:nvSpPr>
-          <p:cNvPr id="2" name="Título 1"/>
+          <p:cNvPr id="2" name="Title 1"/>
           <p:cNvSpPr>
             <a:spLocks noGrp="1"/>
           </p:cNvSpPr>
@@ -851,15 +3408,15 @@
         </p:nvSpPr>
         <p:spPr>
           <a:xfrm>
-            <a:off x="831850" y="1709738"/>
-            <a:ext cx="10515600" cy="2852737"/>
+            <a:off x="2572279" y="2666999"/>
+            <a:ext cx="8930747" cy="2110382"/>
           </a:xfrm>
         </p:spPr>
         <p:txBody>
           <a:bodyPr anchor="b"/>
           <a:lstStyle>
-            <a:lvl1pPr>
-              <a:defRPr sz="6000"/>
+            <a:lvl1pPr algn="r">
+              <a:defRPr sz="4000" b="0" cap="none"/>
             </a:lvl1pPr>
           </a:lstStyle>
           <a:p>
@@ -867,13 +3424,13 @@
               <a:rPr lang="es-ES" smtClean="0"/>
               <a:t>Haga clic para modificar el estilo de título del patrón</a:t>
             </a:r>
-            <a:endParaRPr lang="es-HN"/>
-          </a:p>
-        </p:txBody>
-      </p:sp>
-      <p:sp>
-        <p:nvSpPr>
-          <p:cNvPr id="3" name="Marcador de texto 2"/>
+            <a:endParaRPr lang="en-US" dirty="0"/>
+          </a:p>
+        </p:txBody>
+      </p:sp>
+      <p:sp>
+        <p:nvSpPr>
+          <p:cNvPr id="3" name="Text Placeholder 2"/>
           <p:cNvSpPr>
             <a:spLocks noGrp="1"/>
           </p:cNvSpPr>
@@ -883,102 +3440,102 @@
         </p:nvSpPr>
         <p:spPr>
           <a:xfrm>
-            <a:off x="831850" y="4589463"/>
-            <a:ext cx="10515600" cy="1500187"/>
-          </a:xfrm>
-        </p:spPr>
-        <p:txBody>
-          <a:bodyPr/>
+            <a:off x="2572278" y="4777381"/>
+            <a:ext cx="8930748" cy="860400"/>
+          </a:xfrm>
+        </p:spPr>
+        <p:txBody>
+          <a:bodyPr anchor="t">
+            <a:normAutofit/>
+          </a:bodyPr>
           <a:lstStyle>
-            <a:lvl1pPr marL="0" indent="0">
-              <a:buNone/>
-              <a:defRPr sz="2400">
+            <a:lvl1pPr marL="0" indent="0" algn="r">
+              <a:buNone/>
+              <a:defRPr sz="2000">
+                <a:solidFill>
+                  <a:schemeClr val="tx1"/>
+                </a:solidFill>
+              </a:defRPr>
+            </a:lvl1pPr>
+            <a:lvl2pPr marL="457200" indent="0">
+              <a:buNone/>
+              <a:defRPr sz="1800">
                 <a:solidFill>
                   <a:schemeClr val="tx1">
                     <a:tint val="75000"/>
                   </a:schemeClr>
                 </a:solidFill>
               </a:defRPr>
-            </a:lvl1pPr>
-            <a:lvl2pPr marL="457200" indent="0">
-              <a:buNone/>
-              <a:defRPr sz="2000">
+            </a:lvl2pPr>
+            <a:lvl3pPr marL="914400" indent="0">
+              <a:buNone/>
+              <a:defRPr sz="1600">
                 <a:solidFill>
                   <a:schemeClr val="tx1">
                     <a:tint val="75000"/>
                   </a:schemeClr>
                 </a:solidFill>
               </a:defRPr>
-            </a:lvl2pPr>
-            <a:lvl3pPr marL="914400" indent="0">
-              <a:buNone/>
-              <a:defRPr sz="1800">
+            </a:lvl3pPr>
+            <a:lvl4pPr marL="1371600" indent="0">
+              <a:buNone/>
+              <a:defRPr sz="1400">
                 <a:solidFill>
                   <a:schemeClr val="tx1">
                     <a:tint val="75000"/>
                   </a:schemeClr>
                 </a:solidFill>
               </a:defRPr>
-            </a:lvl3pPr>
-            <a:lvl4pPr marL="1371600" indent="0">
-              <a:buNone/>
-              <a:defRPr sz="1600">
+            </a:lvl4pPr>
+            <a:lvl5pPr marL="1828800" indent="0">
+              <a:buNone/>
+              <a:defRPr sz="1400">
                 <a:solidFill>
                   <a:schemeClr val="tx1">
                     <a:tint val="75000"/>
                   </a:schemeClr>
                 </a:solidFill>
               </a:defRPr>
-            </a:lvl4pPr>
-            <a:lvl5pPr marL="1828800" indent="0">
-              <a:buNone/>
-              <a:defRPr sz="1600">
+            </a:lvl5pPr>
+            <a:lvl6pPr marL="2286000" indent="0">
+              <a:buNone/>
+              <a:defRPr sz="1400">
                 <a:solidFill>
                   <a:schemeClr val="tx1">
                     <a:tint val="75000"/>
                   </a:schemeClr>
                 </a:solidFill>
               </a:defRPr>
-            </a:lvl5pPr>
-            <a:lvl6pPr marL="2286000" indent="0">
-              <a:buNone/>
-              <a:defRPr sz="1600">
+            </a:lvl6pPr>
+            <a:lvl7pPr marL="2743200" indent="0">
+              <a:buNone/>
+              <a:defRPr sz="1400">
                 <a:solidFill>
                   <a:schemeClr val="tx1">
                     <a:tint val="75000"/>
                   </a:schemeClr>
                 </a:solidFill>
               </a:defRPr>
-            </a:lvl6pPr>
-            <a:lvl7pPr marL="2743200" indent="0">
-              <a:buNone/>
-              <a:defRPr sz="1600">
+            </a:lvl7pPr>
+            <a:lvl8pPr marL="3200400" indent="0">
+              <a:buNone/>
+              <a:defRPr sz="1400">
                 <a:solidFill>
                   <a:schemeClr val="tx1">
                     <a:tint val="75000"/>
                   </a:schemeClr>
                 </a:solidFill>
               </a:defRPr>
-            </a:lvl7pPr>
-            <a:lvl8pPr marL="3200400" indent="0">
-              <a:buNone/>
-              <a:defRPr sz="1600">
+            </a:lvl8pPr>
+            <a:lvl9pPr marL="3657600" indent="0">
+              <a:buNone/>
+              <a:defRPr sz="1400">
                 <a:solidFill>
                   <a:schemeClr val="tx1">
                     <a:tint val="75000"/>
                   </a:schemeClr>
                 </a:solidFill>
               </a:defRPr>
-            </a:lvl8pPr>
-            <a:lvl9pPr marL="3657600" indent="0">
-              <a:buNone/>
-              <a:defRPr sz="1600">
-                <a:solidFill>
-                  <a:schemeClr val="tx1">
-                    <a:tint val="75000"/>
-                  </a:schemeClr>
-                </a:solidFill>
-              </a:defRPr>
             </a:lvl9pPr>
           </a:lstStyle>
           <a:p>
@@ -992,7 +3549,7 @@
       </p:sp>
       <p:sp>
         <p:nvSpPr>
-          <p:cNvPr id="4" name="Marcador de fecha 3"/>
+          <p:cNvPr id="4" name="Date Placeholder 3"/>
           <p:cNvSpPr>
             <a:spLocks noGrp="1"/>
           </p:cNvSpPr>
@@ -1007,7 +3564,7 @@
           <a:p>
             <a:fld id="{A34E6EBE-B126-4045-BFC8-0CFD75EE4621}" type="datetimeFigureOut">
               <a:rPr lang="es-HN" smtClean="0"/>
-              <a:t>25/7/2016</a:t>
+              <a:t>26/7/2016</a:t>
             </a:fld>
             <a:endParaRPr lang="es-HN"/>
           </a:p>
@@ -1015,7 +3572,7 @@
       </p:sp>
       <p:sp>
         <p:nvSpPr>
-          <p:cNvPr id="5" name="Marcador de pie de página 4"/>
+          <p:cNvPr id="5" name="Footer Placeholder 4"/>
           <p:cNvSpPr>
             <a:spLocks noGrp="1"/>
           </p:cNvSpPr>
@@ -1034,7 +3591,7 @@
       </p:sp>
       <p:sp>
         <p:nvSpPr>
-          <p:cNvPr id="6" name="Marcador de número de diapositiva 5"/>
+          <p:cNvPr id="6" name="Slide Number Placeholder 5"/>
           <p:cNvSpPr>
             <a:spLocks noGrp="1"/>
           </p:cNvSpPr>
@@ -1058,7 +3615,7 @@
     </p:spTree>
     <p:extLst>
       <p:ext uri="{BB962C8B-B14F-4D97-AF65-F5344CB8AC3E}">
-        <p14:creationId xmlns:p14="http://schemas.microsoft.com/office/powerpoint/2010/main" val="1667507333"/>
+        <p14:creationId xmlns:p14="http://schemas.microsoft.com/office/powerpoint/2010/main" val="2999552931"/>
       </p:ext>
     </p:extLst>
   </p:cSld>
@@ -1087,7 +3644,7 @@
       </p:grpSpPr>
       <p:sp>
         <p:nvSpPr>
-          <p:cNvPr id="2" name="Título 1"/>
+          <p:cNvPr id="2" name="Title 1"/>
           <p:cNvSpPr>
             <a:spLocks noGrp="1"/>
           </p:cNvSpPr>
@@ -1095,7 +3652,12 @@
             <p:ph type="title"/>
           </p:nvPr>
         </p:nvSpPr>
-        <p:spPr/>
+        <p:spPr>
+          <a:xfrm>
+            <a:off x="1484311" y="685800"/>
+            <a:ext cx="10018713" cy="1752599"/>
+          </a:xfrm>
+        </p:spPr>
         <p:txBody>
           <a:bodyPr/>
           <a:lstStyle/>
@@ -1104,13 +3666,13 @@
               <a:rPr lang="es-ES" smtClean="0"/>
               <a:t>Haga clic para modificar el estilo de título del patrón</a:t>
             </a:r>
-            <a:endParaRPr lang="es-HN"/>
-          </a:p>
-        </p:txBody>
-      </p:sp>
-      <p:sp>
-        <p:nvSpPr>
-          <p:cNvPr id="3" name="Marcador de contenido 2"/>
+            <a:endParaRPr lang="en-US" dirty="0"/>
+          </a:p>
+        </p:txBody>
+      </p:sp>
+      <p:sp>
+        <p:nvSpPr>
+          <p:cNvPr id="3" name="Content Placeholder 2"/>
           <p:cNvSpPr>
             <a:spLocks noGrp="1"/>
           </p:cNvSpPr>
@@ -1120,13 +3682,43 @@
         </p:nvSpPr>
         <p:spPr>
           <a:xfrm>
-            <a:off x="838200" y="1825625"/>
-            <a:ext cx="5181600" cy="4351338"/>
-          </a:xfrm>
-        </p:spPr>
-        <p:txBody>
-          <a:bodyPr/>
-          <a:lstStyle/>
+            <a:off x="1484312" y="2666999"/>
+            <a:ext cx="4895055" cy="3124201"/>
+          </a:xfrm>
+        </p:spPr>
+        <p:txBody>
+          <a:bodyPr>
+            <a:normAutofit/>
+          </a:bodyPr>
+          <a:lstStyle>
+            <a:lvl1pPr>
+              <a:defRPr sz="1800"/>
+            </a:lvl1pPr>
+            <a:lvl2pPr>
+              <a:defRPr sz="1600"/>
+            </a:lvl2pPr>
+            <a:lvl3pPr>
+              <a:defRPr sz="1400"/>
+            </a:lvl3pPr>
+            <a:lvl4pPr>
+              <a:defRPr sz="1200"/>
+            </a:lvl4pPr>
+            <a:lvl5pPr>
+              <a:defRPr sz="1200"/>
+            </a:lvl5pPr>
+            <a:lvl6pPr>
+              <a:defRPr sz="1200"/>
+            </a:lvl6pPr>
+            <a:lvl7pPr>
+              <a:defRPr sz="1200"/>
+            </a:lvl7pPr>
+            <a:lvl8pPr>
+              <a:defRPr sz="1200"/>
+            </a:lvl8pPr>
+            <a:lvl9pPr>
+              <a:defRPr sz="1200"/>
+            </a:lvl9pPr>
+          </a:lstStyle>
           <a:p>
             <a:pPr lvl="0"/>
             <a:r>
@@ -1161,13 +3753,13 @@
               <a:rPr lang="es-ES" smtClean="0"/>
               <a:t>Quinto nivel</a:t>
             </a:r>
-            <a:endParaRPr lang="es-HN"/>
-          </a:p>
-        </p:txBody>
-      </p:sp>
-      <p:sp>
-        <p:nvSpPr>
-          <p:cNvPr id="4" name="Marcador de contenido 3"/>
+            <a:endParaRPr lang="en-US" dirty="0"/>
+          </a:p>
+        </p:txBody>
+      </p:sp>
+      <p:sp>
+        <p:nvSpPr>
+          <p:cNvPr id="4" name="Content Placeholder 3"/>
           <p:cNvSpPr>
             <a:spLocks noGrp="1"/>
           </p:cNvSpPr>
@@ -1177,13 +3769,43 @@
         </p:nvSpPr>
         <p:spPr>
           <a:xfrm>
-            <a:off x="6172200" y="1825625"/>
-            <a:ext cx="5181600" cy="4351338"/>
-          </a:xfrm>
-        </p:spPr>
-        <p:txBody>
-          <a:bodyPr/>
-          <a:lstStyle/>
+            <a:off x="6607967" y="2667000"/>
+            <a:ext cx="4895056" cy="3124200"/>
+          </a:xfrm>
+        </p:spPr>
+        <p:txBody>
+          <a:bodyPr>
+            <a:normAutofit/>
+          </a:bodyPr>
+          <a:lstStyle>
+            <a:lvl1pPr>
+              <a:defRPr sz="1800"/>
+            </a:lvl1pPr>
+            <a:lvl2pPr>
+              <a:defRPr sz="1600"/>
+            </a:lvl2pPr>
+            <a:lvl3pPr>
+              <a:defRPr sz="1400"/>
+            </a:lvl3pPr>
+            <a:lvl4pPr>
+              <a:defRPr sz="1200"/>
+            </a:lvl4pPr>
+            <a:lvl5pPr>
+              <a:defRPr sz="1200"/>
+            </a:lvl5pPr>
+            <a:lvl6pPr>
+              <a:defRPr sz="1200"/>
+            </a:lvl6pPr>
+            <a:lvl7pPr>
+              <a:defRPr sz="1200"/>
+            </a:lvl7pPr>
+            <a:lvl8pPr>
+              <a:defRPr sz="1200"/>
+            </a:lvl8pPr>
+            <a:lvl9pPr>
+              <a:defRPr sz="1200"/>
+            </a:lvl9pPr>
+          </a:lstStyle>
           <a:p>
             <a:pPr lvl="0"/>
             <a:r>
@@ -1218,13 +3840,13 @@
               <a:rPr lang="es-ES" smtClean="0"/>
               <a:t>Quinto nivel</a:t>
             </a:r>
-            <a:endParaRPr lang="es-HN"/>
-          </a:p>
-        </p:txBody>
-      </p:sp>
-      <p:sp>
-        <p:nvSpPr>
-          <p:cNvPr id="5" name="Marcador de fecha 4"/>
+            <a:endParaRPr lang="en-US" dirty="0"/>
+          </a:p>
+        </p:txBody>
+      </p:sp>
+      <p:sp>
+        <p:nvSpPr>
+          <p:cNvPr id="5" name="Date Placeholder 4"/>
           <p:cNvSpPr>
             <a:spLocks noGrp="1"/>
           </p:cNvSpPr>
@@ -1239,7 +3861,7 @@
           <a:p>
             <a:fld id="{A34E6EBE-B126-4045-BFC8-0CFD75EE4621}" type="datetimeFigureOut">
               <a:rPr lang="es-HN" smtClean="0"/>
-              <a:t>25/7/2016</a:t>
+              <a:t>26/7/2016</a:t>
             </a:fld>
             <a:endParaRPr lang="es-HN"/>
           </a:p>
@@ -1247,7 +3869,7 @@
       </p:sp>
       <p:sp>
         <p:nvSpPr>
-          <p:cNvPr id="6" name="Marcador de pie de página 5"/>
+          <p:cNvPr id="6" name="Footer Placeholder 5"/>
           <p:cNvSpPr>
             <a:spLocks noGrp="1"/>
           </p:cNvSpPr>
@@ -1266,7 +3888,7 @@
       </p:sp>
       <p:sp>
         <p:nvSpPr>
-          <p:cNvPr id="7" name="Marcador de número de diapositiva 6"/>
+          <p:cNvPr id="7" name="Slide Number Placeholder 6"/>
           <p:cNvSpPr>
             <a:spLocks noGrp="1"/>
           </p:cNvSpPr>
@@ -1290,7 +3912,7 @@
     </p:spTree>
     <p:extLst>
       <p:ext uri="{BB962C8B-B14F-4D97-AF65-F5344CB8AC3E}">
-        <p14:creationId xmlns:p14="http://schemas.microsoft.com/office/powerpoint/2010/main" val="3535932924"/>
+        <p14:creationId xmlns:p14="http://schemas.microsoft.com/office/powerpoint/2010/main" val="4002316193"/>
       </p:ext>
     </p:extLst>
   </p:cSld>
@@ -1319,7 +3941,7 @@
       </p:grpSpPr>
       <p:sp>
         <p:nvSpPr>
-          <p:cNvPr id="2" name="Título 1"/>
+          <p:cNvPr id="2" name="Title 1"/>
           <p:cNvSpPr>
             <a:spLocks noGrp="1"/>
           </p:cNvSpPr>
@@ -1327,27 +3949,26 @@
             <p:ph type="title"/>
           </p:nvPr>
         </p:nvSpPr>
-        <p:spPr>
-          <a:xfrm>
-            <a:off x="839788" y="365125"/>
-            <a:ext cx="10515600" cy="1325563"/>
-          </a:xfrm>
-        </p:spPr>
+        <p:spPr/>
         <p:txBody>
           <a:bodyPr/>
-          <a:lstStyle/>
+          <a:lstStyle>
+            <a:lvl1pPr>
+              <a:defRPr/>
+            </a:lvl1pPr>
+          </a:lstStyle>
           <a:p>
             <a:r>
               <a:rPr lang="es-ES" smtClean="0"/>
               <a:t>Haga clic para modificar el estilo de título del patrón</a:t>
             </a:r>
-            <a:endParaRPr lang="es-HN"/>
-          </a:p>
-        </p:txBody>
-      </p:sp>
-      <p:sp>
-        <p:nvSpPr>
-          <p:cNvPr id="3" name="Marcador de texto 2"/>
+            <a:endParaRPr lang="en-US" dirty="0"/>
+          </a:p>
+        </p:txBody>
+      </p:sp>
+      <p:sp>
+        <p:nvSpPr>
+          <p:cNvPr id="3" name="Text Placeholder 2"/>
           <p:cNvSpPr>
             <a:spLocks noGrp="1"/>
           </p:cNvSpPr>
@@ -1357,16 +3978,24 @@
         </p:nvSpPr>
         <p:spPr>
           <a:xfrm>
-            <a:off x="839788" y="1681163"/>
-            <a:ext cx="5157787" cy="823912"/>
-          </a:xfrm>
-        </p:spPr>
-        <p:txBody>
-          <a:bodyPr anchor="b"/>
+            <a:off x="1772179" y="2658533"/>
+            <a:ext cx="4607188" cy="576262"/>
+          </a:xfrm>
+        </p:spPr>
+        <p:txBody>
+          <a:bodyPr anchor="b">
+            <a:noAutofit/>
+          </a:bodyPr>
           <a:lstStyle>
             <a:lvl1pPr marL="0" indent="0">
               <a:buNone/>
-              <a:defRPr sz="2400" b="1"/>
+              <a:defRPr sz="2800" b="0">
+                <a:solidFill>
+                  <a:schemeClr val="accent1">
+                    <a:lumMod val="75000"/>
+                  </a:schemeClr>
+                </a:solidFill>
+              </a:defRPr>
             </a:lvl1pPr>
             <a:lvl2pPr marL="457200" indent="0">
               <a:buNone/>
@@ -1412,7 +4041,7 @@
       </p:sp>
       <p:sp>
         <p:nvSpPr>
-          <p:cNvPr id="4" name="Marcador de contenido 3"/>
+          <p:cNvPr id="4" name="Content Placeholder 3"/>
           <p:cNvSpPr>
             <a:spLocks noGrp="1"/>
           </p:cNvSpPr>
@@ -1422,13 +4051,43 @@
         </p:nvSpPr>
         <p:spPr>
           <a:xfrm>
-            <a:off x="839788" y="2505075"/>
-            <a:ext cx="5157787" cy="3684588"/>
-          </a:xfrm>
-        </p:spPr>
-        <p:txBody>
-          <a:bodyPr/>
-          <a:lstStyle/>
+            <a:off x="1484311" y="3335337"/>
+            <a:ext cx="4895056" cy="2455862"/>
+          </a:xfrm>
+        </p:spPr>
+        <p:txBody>
+          <a:bodyPr anchor="t">
+            <a:normAutofit/>
+          </a:bodyPr>
+          <a:lstStyle>
+            <a:lvl1pPr>
+              <a:defRPr sz="1800"/>
+            </a:lvl1pPr>
+            <a:lvl2pPr>
+              <a:defRPr sz="1600"/>
+            </a:lvl2pPr>
+            <a:lvl3pPr>
+              <a:defRPr sz="1400"/>
+            </a:lvl3pPr>
+            <a:lvl4pPr>
+              <a:defRPr sz="1200"/>
+            </a:lvl4pPr>
+            <a:lvl5pPr>
+              <a:defRPr sz="1200"/>
+            </a:lvl5pPr>
+            <a:lvl6pPr>
+              <a:defRPr sz="1200"/>
+            </a:lvl6pPr>
+            <a:lvl7pPr>
+              <a:defRPr sz="1200"/>
+            </a:lvl7pPr>
+            <a:lvl8pPr>
+              <a:defRPr sz="1200"/>
+            </a:lvl8pPr>
+            <a:lvl9pPr>
+              <a:defRPr sz="1200"/>
+            </a:lvl9pPr>
+          </a:lstStyle>
           <a:p>
             <a:pPr lvl="0"/>
             <a:r>
@@ -1463,13 +4122,13 @@
               <a:rPr lang="es-ES" smtClean="0"/>
               <a:t>Quinto nivel</a:t>
             </a:r>
-            <a:endParaRPr lang="es-HN"/>
-          </a:p>
-        </p:txBody>
-      </p:sp>
-      <p:sp>
-        <p:nvSpPr>
-          <p:cNvPr id="5" name="Marcador de texto 4"/>
+            <a:endParaRPr lang="en-US" dirty="0"/>
+          </a:p>
+        </p:txBody>
+      </p:sp>
+      <p:sp>
+        <p:nvSpPr>
+          <p:cNvPr id="5" name="Text Placeholder 4"/>
           <p:cNvSpPr>
             <a:spLocks noGrp="1"/>
           </p:cNvSpPr>
@@ -1479,16 +4138,24 @@
         </p:nvSpPr>
         <p:spPr>
           <a:xfrm>
-            <a:off x="6172200" y="1681163"/>
-            <a:ext cx="5183188" cy="823912"/>
-          </a:xfrm>
-        </p:spPr>
-        <p:txBody>
-          <a:bodyPr anchor="b"/>
+            <a:off x="6880487" y="2667000"/>
+            <a:ext cx="4622537" cy="576262"/>
+          </a:xfrm>
+        </p:spPr>
+        <p:txBody>
+          <a:bodyPr anchor="b">
+            <a:noAutofit/>
+          </a:bodyPr>
           <a:lstStyle>
             <a:lvl1pPr marL="0" indent="0">
               <a:buNone/>
-              <a:defRPr sz="2400" b="1"/>
+              <a:defRPr sz="2800" b="0">
+                <a:solidFill>
+                  <a:schemeClr val="accent1">
+                    <a:lumMod val="75000"/>
+                  </a:schemeClr>
+                </a:solidFill>
+              </a:defRPr>
             </a:lvl1pPr>
             <a:lvl2pPr marL="457200" indent="0">
               <a:buNone/>
@@ -1534,7 +4201,7 @@
       </p:sp>
       <p:sp>
         <p:nvSpPr>
-          <p:cNvPr id="6" name="Marcador de contenido 5"/>
+          <p:cNvPr id="6" name="Content Placeholder 5"/>
           <p:cNvSpPr>
             <a:spLocks noGrp="1"/>
           </p:cNvSpPr>
@@ -1544,13 +4211,43 @@
         </p:nvSpPr>
         <p:spPr>
           <a:xfrm>
-            <a:off x="6172200" y="2505075"/>
-            <a:ext cx="5183188" cy="3684588"/>
-          </a:xfrm>
-        </p:spPr>
-        <p:txBody>
-          <a:bodyPr/>
-          <a:lstStyle/>
+            <a:off x="6607967" y="3335337"/>
+            <a:ext cx="4895056" cy="2455862"/>
+          </a:xfrm>
+        </p:spPr>
+        <p:txBody>
+          <a:bodyPr anchor="t">
+            <a:normAutofit/>
+          </a:bodyPr>
+          <a:lstStyle>
+            <a:lvl1pPr>
+              <a:defRPr sz="1800"/>
+            </a:lvl1pPr>
+            <a:lvl2pPr>
+              <a:defRPr sz="1600"/>
+            </a:lvl2pPr>
+            <a:lvl3pPr>
+              <a:defRPr sz="1400"/>
+            </a:lvl3pPr>
+            <a:lvl4pPr>
+              <a:defRPr sz="1200"/>
+            </a:lvl4pPr>
+            <a:lvl5pPr>
+              <a:defRPr sz="1200"/>
+            </a:lvl5pPr>
+            <a:lvl6pPr>
+              <a:defRPr sz="1200"/>
+            </a:lvl6pPr>
+            <a:lvl7pPr>
+              <a:defRPr sz="1200"/>
+            </a:lvl7pPr>
+            <a:lvl8pPr>
+              <a:defRPr sz="1200"/>
+            </a:lvl8pPr>
+            <a:lvl9pPr>
+              <a:defRPr sz="1200"/>
+            </a:lvl9pPr>
+          </a:lstStyle>
           <a:p>
             <a:pPr lvl="0"/>
             <a:r>
@@ -1585,13 +4282,13 @@
               <a:rPr lang="es-ES" smtClean="0"/>
               <a:t>Quinto nivel</a:t>
             </a:r>
-            <a:endParaRPr lang="es-HN"/>
-          </a:p>
-        </p:txBody>
-      </p:sp>
-      <p:sp>
-        <p:nvSpPr>
-          <p:cNvPr id="7" name="Marcador de fecha 6"/>
+            <a:endParaRPr lang="en-US" dirty="0"/>
+          </a:p>
+        </p:txBody>
+      </p:sp>
+      <p:sp>
+        <p:nvSpPr>
+          <p:cNvPr id="7" name="Date Placeholder 6"/>
           <p:cNvSpPr>
             <a:spLocks noGrp="1"/>
           </p:cNvSpPr>
@@ -1606,7 +4303,7 @@
           <a:p>
             <a:fld id="{A34E6EBE-B126-4045-BFC8-0CFD75EE4621}" type="datetimeFigureOut">
               <a:rPr lang="es-HN" smtClean="0"/>
-              <a:t>25/7/2016</a:t>
+              <a:t>26/7/2016</a:t>
             </a:fld>
             <a:endParaRPr lang="es-HN"/>
           </a:p>
@@ -1614,7 +4311,7 @@
       </p:sp>
       <p:sp>
         <p:nvSpPr>
-          <p:cNvPr id="8" name="Marcador de pie de página 7"/>
+          <p:cNvPr id="8" name="Footer Placeholder 7"/>
           <p:cNvSpPr>
             <a:spLocks noGrp="1"/>
           </p:cNvSpPr>
@@ -1633,7 +4330,7 @@
       </p:sp>
       <p:sp>
         <p:nvSpPr>
-          <p:cNvPr id="9" name="Marcador de número de diapositiva 8"/>
+          <p:cNvPr id="9" name="Slide Number Placeholder 8"/>
           <p:cNvSpPr>
             <a:spLocks noGrp="1"/>
           </p:cNvSpPr>
@@ -1657,7 +4354,7 @@
     </p:spTree>
     <p:extLst>
       <p:ext uri="{BB962C8B-B14F-4D97-AF65-F5344CB8AC3E}">
-        <p14:creationId xmlns:p14="http://schemas.microsoft.com/office/powerpoint/2010/main" val="1521475512"/>
+        <p14:creationId xmlns:p14="http://schemas.microsoft.com/office/powerpoint/2010/main" val="109535936"/>
       </p:ext>
     </p:extLst>
   </p:cSld>
@@ -1686,7 +4383,7 @@
       </p:grpSpPr>
       <p:sp>
         <p:nvSpPr>
-          <p:cNvPr id="2" name="Título 1"/>
+          <p:cNvPr id="2" name="Title 1"/>
           <p:cNvSpPr>
             <a:spLocks noGrp="1"/>
           </p:cNvSpPr>
@@ -1703,13 +4400,13 @@
               <a:rPr lang="es-ES" smtClean="0"/>
               <a:t>Haga clic para modificar el estilo de título del patrón</a:t>
             </a:r>
-            <a:endParaRPr lang="es-HN"/>
-          </a:p>
-        </p:txBody>
-      </p:sp>
-      <p:sp>
-        <p:nvSpPr>
-          <p:cNvPr id="3" name="Marcador de fecha 2"/>
+            <a:endParaRPr lang="en-US" dirty="0"/>
+          </a:p>
+        </p:txBody>
+      </p:sp>
+      <p:sp>
+        <p:nvSpPr>
+          <p:cNvPr id="3" name="Date Placeholder 2"/>
           <p:cNvSpPr>
             <a:spLocks noGrp="1"/>
           </p:cNvSpPr>
@@ -1724,7 +4421,7 @@
           <a:p>
             <a:fld id="{A34E6EBE-B126-4045-BFC8-0CFD75EE4621}" type="datetimeFigureOut">
               <a:rPr lang="es-HN" smtClean="0"/>
-              <a:t>25/7/2016</a:t>
+              <a:t>26/7/2016</a:t>
             </a:fld>
             <a:endParaRPr lang="es-HN"/>
           </a:p>
@@ -1732,7 +4429,7 @@
       </p:sp>
       <p:sp>
         <p:nvSpPr>
-          <p:cNvPr id="4" name="Marcador de pie de página 3"/>
+          <p:cNvPr id="4" name="Footer Placeholder 3"/>
           <p:cNvSpPr>
             <a:spLocks noGrp="1"/>
           </p:cNvSpPr>
@@ -1751,7 +4448,7 @@
       </p:sp>
       <p:sp>
         <p:nvSpPr>
-          <p:cNvPr id="5" name="Marcador de número de diapositiva 4"/>
+          <p:cNvPr id="5" name="Slide Number Placeholder 4"/>
           <p:cNvSpPr>
             <a:spLocks noGrp="1"/>
           </p:cNvSpPr>
@@ -1775,7 +4472,7 @@
     </p:spTree>
     <p:extLst>
       <p:ext uri="{BB962C8B-B14F-4D97-AF65-F5344CB8AC3E}">
-        <p14:creationId xmlns:p14="http://schemas.microsoft.com/office/powerpoint/2010/main" val="1504414349"/>
+        <p14:creationId xmlns:p14="http://schemas.microsoft.com/office/powerpoint/2010/main" val="81479923"/>
       </p:ext>
     </p:extLst>
   </p:cSld>
@@ -1804,7 +4501,7 @@
       </p:grpSpPr>
       <p:sp>
         <p:nvSpPr>
-          <p:cNvPr id="2" name="Marcador de fecha 1"/>
+          <p:cNvPr id="2" name="Date Placeholder 1"/>
           <p:cNvSpPr>
             <a:spLocks noGrp="1"/>
           </p:cNvSpPr>
@@ -1819,7 +4516,7 @@
           <a:p>
             <a:fld id="{A34E6EBE-B126-4045-BFC8-0CFD75EE4621}" type="datetimeFigureOut">
               <a:rPr lang="es-HN" smtClean="0"/>
-              <a:t>25/7/2016</a:t>
+              <a:t>26/7/2016</a:t>
             </a:fld>
             <a:endParaRPr lang="es-HN"/>
           </a:p>
@@ -1827,7 +4524,7 @@
       </p:sp>
       <p:sp>
         <p:nvSpPr>
-          <p:cNvPr id="3" name="Marcador de pie de página 2"/>
+          <p:cNvPr id="3" name="Footer Placeholder 2"/>
           <p:cNvSpPr>
             <a:spLocks noGrp="1"/>
           </p:cNvSpPr>
@@ -1846,7 +4543,7 @@
       </p:sp>
       <p:sp>
         <p:nvSpPr>
-          <p:cNvPr id="4" name="Marcador de número de diapositiva 3"/>
+          <p:cNvPr id="4" name="Slide Number Placeholder 3"/>
           <p:cNvSpPr>
             <a:spLocks noGrp="1"/>
           </p:cNvSpPr>
@@ -1870,7 +4567,7 @@
     </p:spTree>
     <p:extLst>
       <p:ext uri="{BB962C8B-B14F-4D97-AF65-F5344CB8AC3E}">
-        <p14:creationId xmlns:p14="http://schemas.microsoft.com/office/powerpoint/2010/main" val="576598998"/>
+        <p14:creationId xmlns:p14="http://schemas.microsoft.com/office/powerpoint/2010/main" val="3058441086"/>
       </p:ext>
     </p:extLst>
   </p:cSld>
@@ -1899,7 +4596,7 @@
       </p:grpSpPr>
       <p:sp>
         <p:nvSpPr>
-          <p:cNvPr id="2" name="Título 1"/>
+          <p:cNvPr id="2" name="Title 1"/>
           <p:cNvSpPr>
             <a:spLocks noGrp="1"/>
           </p:cNvSpPr>
@@ -1909,71 +4606,75 @@
         </p:nvSpPr>
         <p:spPr>
           <a:xfrm>
-            <a:off x="839788" y="457200"/>
-            <a:ext cx="3932237" cy="1600200"/>
-          </a:xfrm>
-        </p:spPr>
-        <p:txBody>
-          <a:bodyPr anchor="b"/>
+            <a:off x="1484312" y="1600200"/>
+            <a:ext cx="3549121" cy="1371600"/>
+          </a:xfrm>
+        </p:spPr>
+        <p:txBody>
+          <a:bodyPr anchor="b">
+            <a:normAutofit/>
+          </a:bodyPr>
+          <a:lstStyle>
+            <a:lvl1pPr algn="ctr">
+              <a:defRPr sz="2400" b="0"/>
+            </a:lvl1pPr>
+          </a:lstStyle>
+          <a:p>
+            <a:r>
+              <a:rPr lang="es-ES" smtClean="0"/>
+              <a:t>Haga clic para modificar el estilo de título del patrón</a:t>
+            </a:r>
+            <a:endParaRPr lang="en-US" dirty="0"/>
+          </a:p>
+        </p:txBody>
+      </p:sp>
+      <p:sp>
+        <p:nvSpPr>
+          <p:cNvPr id="3" name="Content Placeholder 2"/>
+          <p:cNvSpPr>
+            <a:spLocks noGrp="1"/>
+          </p:cNvSpPr>
+          <p:nvPr>
+            <p:ph idx="1"/>
+          </p:nvPr>
+        </p:nvSpPr>
+        <p:spPr>
+          <a:xfrm>
+            <a:off x="5262033" y="685799"/>
+            <a:ext cx="6240990" cy="5105401"/>
+          </a:xfrm>
+        </p:spPr>
+        <p:txBody>
+          <a:bodyPr anchor="ctr">
+            <a:normAutofit/>
+          </a:bodyPr>
           <a:lstStyle>
             <a:lvl1pPr>
-              <a:defRPr sz="3200"/>
-            </a:lvl1pPr>
-          </a:lstStyle>
-          <a:p>
-            <a:r>
-              <a:rPr lang="es-ES" smtClean="0"/>
-              <a:t>Haga clic para modificar el estilo de título del patrón</a:t>
-            </a:r>
-            <a:endParaRPr lang="es-HN"/>
-          </a:p>
-        </p:txBody>
-      </p:sp>
-      <p:sp>
-        <p:nvSpPr>
-          <p:cNvPr id="3" name="Marcador de contenido 2"/>
-          <p:cNvSpPr>
-            <a:spLocks noGrp="1"/>
-          </p:cNvSpPr>
-          <p:nvPr>
-            <p:ph idx="1"/>
-          </p:nvPr>
-        </p:nvSpPr>
-        <p:spPr>
-          <a:xfrm>
-            <a:off x="5183188" y="987425"/>
-            <a:ext cx="6172200" cy="4873625"/>
-          </a:xfrm>
-        </p:spPr>
-        <p:txBody>
-          <a:bodyPr/>
-          <a:lstStyle>
-            <a:lvl1pPr>
-              <a:defRPr sz="3200"/>
+              <a:defRPr sz="2000"/>
             </a:lvl1pPr>
             <a:lvl2pPr>
-              <a:defRPr sz="2800"/>
+              <a:defRPr sz="1800"/>
             </a:lvl2pPr>
             <a:lvl3pPr>
-              <a:defRPr sz="2400"/>
+              <a:defRPr sz="1600"/>
             </a:lvl3pPr>
             <a:lvl4pPr>
-              <a:defRPr sz="2000"/>
+              <a:defRPr sz="1400"/>
             </a:lvl4pPr>
             <a:lvl5pPr>
-              <a:defRPr sz="2000"/>
+              <a:defRPr sz="1400"/>
             </a:lvl5pPr>
             <a:lvl6pPr>
-              <a:defRPr sz="2000"/>
+              <a:defRPr sz="1400"/>
             </a:lvl6pPr>
             <a:lvl7pPr>
-              <a:defRPr sz="2000"/>
+              <a:defRPr sz="1400"/>
             </a:lvl7pPr>
             <a:lvl8pPr>
-              <a:defRPr sz="2000"/>
+              <a:defRPr sz="1400"/>
             </a:lvl8pPr>
             <a:lvl9pPr>
-              <a:defRPr sz="2000"/>
+              <a:defRPr sz="1400"/>
             </a:lvl9pPr>
           </a:lstStyle>
           <a:p>
@@ -2010,13 +4711,13 @@
               <a:rPr lang="es-ES" smtClean="0"/>
               <a:t>Quinto nivel</a:t>
             </a:r>
-            <a:endParaRPr lang="es-HN"/>
-          </a:p>
-        </p:txBody>
-      </p:sp>
-      <p:sp>
-        <p:nvSpPr>
-          <p:cNvPr id="4" name="Marcador de texto 3"/>
+            <a:endParaRPr lang="en-US" dirty="0"/>
+          </a:p>
+        </p:txBody>
+      </p:sp>
+      <p:sp>
+        <p:nvSpPr>
+          <p:cNvPr id="4" name="Text Placeholder 3"/>
           <p:cNvSpPr>
             <a:spLocks noGrp="1"/>
           </p:cNvSpPr>
@@ -2026,48 +4727,50 @@
         </p:nvSpPr>
         <p:spPr>
           <a:xfrm>
-            <a:off x="839788" y="2057400"/>
-            <a:ext cx="3932237" cy="3811588"/>
-          </a:xfrm>
-        </p:spPr>
-        <p:txBody>
-          <a:bodyPr/>
+            <a:off x="1484312" y="2971800"/>
+            <a:ext cx="3549121" cy="1828800"/>
+          </a:xfrm>
+        </p:spPr>
+        <p:txBody>
+          <a:bodyPr>
+            <a:normAutofit/>
+          </a:bodyPr>
           <a:lstStyle>
-            <a:lvl1pPr marL="0" indent="0">
+            <a:lvl1pPr marL="0" indent="0" algn="ctr">
               <a:buNone/>
               <a:defRPr sz="1600"/>
             </a:lvl1pPr>
             <a:lvl2pPr marL="457200" indent="0">
               <a:buNone/>
-              <a:defRPr sz="1400"/>
+              <a:defRPr sz="1200"/>
             </a:lvl2pPr>
             <a:lvl3pPr marL="914400" indent="0">
               <a:buNone/>
-              <a:defRPr sz="1200"/>
+              <a:defRPr sz="1000"/>
             </a:lvl3pPr>
             <a:lvl4pPr marL="1371600" indent="0">
               <a:buNone/>
-              <a:defRPr sz="1000"/>
+              <a:defRPr sz="900"/>
             </a:lvl4pPr>
             <a:lvl5pPr marL="1828800" indent="0">
               <a:buNone/>
-              <a:defRPr sz="1000"/>
+              <a:defRPr sz="900"/>
             </a:lvl5pPr>
             <a:lvl6pPr marL="2286000" indent="0">
               <a:buNone/>
-              <a:defRPr sz="1000"/>
+              <a:defRPr sz="900"/>
             </a:lvl6pPr>
             <a:lvl7pPr marL="2743200" indent="0">
               <a:buNone/>
-              <a:defRPr sz="1000"/>
+              <a:defRPr sz="900"/>
             </a:lvl7pPr>
             <a:lvl8pPr marL="3200400" indent="0">
               <a:buNone/>
-              <a:defRPr sz="1000"/>
+              <a:defRPr sz="900"/>
             </a:lvl8pPr>
             <a:lvl9pPr marL="3657600" indent="0">
               <a:buNone/>
-              <a:defRPr sz="1000"/>
+              <a:defRPr sz="900"/>
             </a:lvl9pPr>
           </a:lstStyle>
           <a:p>
@@ -2081,7 +4784,7 @@
       </p:sp>
       <p:sp>
         <p:nvSpPr>
-          <p:cNvPr id="5" name="Marcador de fecha 4"/>
+          <p:cNvPr id="5" name="Date Placeholder 4"/>
           <p:cNvSpPr>
             <a:spLocks noGrp="1"/>
           </p:cNvSpPr>
@@ -2096,7 +4799,7 @@
           <a:p>
             <a:fld id="{A34E6EBE-B126-4045-BFC8-0CFD75EE4621}" type="datetimeFigureOut">
               <a:rPr lang="es-HN" smtClean="0"/>
-              <a:t>25/7/2016</a:t>
+              <a:t>26/7/2016</a:t>
             </a:fld>
             <a:endParaRPr lang="es-HN"/>
           </a:p>
@@ -2104,7 +4807,7 @@
       </p:sp>
       <p:sp>
         <p:nvSpPr>
-          <p:cNvPr id="6" name="Marcador de pie de página 5"/>
+          <p:cNvPr id="6" name="Footer Placeholder 5"/>
           <p:cNvSpPr>
             <a:spLocks noGrp="1"/>
           </p:cNvSpPr>
@@ -2123,7 +4826,7 @@
       </p:sp>
       <p:sp>
         <p:nvSpPr>
-          <p:cNvPr id="7" name="Marcador de número de diapositiva 6"/>
+          <p:cNvPr id="7" name="Slide Number Placeholder 6"/>
           <p:cNvSpPr>
             <a:spLocks noGrp="1"/>
           </p:cNvSpPr>
@@ -2147,7 +4850,7 @@
     </p:spTree>
     <p:extLst>
       <p:ext uri="{BB962C8B-B14F-4D97-AF65-F5344CB8AC3E}">
-        <p14:creationId xmlns:p14="http://schemas.microsoft.com/office/powerpoint/2010/main" val="1194763020"/>
+        <p14:creationId xmlns:p14="http://schemas.microsoft.com/office/powerpoint/2010/main" val="2608185073"/>
       </p:ext>
     </p:extLst>
   </p:cSld>
@@ -2176,7 +4879,7 @@
       </p:grpSpPr>
       <p:sp>
         <p:nvSpPr>
-          <p:cNvPr id="2" name="Título 1"/>
+          <p:cNvPr id="2" name="Title 1"/>
           <p:cNvSpPr>
             <a:spLocks noGrp="1"/>
           </p:cNvSpPr>
@@ -2186,15 +4889,17 @@
         </p:nvSpPr>
         <p:spPr>
           <a:xfrm>
-            <a:off x="839788" y="457200"/>
-            <a:ext cx="3932237" cy="1600200"/>
-          </a:xfrm>
-        </p:spPr>
-        <p:txBody>
-          <a:bodyPr anchor="b"/>
+            <a:off x="1482724" y="1752599"/>
+            <a:ext cx="5426158" cy="1371600"/>
+          </a:xfrm>
+        </p:spPr>
+        <p:txBody>
+          <a:bodyPr anchor="b">
+            <a:normAutofit/>
+          </a:bodyPr>
           <a:lstStyle>
-            <a:lvl1pPr>
-              <a:defRPr sz="3200"/>
+            <a:lvl1pPr algn="ctr">
+              <a:defRPr sz="2800" b="0"/>
             </a:lvl1pPr>
           </a:lstStyle>
           <a:p>
@@ -2202,15 +4907,15 @@
               <a:rPr lang="es-ES" smtClean="0"/>
               <a:t>Haga clic para modificar el estilo de título del patrón</a:t>
             </a:r>
-            <a:endParaRPr lang="es-HN"/>
-          </a:p>
-        </p:txBody>
-      </p:sp>
-      <p:sp>
-        <p:nvSpPr>
-          <p:cNvPr id="3" name="Marcador de posición de imagen 2"/>
-          <p:cNvSpPr>
-            <a:spLocks noGrp="1"/>
+            <a:endParaRPr lang="en-US" dirty="0"/>
+          </a:p>
+        </p:txBody>
+      </p:sp>
+      <p:sp>
+        <p:nvSpPr>
+          <p:cNvPr id="14" name="Picture Placeholder 2"/>
+          <p:cNvSpPr>
+            <a:spLocks noGrp="1" noChangeAspect="1"/>
           </p:cNvSpPr>
           <p:nvPr>
             <p:ph type="pic" idx="1"/>
@@ -2218,112 +4923,148 @@
         </p:nvSpPr>
         <p:spPr>
           <a:xfrm>
-            <a:off x="5183188" y="987425"/>
-            <a:ext cx="6172200" cy="4873625"/>
-          </a:xfrm>
-        </p:spPr>
-        <p:txBody>
-          <a:bodyPr/>
+            <a:off x="7594682" y="914400"/>
+            <a:ext cx="3280974" cy="4572000"/>
+          </a:xfrm>
+          <a:prstGeom prst="roundRect">
+            <a:avLst>
+              <a:gd name="adj" fmla="val 4280"/>
+            </a:avLst>
+          </a:prstGeom>
+          <a:ln w="38100">
+            <a:gradFill flip="none" rotWithShape="1">
+              <a:gsLst>
+                <a:gs pos="0">
+                  <a:schemeClr val="bg2"/>
+                </a:gs>
+                <a:gs pos="100000">
+                  <a:schemeClr val="bg2">
+                    <a:lumMod val="75000"/>
+                  </a:schemeClr>
+                </a:gs>
+              </a:gsLst>
+              <a:lin ang="5400000" scaled="0"/>
+              <a:tileRect/>
+            </a:gradFill>
+          </a:ln>
+          <a:effectLst>
+            <a:innerShdw blurRad="57150" dist="38100" dir="14460000">
+              <a:srgbClr val="000000">
+                <a:alpha val="70000"/>
+              </a:srgbClr>
+            </a:innerShdw>
+          </a:effectLst>
+        </p:spPr>
+        <p:txBody>
+          <a:bodyPr anchor="t">
+            <a:normAutofit/>
+          </a:bodyPr>
           <a:lstStyle>
-            <a:lvl1pPr marL="0" indent="0">
-              <a:buNone/>
-              <a:defRPr sz="3200"/>
-            </a:lvl1pPr>
-            <a:lvl2pPr marL="457200" indent="0">
-              <a:buNone/>
-              <a:defRPr sz="2800"/>
-            </a:lvl2pPr>
-            <a:lvl3pPr marL="914400" indent="0">
-              <a:buNone/>
-              <a:defRPr sz="2400"/>
-            </a:lvl3pPr>
-            <a:lvl4pPr marL="1371600" indent="0">
-              <a:buNone/>
-              <a:defRPr sz="2000"/>
-            </a:lvl4pPr>
-            <a:lvl5pPr marL="1828800" indent="0">
-              <a:buNone/>
-              <a:defRPr sz="2000"/>
-            </a:lvl5pPr>
-            <a:lvl6pPr marL="2286000" indent="0">
-              <a:buNone/>
-              <a:defRPr sz="2000"/>
-            </a:lvl6pPr>
-            <a:lvl7pPr marL="2743200" indent="0">
-              <a:buNone/>
-              <a:defRPr sz="2000"/>
-            </a:lvl7pPr>
-            <a:lvl8pPr marL="3200400" indent="0">
-              <a:buNone/>
-              <a:defRPr sz="2000"/>
-            </a:lvl8pPr>
-            <a:lvl9pPr marL="3657600" indent="0">
-              <a:buNone/>
-              <a:defRPr sz="2000"/>
-            </a:lvl9pPr>
-          </a:lstStyle>
-          <a:p>
-            <a:endParaRPr lang="es-HN"/>
-          </a:p>
-        </p:txBody>
-      </p:sp>
-      <p:sp>
-        <p:nvSpPr>
-          <p:cNvPr id="4" name="Marcador de texto 3"/>
-          <p:cNvSpPr>
-            <a:spLocks noGrp="1"/>
-          </p:cNvSpPr>
-          <p:nvPr>
-            <p:ph type="body" sz="half" idx="2"/>
-          </p:nvPr>
-        </p:nvSpPr>
-        <p:spPr>
-          <a:xfrm>
-            <a:off x="839788" y="2057400"/>
-            <a:ext cx="3932237" cy="3811588"/>
-          </a:xfrm>
-        </p:spPr>
-        <p:txBody>
-          <a:bodyPr/>
-          <a:lstStyle>
-            <a:lvl1pPr marL="0" indent="0">
+            <a:lvl1pPr marL="0" indent="0" algn="ctr">
               <a:buNone/>
               <a:defRPr sz="1600"/>
             </a:lvl1pPr>
             <a:lvl2pPr marL="457200" indent="0">
               <a:buNone/>
-              <a:defRPr sz="1400"/>
+              <a:defRPr sz="1600"/>
             </a:lvl2pPr>
             <a:lvl3pPr marL="914400" indent="0">
               <a:buNone/>
-              <a:defRPr sz="1200"/>
+              <a:defRPr sz="1600"/>
             </a:lvl3pPr>
             <a:lvl4pPr marL="1371600" indent="0">
               <a:buNone/>
-              <a:defRPr sz="1000"/>
+              <a:defRPr sz="1600"/>
             </a:lvl4pPr>
             <a:lvl5pPr marL="1828800" indent="0">
               <a:buNone/>
-              <a:defRPr sz="1000"/>
+              <a:defRPr sz="1600"/>
             </a:lvl5pPr>
             <a:lvl6pPr marL="2286000" indent="0">
               <a:buNone/>
-              <a:defRPr sz="1000"/>
+              <a:defRPr sz="1600"/>
             </a:lvl6pPr>
             <a:lvl7pPr marL="2743200" indent="0">
               <a:buNone/>
-              <a:defRPr sz="1000"/>
+              <a:defRPr sz="1600"/>
             </a:lvl7pPr>
             <a:lvl8pPr marL="3200400" indent="0">
               <a:buNone/>
-              <a:defRPr sz="1000"/>
+              <a:defRPr sz="1600"/>
             </a:lvl8pPr>
             <a:lvl9pPr marL="3657600" indent="0">
               <a:buNone/>
-              <a:defRPr sz="1000"/>
+              <a:defRPr sz="1600"/>
             </a:lvl9pPr>
           </a:lstStyle>
           <a:p>
+            <a:r>
+              <a:rPr lang="es-ES" smtClean="0"/>
+              <a:t>Haga clic en el icono para agregar una imagen</a:t>
+            </a:r>
+            <a:endParaRPr lang="en-US" dirty="0"/>
+          </a:p>
+        </p:txBody>
+      </p:sp>
+      <p:sp>
+        <p:nvSpPr>
+          <p:cNvPr id="4" name="Text Placeholder 3"/>
+          <p:cNvSpPr>
+            <a:spLocks noGrp="1"/>
+          </p:cNvSpPr>
+          <p:nvPr>
+            <p:ph type="body" sz="half" idx="2"/>
+          </p:nvPr>
+        </p:nvSpPr>
+        <p:spPr>
+          <a:xfrm>
+            <a:off x="1482724" y="3124199"/>
+            <a:ext cx="5426158" cy="1828800"/>
+          </a:xfrm>
+        </p:spPr>
+        <p:txBody>
+          <a:bodyPr>
+            <a:normAutofit/>
+          </a:bodyPr>
+          <a:lstStyle>
+            <a:lvl1pPr marL="0" indent="0" algn="ctr">
+              <a:buNone/>
+              <a:defRPr sz="1800"/>
+            </a:lvl1pPr>
+            <a:lvl2pPr marL="457200" indent="0">
+              <a:buNone/>
+              <a:defRPr sz="1200"/>
+            </a:lvl2pPr>
+            <a:lvl3pPr marL="914400" indent="0">
+              <a:buNone/>
+              <a:defRPr sz="1000"/>
+            </a:lvl3pPr>
+            <a:lvl4pPr marL="1371600" indent="0">
+              <a:buNone/>
+              <a:defRPr sz="900"/>
+            </a:lvl4pPr>
+            <a:lvl5pPr marL="1828800" indent="0">
+              <a:buNone/>
+              <a:defRPr sz="900"/>
+            </a:lvl5pPr>
+            <a:lvl6pPr marL="2286000" indent="0">
+              <a:buNone/>
+              <a:defRPr sz="900"/>
+            </a:lvl6pPr>
+            <a:lvl7pPr marL="2743200" indent="0">
+              <a:buNone/>
+              <a:defRPr sz="900"/>
+            </a:lvl7pPr>
+            <a:lvl8pPr marL="3200400" indent="0">
+              <a:buNone/>
+              <a:defRPr sz="900"/>
+            </a:lvl8pPr>
+            <a:lvl9pPr marL="3657600" indent="0">
+              <a:buNone/>
+              <a:defRPr sz="900"/>
+            </a:lvl9pPr>
+          </a:lstStyle>
+          <a:p>
             <a:pPr lvl="0"/>
             <a:r>
               <a:rPr lang="es-ES" smtClean="0"/>
@@ -2334,7 +5075,7 @@
       </p:sp>
       <p:sp>
         <p:nvSpPr>
-          <p:cNvPr id="5" name="Marcador de fecha 4"/>
+          <p:cNvPr id="5" name="Date Placeholder 4"/>
           <p:cNvSpPr>
             <a:spLocks noGrp="1"/>
           </p:cNvSpPr>
@@ -2349,7 +5090,7 @@
           <a:p>
             <a:fld id="{A34E6EBE-B126-4045-BFC8-0CFD75EE4621}" type="datetimeFigureOut">
               <a:rPr lang="es-HN" smtClean="0"/>
-              <a:t>25/7/2016</a:t>
+              <a:t>26/7/2016</a:t>
             </a:fld>
             <a:endParaRPr lang="es-HN"/>
           </a:p>
@@ -2357,7 +5098,7 @@
       </p:sp>
       <p:sp>
         <p:nvSpPr>
-          <p:cNvPr id="6" name="Marcador de pie de página 5"/>
+          <p:cNvPr id="6" name="Footer Placeholder 5"/>
           <p:cNvSpPr>
             <a:spLocks noGrp="1"/>
           </p:cNvSpPr>
@@ -2376,7 +5117,7 @@
       </p:sp>
       <p:sp>
         <p:nvSpPr>
-          <p:cNvPr id="7" name="Marcador de número de diapositiva 6"/>
+          <p:cNvPr id="7" name="Slide Number Placeholder 6"/>
           <p:cNvSpPr>
             <a:spLocks noGrp="1"/>
           </p:cNvSpPr>
@@ -2400,7 +5141,7 @@
     </p:spTree>
     <p:extLst>
       <p:ext uri="{BB962C8B-B14F-4D97-AF65-F5344CB8AC3E}">
-        <p14:creationId xmlns:p14="http://schemas.microsoft.com/office/powerpoint/2010/main" val="789695086"/>
+        <p14:creationId xmlns:p14="http://schemas.microsoft.com/office/powerpoint/2010/main" val="4077517198"/>
       </p:ext>
     </p:extLst>
   </p:cSld>
@@ -2414,8 +5155,8 @@
 <p:sldMaster xmlns:a="http://schemas.openxmlformats.org/drawingml/2006/main" xmlns:r="http://schemas.openxmlformats.org/officeDocument/2006/relationships" xmlns:p="http://schemas.openxmlformats.org/presentationml/2006/main">
   <p:cSld>
     <p:bg>
-      <p:bgRef idx="1001">
-        <a:schemeClr val="bg1"/>
+      <p:bgRef idx="1003">
+        <a:schemeClr val="bg2"/>
       </p:bgRef>
     </p:bg>
     <p:spTree>
@@ -2432,9 +5173,325 @@
           <a:chExt cx="0" cy="0"/>
         </a:xfrm>
       </p:grpSpPr>
-      <p:sp>
-        <p:nvSpPr>
-          <p:cNvPr id="2" name="Marcador de título 1"/>
+      <p:grpSp>
+        <p:nvGrpSpPr>
+          <p:cNvPr id="7" name="Group 6"/>
+          <p:cNvGrpSpPr/>
+          <p:nvPr/>
+        </p:nvGrpSpPr>
+        <p:grpSpPr>
+          <a:xfrm>
+            <a:off x="150812" y="0"/>
+            <a:ext cx="2436813" cy="6858001"/>
+            <a:chOff x="1320800" y="0"/>
+            <a:chExt cx="2436813" cy="6858001"/>
+          </a:xfrm>
+        </p:grpSpPr>
+        <p:sp>
+          <p:nvSpPr>
+            <p:cNvPr id="8" name="Freeform 6"/>
+            <p:cNvSpPr/>
+            <p:nvPr/>
+          </p:nvSpPr>
+          <p:spPr bwMode="auto">
+            <a:xfrm>
+              <a:off x="1627188" y="0"/>
+              <a:ext cx="1122363" cy="5329238"/>
+            </a:xfrm>
+            <a:custGeom>
+              <a:avLst/>
+              <a:gdLst/>
+              <a:ahLst/>
+              <a:cxnLst/>
+              <a:rect l="0" t="0" r="r" b="b"/>
+              <a:pathLst>
+                <a:path w="707" h="3357">
+                  <a:moveTo>
+                    <a:pt x="0" y="3330"/>
+                  </a:moveTo>
+                  <a:lnTo>
+                    <a:pt x="156" y="3357"/>
+                  </a:lnTo>
+                  <a:lnTo>
+                    <a:pt x="707" y="0"/>
+                  </a:lnTo>
+                  <a:lnTo>
+                    <a:pt x="547" y="0"/>
+                  </a:lnTo>
+                  <a:lnTo>
+                    <a:pt x="0" y="3330"/>
+                  </a:lnTo>
+                  <a:close/>
+                </a:path>
+              </a:pathLst>
+            </a:custGeom>
+            <a:solidFill>
+              <a:schemeClr val="accent1"/>
+            </a:solidFill>
+            <a:ln>
+              <a:noFill/>
+            </a:ln>
+          </p:spPr>
+        </p:sp>
+        <p:sp>
+          <p:nvSpPr>
+            <p:cNvPr id="9" name="Freeform 7"/>
+            <p:cNvSpPr/>
+            <p:nvPr/>
+          </p:nvSpPr>
+          <p:spPr bwMode="auto">
+            <a:xfrm>
+              <a:off x="1320800" y="0"/>
+              <a:ext cx="1117600" cy="5276850"/>
+            </a:xfrm>
+            <a:custGeom>
+              <a:avLst/>
+              <a:gdLst/>
+              <a:ahLst/>
+              <a:cxnLst/>
+              <a:rect l="0" t="0" r="r" b="b"/>
+              <a:pathLst>
+                <a:path w="704" h="3324">
+                  <a:moveTo>
+                    <a:pt x="704" y="0"/>
+                  </a:moveTo>
+                  <a:lnTo>
+                    <a:pt x="545" y="0"/>
+                  </a:lnTo>
+                  <a:lnTo>
+                    <a:pt x="0" y="3300"/>
+                  </a:lnTo>
+                  <a:lnTo>
+                    <a:pt x="157" y="3324"/>
+                  </a:lnTo>
+                  <a:lnTo>
+                    <a:pt x="704" y="0"/>
+                  </a:lnTo>
+                  <a:close/>
+                </a:path>
+              </a:pathLst>
+            </a:custGeom>
+            <a:solidFill>
+              <a:schemeClr val="tx1">
+                <a:lumMod val="65000"/>
+                <a:lumOff val="35000"/>
+              </a:schemeClr>
+            </a:solidFill>
+            <a:ln>
+              <a:noFill/>
+            </a:ln>
+          </p:spPr>
+        </p:sp>
+        <p:sp>
+          <p:nvSpPr>
+            <p:cNvPr id="10" name="Freeform 8"/>
+            <p:cNvSpPr/>
+            <p:nvPr/>
+          </p:nvSpPr>
+          <p:spPr bwMode="auto">
+            <a:xfrm>
+              <a:off x="1320800" y="5238750"/>
+              <a:ext cx="1228725" cy="1619250"/>
+            </a:xfrm>
+            <a:custGeom>
+              <a:avLst/>
+              <a:gdLst/>
+              <a:ahLst/>
+              <a:cxnLst/>
+              <a:rect l="0" t="0" r="r" b="b"/>
+              <a:pathLst>
+                <a:path w="774" h="1020">
+                  <a:moveTo>
+                    <a:pt x="0" y="0"/>
+                  </a:moveTo>
+                  <a:lnTo>
+                    <a:pt x="740" y="1020"/>
+                  </a:lnTo>
+                  <a:lnTo>
+                    <a:pt x="774" y="1020"/>
+                  </a:lnTo>
+                  <a:lnTo>
+                    <a:pt x="0" y="0"/>
+                  </a:lnTo>
+                  <a:close/>
+                </a:path>
+              </a:pathLst>
+            </a:custGeom>
+            <a:solidFill>
+              <a:schemeClr val="tx1">
+                <a:lumMod val="85000"/>
+                <a:lumOff val="15000"/>
+              </a:schemeClr>
+            </a:solidFill>
+            <a:ln>
+              <a:noFill/>
+            </a:ln>
+          </p:spPr>
+        </p:sp>
+        <p:sp>
+          <p:nvSpPr>
+            <p:cNvPr id="11" name="Freeform 9"/>
+            <p:cNvSpPr/>
+            <p:nvPr/>
+          </p:nvSpPr>
+          <p:spPr bwMode="auto">
+            <a:xfrm>
+              <a:off x="1627188" y="5291138"/>
+              <a:ext cx="1495425" cy="1566863"/>
+            </a:xfrm>
+            <a:custGeom>
+              <a:avLst/>
+              <a:gdLst/>
+              <a:ahLst/>
+              <a:cxnLst/>
+              <a:rect l="0" t="0" r="r" b="b"/>
+              <a:pathLst>
+                <a:path w="942" h="987">
+                  <a:moveTo>
+                    <a:pt x="0" y="0"/>
+                  </a:moveTo>
+                  <a:lnTo>
+                    <a:pt x="909" y="987"/>
+                  </a:lnTo>
+                  <a:lnTo>
+                    <a:pt x="942" y="987"/>
+                  </a:lnTo>
+                  <a:lnTo>
+                    <a:pt x="0" y="0"/>
+                  </a:lnTo>
+                  <a:close/>
+                </a:path>
+              </a:pathLst>
+            </a:custGeom>
+            <a:solidFill>
+              <a:schemeClr val="accent1">
+                <a:lumMod val="50000"/>
+              </a:schemeClr>
+            </a:solidFill>
+            <a:ln>
+              <a:noFill/>
+            </a:ln>
+          </p:spPr>
+        </p:sp>
+        <p:sp>
+          <p:nvSpPr>
+            <p:cNvPr id="12" name="Freeform 10"/>
+            <p:cNvSpPr/>
+            <p:nvPr/>
+          </p:nvSpPr>
+          <p:spPr bwMode="auto">
+            <a:xfrm>
+              <a:off x="1627188" y="5286375"/>
+              <a:ext cx="2130425" cy="1571625"/>
+            </a:xfrm>
+            <a:custGeom>
+              <a:avLst/>
+              <a:gdLst/>
+              <a:ahLst/>
+              <a:cxnLst/>
+              <a:rect l="0" t="0" r="r" b="b"/>
+              <a:pathLst>
+                <a:path w="1342" h="990">
+                  <a:moveTo>
+                    <a:pt x="0" y="3"/>
+                  </a:moveTo>
+                  <a:lnTo>
+                    <a:pt x="942" y="990"/>
+                  </a:lnTo>
+                  <a:lnTo>
+                    <a:pt x="1342" y="990"/>
+                  </a:lnTo>
+                  <a:lnTo>
+                    <a:pt x="156" y="27"/>
+                  </a:lnTo>
+                  <a:lnTo>
+                    <a:pt x="0" y="0"/>
+                  </a:lnTo>
+                  <a:lnTo>
+                    <a:pt x="0" y="3"/>
+                  </a:lnTo>
+                  <a:close/>
+                </a:path>
+              </a:pathLst>
+            </a:custGeom>
+            <a:solidFill>
+              <a:schemeClr val="accent1">
+                <a:lumMod val="75000"/>
+              </a:schemeClr>
+            </a:solidFill>
+            <a:ln>
+              <a:noFill/>
+            </a:ln>
+          </p:spPr>
+        </p:sp>
+        <p:sp>
+          <p:nvSpPr>
+            <p:cNvPr id="13" name="Freeform 11"/>
+            <p:cNvSpPr/>
+            <p:nvPr/>
+          </p:nvSpPr>
+          <p:spPr bwMode="auto">
+            <a:xfrm>
+              <a:off x="1320800" y="5238750"/>
+              <a:ext cx="1695450" cy="1619250"/>
+            </a:xfrm>
+            <a:custGeom>
+              <a:avLst/>
+              <a:gdLst/>
+              <a:ahLst/>
+              <a:cxnLst/>
+              <a:rect l="0" t="0" r="r" b="b"/>
+              <a:pathLst>
+                <a:path w="1068" h="1020">
+                  <a:moveTo>
+                    <a:pt x="1068" y="1020"/>
+                  </a:moveTo>
+                  <a:lnTo>
+                    <a:pt x="184" y="60"/>
+                  </a:lnTo>
+                  <a:lnTo>
+                    <a:pt x="154" y="27"/>
+                  </a:lnTo>
+                  <a:lnTo>
+                    <a:pt x="157" y="27"/>
+                  </a:lnTo>
+                  <a:lnTo>
+                    <a:pt x="157" y="24"/>
+                  </a:lnTo>
+                  <a:lnTo>
+                    <a:pt x="154" y="24"/>
+                  </a:lnTo>
+                  <a:lnTo>
+                    <a:pt x="0" y="0"/>
+                  </a:lnTo>
+                  <a:lnTo>
+                    <a:pt x="0" y="0"/>
+                  </a:lnTo>
+                  <a:lnTo>
+                    <a:pt x="774" y="1020"/>
+                  </a:lnTo>
+                  <a:lnTo>
+                    <a:pt x="1068" y="1020"/>
+                  </a:lnTo>
+                  <a:close/>
+                </a:path>
+              </a:pathLst>
+            </a:custGeom>
+            <a:solidFill>
+              <a:schemeClr val="tx1">
+                <a:lumMod val="75000"/>
+                <a:lumOff val="25000"/>
+              </a:schemeClr>
+            </a:solidFill>
+            <a:ln>
+              <a:noFill/>
+            </a:ln>
+          </p:spPr>
+        </p:sp>
+      </p:grpSp>
+      <p:sp>
+        <p:nvSpPr>
+          <p:cNvPr id="2" name="Title Placeholder 1"/>
           <p:cNvSpPr>
             <a:spLocks noGrp="1"/>
           </p:cNvSpPr>
@@ -2444,12 +5501,13 @@
         </p:nvSpPr>
         <p:spPr>
           <a:xfrm>
-            <a:off x="838200" y="365125"/>
-            <a:ext cx="10515600" cy="1325563"/>
+            <a:off x="1484311" y="685800"/>
+            <a:ext cx="10018713" cy="1752599"/>
           </a:xfrm>
           <a:prstGeom prst="rect">
             <a:avLst/>
           </a:prstGeom>
+          <a:effectLst/>
         </p:spPr>
         <p:txBody>
           <a:bodyPr vert="horz" lIns="91440" tIns="45720" rIns="91440" bIns="45720" rtlCol="0" anchor="ctr">
@@ -2461,13 +5519,13 @@
               <a:rPr lang="es-ES" smtClean="0"/>
               <a:t>Haga clic para modificar el estilo de título del patrón</a:t>
             </a:r>
-            <a:endParaRPr lang="es-HN"/>
-          </a:p>
-        </p:txBody>
-      </p:sp>
-      <p:sp>
-        <p:nvSpPr>
-          <p:cNvPr id="3" name="Marcador de texto 2"/>
+            <a:endParaRPr lang="en-US" dirty="0"/>
+          </a:p>
+        </p:txBody>
+      </p:sp>
+      <p:sp>
+        <p:nvSpPr>
+          <p:cNvPr id="3" name="Text Placeholder 2"/>
           <p:cNvSpPr>
             <a:spLocks noGrp="1"/>
           </p:cNvSpPr>
@@ -2477,15 +5535,15 @@
         </p:nvSpPr>
         <p:spPr>
           <a:xfrm>
-            <a:off x="838200" y="1825625"/>
-            <a:ext cx="10515600" cy="4351338"/>
+            <a:off x="1484310" y="2666999"/>
+            <a:ext cx="10018713" cy="3124201"/>
           </a:xfrm>
           <a:prstGeom prst="rect">
             <a:avLst/>
           </a:prstGeom>
         </p:spPr>
         <p:txBody>
-          <a:bodyPr vert="horz" lIns="91440" tIns="45720" rIns="91440" bIns="45720" rtlCol="0">
+          <a:bodyPr vert="horz" lIns="91440" tIns="45720" rIns="91440" bIns="45720" rtlCol="0" anchor="ctr">
             <a:normAutofit/>
           </a:bodyPr>
           <a:lstStyle/>
@@ -2523,13 +5581,13 @@
               <a:rPr lang="es-ES" smtClean="0"/>
               <a:t>Quinto nivel</a:t>
             </a:r>
-            <a:endParaRPr lang="es-HN"/>
-          </a:p>
-        </p:txBody>
-      </p:sp>
-      <p:sp>
-        <p:nvSpPr>
-          <p:cNvPr id="4" name="Marcador de fecha 3"/>
+            <a:endParaRPr lang="en-US" dirty="0"/>
+          </a:p>
+        </p:txBody>
+      </p:sp>
+      <p:sp>
+        <p:nvSpPr>
+          <p:cNvPr id="4" name="Date Placeholder 3"/>
           <p:cNvSpPr>
             <a:spLocks noGrp="1"/>
           </p:cNvSpPr>
@@ -2539,8 +5597,8 @@
         </p:nvSpPr>
         <p:spPr>
           <a:xfrm>
-            <a:off x="838200" y="6356350"/>
-            <a:ext cx="2743200" cy="365125"/>
+            <a:off x="9732656" y="5883275"/>
+            <a:ext cx="1143000" cy="365125"/>
           </a:xfrm>
           <a:prstGeom prst="rect">
             <a:avLst/>
@@ -2549,20 +5607,20 @@
         <p:txBody>
           <a:bodyPr vert="horz" lIns="91440" tIns="45720" rIns="91440" bIns="45720" rtlCol="0" anchor="ctr"/>
           <a:lstStyle>
-            <a:lvl1pPr algn="l">
-              <a:defRPr sz="1200">
-                <a:solidFill>
-                  <a:schemeClr val="tx1">
-                    <a:tint val="75000"/>
-                  </a:schemeClr>
-                </a:solidFill>
+            <a:lvl1pPr algn="r">
+              <a:defRPr sz="1000" b="0" i="0">
+                <a:solidFill>
+                  <a:schemeClr val="tx1"/>
+                </a:solidFill>
+                <a:effectLst/>
+                <a:latin typeface="+mn-lt"/>
               </a:defRPr>
             </a:lvl1pPr>
           </a:lstStyle>
           <a:p>
             <a:fld id="{A34E6EBE-B126-4045-BFC8-0CFD75EE4621}" type="datetimeFigureOut">
               <a:rPr lang="es-HN" smtClean="0"/>
-              <a:t>25/7/2016</a:t>
+              <a:t>26/7/2016</a:t>
             </a:fld>
             <a:endParaRPr lang="es-HN"/>
           </a:p>
@@ -2570,7 +5628,7 @@
       </p:sp>
       <p:sp>
         <p:nvSpPr>
-          <p:cNvPr id="5" name="Marcador de pie de página 4"/>
+          <p:cNvPr id="5" name="Footer Placeholder 4"/>
           <p:cNvSpPr>
             <a:spLocks noGrp="1"/>
           </p:cNvSpPr>
@@ -2580,8 +5638,8 @@
         </p:nvSpPr>
         <p:spPr>
           <a:xfrm>
-            <a:off x="4038600" y="6356350"/>
-            <a:ext cx="4114800" cy="365125"/>
+            <a:off x="2572279" y="5883275"/>
+            <a:ext cx="7084177" cy="365125"/>
           </a:xfrm>
           <a:prstGeom prst="rect">
             <a:avLst/>
@@ -2590,13 +5648,13 @@
         <p:txBody>
           <a:bodyPr vert="horz" lIns="91440" tIns="45720" rIns="91440" bIns="45720" rtlCol="0" anchor="ctr"/>
           <a:lstStyle>
-            <a:lvl1pPr algn="ctr">
-              <a:defRPr sz="1200">
-                <a:solidFill>
-                  <a:schemeClr val="tx1">
-                    <a:tint val="75000"/>
-                  </a:schemeClr>
-                </a:solidFill>
+            <a:lvl1pPr algn="l">
+              <a:defRPr sz="1000" b="0" i="0">
+                <a:solidFill>
+                  <a:schemeClr val="tx1"/>
+                </a:solidFill>
+                <a:effectLst/>
+                <a:latin typeface="+mn-lt"/>
               </a:defRPr>
             </a:lvl1pPr>
           </a:lstStyle>
@@ -2607,7 +5665,7 @@
       </p:sp>
       <p:sp>
         <p:nvSpPr>
-          <p:cNvPr id="6" name="Marcador de número de diapositiva 5"/>
+          <p:cNvPr id="6" name="Slide Number Placeholder 5"/>
           <p:cNvSpPr>
             <a:spLocks noGrp="1"/>
           </p:cNvSpPr>
@@ -2617,8 +5675,8 @@
         </p:nvSpPr>
         <p:spPr>
           <a:xfrm>
-            <a:off x="8610600" y="6356350"/>
-            <a:ext cx="2743200" cy="365125"/>
+            <a:off x="10951856" y="5883275"/>
+            <a:ext cx="551167" cy="365125"/>
           </a:xfrm>
           <a:prstGeom prst="rect">
             <a:avLst/>
@@ -2628,12 +5686,12 @@
           <a:bodyPr vert="horz" lIns="91440" tIns="45720" rIns="91440" bIns="45720" rtlCol="0" anchor="ctr"/>
           <a:lstStyle>
             <a:lvl1pPr algn="r">
-              <a:defRPr sz="1200">
-                <a:solidFill>
-                  <a:schemeClr val="tx1">
-                    <a:tint val="75000"/>
-                  </a:schemeClr>
-                </a:solidFill>
+              <a:defRPr sz="1000" b="0" i="0">
+                <a:solidFill>
+                  <a:schemeClr val="tx1"/>
+                </a:solidFill>
+                <a:effectLst/>
+                <a:latin typeface="+mn-lt"/>
               </a:defRPr>
             </a:lvl1pPr>
           </a:lstStyle>
@@ -2649,55 +5707,340 @@
     </p:spTree>
     <p:extLst>
       <p:ext uri="{BB962C8B-B14F-4D97-AF65-F5344CB8AC3E}">
-        <p14:creationId xmlns:p14="http://schemas.microsoft.com/office/powerpoint/2010/main" val="1046097467"/>
+        <p14:creationId xmlns:p14="http://schemas.microsoft.com/office/powerpoint/2010/main" val="4200851599"/>
       </p:ext>
     </p:extLst>
   </p:cSld>
   <p:clrMap bg1="lt1" tx1="dk1" bg2="lt2" tx2="dk2" accent1="accent1" accent2="accent2" accent3="accent3" accent4="accent4" accent5="accent5" accent6="accent6" hlink="hlink" folHlink="folHlink"/>
   <p:sldLayoutIdLst>
-    <p:sldLayoutId id="2147483649" r:id="rId1"/>
-    <p:sldLayoutId id="2147483650" r:id="rId2"/>
-    <p:sldLayoutId id="2147483651" r:id="rId3"/>
-    <p:sldLayoutId id="2147483652" r:id="rId4"/>
-    <p:sldLayoutId id="2147483653" r:id="rId5"/>
-    <p:sldLayoutId id="2147483654" r:id="rId6"/>
-    <p:sldLayoutId id="2147483655" r:id="rId7"/>
-    <p:sldLayoutId id="2147483656" r:id="rId8"/>
-    <p:sldLayoutId id="2147483657" r:id="rId9"/>
-    <p:sldLayoutId id="2147483658" r:id="rId10"/>
-    <p:sldLayoutId id="2147483659" r:id="rId11"/>
+    <p:sldLayoutId id="2147483679" r:id="rId1"/>
+    <p:sldLayoutId id="2147483680" r:id="rId2"/>
+    <p:sldLayoutId id="2147483681" r:id="rId3"/>
+    <p:sldLayoutId id="2147483682" r:id="rId4"/>
+    <p:sldLayoutId id="2147483683" r:id="rId5"/>
+    <p:sldLayoutId id="2147483684" r:id="rId6"/>
+    <p:sldLayoutId id="2147483685" r:id="rId7"/>
+    <p:sldLayoutId id="2147483686" r:id="rId8"/>
+    <p:sldLayoutId id="2147483687" r:id="rId9"/>
+    <p:sldLayoutId id="2147483688" r:id="rId10"/>
+    <p:sldLayoutId id="2147483689" r:id="rId11"/>
+    <p:sldLayoutId id="2147483690" r:id="rId12"/>
+    <p:sldLayoutId id="2147483691" r:id="rId13"/>
+    <p:sldLayoutId id="2147483692" r:id="rId14"/>
+    <p:sldLayoutId id="2147483693" r:id="rId15"/>
+    <p:sldLayoutId id="2147483694" r:id="rId16"/>
+    <p:sldLayoutId id="2147483695" r:id="rId17"/>
   </p:sldLayoutIdLst>
   <p:txStyles>
     <p:titleStyle>
-      <a:lvl1pPr algn="l" defTabSz="914400" rtl="0" eaLnBrk="1" latinLnBrk="0" hangingPunct="1">
-        <a:lnSpc>
-          <a:spcPct val="90000"/>
-        </a:lnSpc>
+      <a:lvl1pPr algn="ctr" defTabSz="457200" rtl="0" eaLnBrk="1" latinLnBrk="0" hangingPunct="1">
         <a:spcBef>
           <a:spcPct val="0"/>
         </a:spcBef>
         <a:buNone/>
-        <a:defRPr sz="4400" kern="1200">
+        <a:defRPr sz="4000" kern="1200" cap="none">
+          <a:ln w="3175" cmpd="sng">
+            <a:noFill/>
+          </a:ln>
           <a:solidFill>
             <a:schemeClr val="tx1"/>
           </a:solidFill>
+          <a:effectLst/>
           <a:latin typeface="+mj-lt"/>
           <a:ea typeface="+mj-ea"/>
           <a:cs typeface="+mj-cs"/>
         </a:defRPr>
       </a:lvl1pPr>
+      <a:lvl2pPr eaLnBrk="1" hangingPunct="1">
+        <a:defRPr>
+          <a:solidFill>
+            <a:schemeClr val="tx2"/>
+          </a:solidFill>
+        </a:defRPr>
+      </a:lvl2pPr>
+      <a:lvl3pPr eaLnBrk="1" hangingPunct="1">
+        <a:defRPr>
+          <a:solidFill>
+            <a:schemeClr val="tx2"/>
+          </a:solidFill>
+        </a:defRPr>
+      </a:lvl3pPr>
+      <a:lvl4pPr eaLnBrk="1" hangingPunct="1">
+        <a:defRPr>
+          <a:solidFill>
+            <a:schemeClr val="tx2"/>
+          </a:solidFill>
+        </a:defRPr>
+      </a:lvl4pPr>
+      <a:lvl5pPr eaLnBrk="1" hangingPunct="1">
+        <a:defRPr>
+          <a:solidFill>
+            <a:schemeClr val="tx2"/>
+          </a:solidFill>
+        </a:defRPr>
+      </a:lvl5pPr>
+      <a:lvl6pPr eaLnBrk="1" hangingPunct="1">
+        <a:defRPr>
+          <a:solidFill>
+            <a:schemeClr val="tx2"/>
+          </a:solidFill>
+        </a:defRPr>
+      </a:lvl6pPr>
+      <a:lvl7pPr eaLnBrk="1" hangingPunct="1">
+        <a:defRPr>
+          <a:solidFill>
+            <a:schemeClr val="tx2"/>
+          </a:solidFill>
+        </a:defRPr>
+      </a:lvl7pPr>
+      <a:lvl8pPr eaLnBrk="1" hangingPunct="1">
+        <a:defRPr>
+          <a:solidFill>
+            <a:schemeClr val="tx2"/>
+          </a:solidFill>
+        </a:defRPr>
+      </a:lvl8pPr>
+      <a:lvl9pPr eaLnBrk="1" hangingPunct="1">
+        <a:defRPr>
+          <a:solidFill>
+            <a:schemeClr val="tx2"/>
+          </a:solidFill>
+        </a:defRPr>
+      </a:lvl9pPr>
     </p:titleStyle>
     <p:bodyStyle>
-      <a:lvl1pPr marL="228600" indent="-228600" algn="l" defTabSz="914400" rtl="0" eaLnBrk="1" latinLnBrk="0" hangingPunct="1">
-        <a:lnSpc>
-          <a:spcPct val="90000"/>
-        </a:lnSpc>
+      <a:lvl1pPr marL="285750" indent="-285750" algn="l" defTabSz="457200" rtl="0" eaLnBrk="1" latinLnBrk="0" hangingPunct="1">
         <a:spcBef>
-          <a:spcPts val="1000"/>
+          <a:spcPct val="20000"/>
         </a:spcBef>
-        <a:buFont typeface="Arial" panose="020B0604020202020204" pitchFamily="34" charset="0"/>
+        <a:spcAft>
+          <a:spcPts val="600"/>
+        </a:spcAft>
+        <a:buClr>
+          <a:schemeClr val="accent1">
+            <a:lumMod val="75000"/>
+          </a:schemeClr>
+        </a:buClr>
+        <a:buSzPct val="145000"/>
+        <a:buFont typeface="Arial"/>
         <a:buChar char="•"/>
-        <a:defRPr sz="2800" kern="1200">
+        <a:defRPr sz="2400" kern="1200" cap="none">
+          <a:solidFill>
+            <a:schemeClr val="tx1"/>
+          </a:solidFill>
+          <a:effectLst/>
+          <a:latin typeface="+mn-lt"/>
+          <a:ea typeface="+mn-ea"/>
+          <a:cs typeface="+mn-cs"/>
+        </a:defRPr>
+      </a:lvl1pPr>
+      <a:lvl2pPr marL="742950" indent="-285750" algn="l" defTabSz="457200" rtl="0" eaLnBrk="1" latinLnBrk="0" hangingPunct="1">
+        <a:spcBef>
+          <a:spcPct val="20000"/>
+        </a:spcBef>
+        <a:spcAft>
+          <a:spcPts val="600"/>
+        </a:spcAft>
+        <a:buClr>
+          <a:schemeClr val="accent1">
+            <a:lumMod val="75000"/>
+          </a:schemeClr>
+        </a:buClr>
+        <a:buSzPct val="145000"/>
+        <a:buFont typeface="Arial"/>
+        <a:buChar char="•"/>
+        <a:defRPr sz="2000" kern="1200" cap="none">
+          <a:solidFill>
+            <a:schemeClr val="tx1"/>
+          </a:solidFill>
+          <a:effectLst/>
+          <a:latin typeface="+mn-lt"/>
+          <a:ea typeface="+mn-ea"/>
+          <a:cs typeface="+mn-cs"/>
+        </a:defRPr>
+      </a:lvl2pPr>
+      <a:lvl3pPr marL="1200150" indent="-285750" algn="l" defTabSz="457200" rtl="0" eaLnBrk="1" latinLnBrk="0" hangingPunct="1">
+        <a:spcBef>
+          <a:spcPct val="20000"/>
+        </a:spcBef>
+        <a:spcAft>
+          <a:spcPts val="600"/>
+        </a:spcAft>
+        <a:buClr>
+          <a:schemeClr val="accent1">
+            <a:lumMod val="75000"/>
+          </a:schemeClr>
+        </a:buClr>
+        <a:buSzPct val="145000"/>
+        <a:buFont typeface="Arial"/>
+        <a:buChar char="•"/>
+        <a:defRPr sz="1800" kern="1200" cap="none">
+          <a:solidFill>
+            <a:schemeClr val="tx1"/>
+          </a:solidFill>
+          <a:effectLst/>
+          <a:latin typeface="+mn-lt"/>
+          <a:ea typeface="+mn-ea"/>
+          <a:cs typeface="+mn-cs"/>
+        </a:defRPr>
+      </a:lvl3pPr>
+      <a:lvl4pPr marL="1543050" indent="-171450" algn="l" defTabSz="457200" rtl="0" eaLnBrk="1" latinLnBrk="0" hangingPunct="1">
+        <a:spcBef>
+          <a:spcPct val="20000"/>
+        </a:spcBef>
+        <a:spcAft>
+          <a:spcPts val="600"/>
+        </a:spcAft>
+        <a:buClr>
+          <a:schemeClr val="accent1">
+            <a:lumMod val="75000"/>
+          </a:schemeClr>
+        </a:buClr>
+        <a:buSzPct val="145000"/>
+        <a:buFont typeface="Arial"/>
+        <a:buChar char="•"/>
+        <a:defRPr sz="1600" kern="1200" cap="none">
+          <a:solidFill>
+            <a:schemeClr val="tx1"/>
+          </a:solidFill>
+          <a:effectLst/>
+          <a:latin typeface="+mn-lt"/>
+          <a:ea typeface="+mn-ea"/>
+          <a:cs typeface="+mn-cs"/>
+        </a:defRPr>
+      </a:lvl4pPr>
+      <a:lvl5pPr marL="2000250" indent="-171450" algn="l" defTabSz="457200" rtl="0" eaLnBrk="1" latinLnBrk="0" hangingPunct="1">
+        <a:spcBef>
+          <a:spcPct val="20000"/>
+        </a:spcBef>
+        <a:spcAft>
+          <a:spcPts val="600"/>
+        </a:spcAft>
+        <a:buClr>
+          <a:schemeClr val="accent1">
+            <a:lumMod val="75000"/>
+          </a:schemeClr>
+        </a:buClr>
+        <a:buSzPct val="145000"/>
+        <a:buFont typeface="Arial"/>
+        <a:buChar char="•"/>
+        <a:defRPr sz="1400" kern="1200" cap="none">
+          <a:solidFill>
+            <a:schemeClr val="tx1"/>
+          </a:solidFill>
+          <a:effectLst/>
+          <a:latin typeface="+mn-lt"/>
+          <a:ea typeface="+mn-ea"/>
+          <a:cs typeface="+mn-cs"/>
+        </a:defRPr>
+      </a:lvl5pPr>
+      <a:lvl6pPr marL="2514600" indent="-228600" algn="l" defTabSz="457200" rtl="0" eaLnBrk="1" latinLnBrk="0" hangingPunct="1">
+        <a:spcBef>
+          <a:spcPct val="20000"/>
+        </a:spcBef>
+        <a:spcAft>
+          <a:spcPts val="600"/>
+        </a:spcAft>
+        <a:buClr>
+          <a:schemeClr val="accent1">
+            <a:lumMod val="75000"/>
+          </a:schemeClr>
+        </a:buClr>
+        <a:buSzPct val="145000"/>
+        <a:buFont typeface="Arial"/>
+        <a:buChar char="•"/>
+        <a:defRPr sz="1400" kern="1200" cap="none">
+          <a:solidFill>
+            <a:schemeClr val="tx1"/>
+          </a:solidFill>
+          <a:effectLst/>
+          <a:latin typeface="+mn-lt"/>
+          <a:ea typeface="+mn-ea"/>
+          <a:cs typeface="+mn-cs"/>
+        </a:defRPr>
+      </a:lvl6pPr>
+      <a:lvl7pPr marL="2971800" indent="-228600" algn="l" defTabSz="457200" rtl="0" eaLnBrk="1" latinLnBrk="0" hangingPunct="1">
+        <a:spcBef>
+          <a:spcPct val="20000"/>
+        </a:spcBef>
+        <a:spcAft>
+          <a:spcPts val="600"/>
+        </a:spcAft>
+        <a:buClr>
+          <a:schemeClr val="accent1">
+            <a:lumMod val="75000"/>
+          </a:schemeClr>
+        </a:buClr>
+        <a:buSzPct val="145000"/>
+        <a:buFont typeface="Arial"/>
+        <a:buChar char="•"/>
+        <a:defRPr sz="1400" kern="1200" cap="none">
+          <a:solidFill>
+            <a:schemeClr val="tx1"/>
+          </a:solidFill>
+          <a:effectLst/>
+          <a:latin typeface="+mn-lt"/>
+          <a:ea typeface="+mn-ea"/>
+          <a:cs typeface="+mn-cs"/>
+        </a:defRPr>
+      </a:lvl7pPr>
+      <a:lvl8pPr marL="3429000" indent="-228600" algn="l" defTabSz="457200" rtl="0" eaLnBrk="1" latinLnBrk="0" hangingPunct="1">
+        <a:spcBef>
+          <a:spcPct val="20000"/>
+        </a:spcBef>
+        <a:spcAft>
+          <a:spcPts val="600"/>
+        </a:spcAft>
+        <a:buClr>
+          <a:schemeClr val="accent1">
+            <a:lumMod val="75000"/>
+          </a:schemeClr>
+        </a:buClr>
+        <a:buSzPct val="145000"/>
+        <a:buFont typeface="Arial"/>
+        <a:buChar char="•"/>
+        <a:defRPr sz="1400" kern="1200" cap="none">
+          <a:solidFill>
+            <a:schemeClr val="tx1"/>
+          </a:solidFill>
+          <a:effectLst/>
+          <a:latin typeface="+mn-lt"/>
+          <a:ea typeface="+mn-ea"/>
+          <a:cs typeface="+mn-cs"/>
+        </a:defRPr>
+      </a:lvl8pPr>
+      <a:lvl9pPr marL="3886200" indent="-228600" algn="l" defTabSz="457200" rtl="0" eaLnBrk="1" latinLnBrk="0" hangingPunct="1">
+        <a:spcBef>
+          <a:spcPct val="20000"/>
+        </a:spcBef>
+        <a:spcAft>
+          <a:spcPts val="600"/>
+        </a:spcAft>
+        <a:buClr>
+          <a:schemeClr val="accent1">
+            <a:lumMod val="75000"/>
+          </a:schemeClr>
+        </a:buClr>
+        <a:buSzPct val="145000"/>
+        <a:buFont typeface="Arial"/>
+        <a:buChar char="•"/>
+        <a:defRPr sz="1400" kern="1200" cap="none">
+          <a:solidFill>
+            <a:schemeClr val="tx1"/>
+          </a:solidFill>
+          <a:effectLst/>
+          <a:latin typeface="+mn-lt"/>
+          <a:ea typeface="+mn-ea"/>
+          <a:cs typeface="+mn-cs"/>
+        </a:defRPr>
+      </a:lvl9pPr>
+    </p:bodyStyle>
+    <p:otherStyle>
+      <a:defPPr>
+        <a:defRPr lang="en-US"/>
+      </a:defPPr>
+      <a:lvl1pPr marL="0" algn="l" defTabSz="457200" rtl="0" eaLnBrk="1" latinLnBrk="0" hangingPunct="1">
+        <a:defRPr sz="1800" kern="1200">
           <a:solidFill>
             <a:schemeClr val="tx1"/>
           </a:solidFill>
@@ -2706,16 +6049,8 @@
           <a:cs typeface="+mn-cs"/>
         </a:defRPr>
       </a:lvl1pPr>
-      <a:lvl2pPr marL="685800" indent="-228600" algn="l" defTabSz="914400" rtl="0" eaLnBrk="1" latinLnBrk="0" hangingPunct="1">
-        <a:lnSpc>
-          <a:spcPct val="90000"/>
-        </a:lnSpc>
-        <a:spcBef>
-          <a:spcPts val="500"/>
-        </a:spcBef>
-        <a:buFont typeface="Arial" panose="020B0604020202020204" pitchFamily="34" charset="0"/>
-        <a:buChar char="•"/>
-        <a:defRPr sz="2400" kern="1200">
+      <a:lvl2pPr marL="457200" algn="l" defTabSz="457200" rtl="0" eaLnBrk="1" latinLnBrk="0" hangingPunct="1">
+        <a:defRPr sz="1800" kern="1200">
           <a:solidFill>
             <a:schemeClr val="tx1"/>
           </a:solidFill>
@@ -2724,16 +6059,8 @@
           <a:cs typeface="+mn-cs"/>
         </a:defRPr>
       </a:lvl2pPr>
-      <a:lvl3pPr marL="1143000" indent="-228600" algn="l" defTabSz="914400" rtl="0" eaLnBrk="1" latinLnBrk="0" hangingPunct="1">
-        <a:lnSpc>
-          <a:spcPct val="90000"/>
-        </a:lnSpc>
-        <a:spcBef>
-          <a:spcPts val="500"/>
-        </a:spcBef>
-        <a:buFont typeface="Arial" panose="020B0604020202020204" pitchFamily="34" charset="0"/>
-        <a:buChar char="•"/>
-        <a:defRPr sz="2000" kern="1200">
+      <a:lvl3pPr marL="914400" algn="l" defTabSz="457200" rtl="0" eaLnBrk="1" latinLnBrk="0" hangingPunct="1">
+        <a:defRPr sz="1800" kern="1200">
           <a:solidFill>
             <a:schemeClr val="tx1"/>
           </a:solidFill>
@@ -2742,15 +6069,7 @@
           <a:cs typeface="+mn-cs"/>
         </a:defRPr>
       </a:lvl3pPr>
-      <a:lvl4pPr marL="1600200" indent="-228600" algn="l" defTabSz="914400" rtl="0" eaLnBrk="1" latinLnBrk="0" hangingPunct="1">
-        <a:lnSpc>
-          <a:spcPct val="90000"/>
-        </a:lnSpc>
-        <a:spcBef>
-          <a:spcPts val="500"/>
-        </a:spcBef>
-        <a:buFont typeface="Arial" panose="020B0604020202020204" pitchFamily="34" charset="0"/>
-        <a:buChar char="•"/>
+      <a:lvl4pPr marL="1371600" algn="l" defTabSz="457200" rtl="0" eaLnBrk="1" latinLnBrk="0" hangingPunct="1">
         <a:defRPr sz="1800" kern="1200">
           <a:solidFill>
             <a:schemeClr val="tx1"/>
@@ -2760,15 +6079,7 @@
           <a:cs typeface="+mn-cs"/>
         </a:defRPr>
       </a:lvl4pPr>
-      <a:lvl5pPr marL="2057400" indent="-228600" algn="l" defTabSz="914400" rtl="0" eaLnBrk="1" latinLnBrk="0" hangingPunct="1">
-        <a:lnSpc>
-          <a:spcPct val="90000"/>
-        </a:lnSpc>
-        <a:spcBef>
-          <a:spcPts val="500"/>
-        </a:spcBef>
-        <a:buFont typeface="Arial" panose="020B0604020202020204" pitchFamily="34" charset="0"/>
-        <a:buChar char="•"/>
+      <a:lvl5pPr marL="1828800" algn="l" defTabSz="457200" rtl="0" eaLnBrk="1" latinLnBrk="0" hangingPunct="1">
         <a:defRPr sz="1800" kern="1200">
           <a:solidFill>
             <a:schemeClr val="tx1"/>
@@ -2778,15 +6089,7 @@
           <a:cs typeface="+mn-cs"/>
         </a:defRPr>
       </a:lvl5pPr>
-      <a:lvl6pPr marL="2514600" indent="-228600" algn="l" defTabSz="914400" rtl="0" eaLnBrk="1" latinLnBrk="0" hangingPunct="1">
-        <a:lnSpc>
-          <a:spcPct val="90000"/>
-        </a:lnSpc>
-        <a:spcBef>
-          <a:spcPts val="500"/>
-        </a:spcBef>
-        <a:buFont typeface="Arial" panose="020B0604020202020204" pitchFamily="34" charset="0"/>
-        <a:buChar char="•"/>
+      <a:lvl6pPr marL="2286000" algn="l" defTabSz="457200" rtl="0" eaLnBrk="1" latinLnBrk="0" hangingPunct="1">
         <a:defRPr sz="1800" kern="1200">
           <a:solidFill>
             <a:schemeClr val="tx1"/>
@@ -2796,15 +6099,7 @@
           <a:cs typeface="+mn-cs"/>
         </a:defRPr>
       </a:lvl6pPr>
-      <a:lvl7pPr marL="2971800" indent="-228600" algn="l" defTabSz="914400" rtl="0" eaLnBrk="1" latinLnBrk="0" hangingPunct="1">
-        <a:lnSpc>
-          <a:spcPct val="90000"/>
-        </a:lnSpc>
-        <a:spcBef>
-          <a:spcPts val="500"/>
-        </a:spcBef>
-        <a:buFont typeface="Arial" panose="020B0604020202020204" pitchFamily="34" charset="0"/>
-        <a:buChar char="•"/>
+      <a:lvl7pPr marL="2743200" algn="l" defTabSz="457200" rtl="0" eaLnBrk="1" latinLnBrk="0" hangingPunct="1">
         <a:defRPr sz="1800" kern="1200">
           <a:solidFill>
             <a:schemeClr val="tx1"/>
@@ -2814,15 +6109,7 @@
           <a:cs typeface="+mn-cs"/>
         </a:defRPr>
       </a:lvl7pPr>
-      <a:lvl8pPr marL="3429000" indent="-228600" algn="l" defTabSz="914400" rtl="0" eaLnBrk="1" latinLnBrk="0" hangingPunct="1">
-        <a:lnSpc>
-          <a:spcPct val="90000"/>
-        </a:lnSpc>
-        <a:spcBef>
-          <a:spcPts val="500"/>
-        </a:spcBef>
-        <a:buFont typeface="Arial" panose="020B0604020202020204" pitchFamily="34" charset="0"/>
-        <a:buChar char="•"/>
+      <a:lvl8pPr marL="3200400" algn="l" defTabSz="457200" rtl="0" eaLnBrk="1" latinLnBrk="0" hangingPunct="1">
         <a:defRPr sz="1800" kern="1200">
           <a:solidFill>
             <a:schemeClr val="tx1"/>
@@ -2832,110 +6119,7 @@
           <a:cs typeface="+mn-cs"/>
         </a:defRPr>
       </a:lvl8pPr>
-      <a:lvl9pPr marL="3886200" indent="-228600" algn="l" defTabSz="914400" rtl="0" eaLnBrk="1" latinLnBrk="0" hangingPunct="1">
-        <a:lnSpc>
-          <a:spcPct val="90000"/>
-        </a:lnSpc>
-        <a:spcBef>
-          <a:spcPts val="500"/>
-        </a:spcBef>
-        <a:buFont typeface="Arial" panose="020B0604020202020204" pitchFamily="34" charset="0"/>
-        <a:buChar char="•"/>
-        <a:defRPr sz="1800" kern="1200">
-          <a:solidFill>
-            <a:schemeClr val="tx1"/>
-          </a:solidFill>
-          <a:latin typeface="+mn-lt"/>
-          <a:ea typeface="+mn-ea"/>
-          <a:cs typeface="+mn-cs"/>
-        </a:defRPr>
-      </a:lvl9pPr>
-    </p:bodyStyle>
-    <p:otherStyle>
-      <a:defPPr>
-        <a:defRPr lang="es-HN"/>
-      </a:defPPr>
-      <a:lvl1pPr marL="0" algn="l" defTabSz="914400" rtl="0" eaLnBrk="1" latinLnBrk="0" hangingPunct="1">
-        <a:defRPr sz="1800" kern="1200">
-          <a:solidFill>
-            <a:schemeClr val="tx1"/>
-          </a:solidFill>
-          <a:latin typeface="+mn-lt"/>
-          <a:ea typeface="+mn-ea"/>
-          <a:cs typeface="+mn-cs"/>
-        </a:defRPr>
-      </a:lvl1pPr>
-      <a:lvl2pPr marL="457200" algn="l" defTabSz="914400" rtl="0" eaLnBrk="1" latinLnBrk="0" hangingPunct="1">
-        <a:defRPr sz="1800" kern="1200">
-          <a:solidFill>
-            <a:schemeClr val="tx1"/>
-          </a:solidFill>
-          <a:latin typeface="+mn-lt"/>
-          <a:ea typeface="+mn-ea"/>
-          <a:cs typeface="+mn-cs"/>
-        </a:defRPr>
-      </a:lvl2pPr>
-      <a:lvl3pPr marL="914400" algn="l" defTabSz="914400" rtl="0" eaLnBrk="1" latinLnBrk="0" hangingPunct="1">
-        <a:defRPr sz="1800" kern="1200">
-          <a:solidFill>
-            <a:schemeClr val="tx1"/>
-          </a:solidFill>
-          <a:latin typeface="+mn-lt"/>
-          <a:ea typeface="+mn-ea"/>
-          <a:cs typeface="+mn-cs"/>
-        </a:defRPr>
-      </a:lvl3pPr>
-      <a:lvl4pPr marL="1371600" algn="l" defTabSz="914400" rtl="0" eaLnBrk="1" latinLnBrk="0" hangingPunct="1">
-        <a:defRPr sz="1800" kern="1200">
-          <a:solidFill>
-            <a:schemeClr val="tx1"/>
-          </a:solidFill>
-          <a:latin typeface="+mn-lt"/>
-          <a:ea typeface="+mn-ea"/>
-          <a:cs typeface="+mn-cs"/>
-        </a:defRPr>
-      </a:lvl4pPr>
-      <a:lvl5pPr marL="1828800" algn="l" defTabSz="914400" rtl="0" eaLnBrk="1" latinLnBrk="0" hangingPunct="1">
-        <a:defRPr sz="1800" kern="1200">
-          <a:solidFill>
-            <a:schemeClr val="tx1"/>
-          </a:solidFill>
-          <a:latin typeface="+mn-lt"/>
-          <a:ea typeface="+mn-ea"/>
-          <a:cs typeface="+mn-cs"/>
-        </a:defRPr>
-      </a:lvl5pPr>
-      <a:lvl6pPr marL="2286000" algn="l" defTabSz="914400" rtl="0" eaLnBrk="1" latinLnBrk="0" hangingPunct="1">
-        <a:defRPr sz="1800" kern="1200">
-          <a:solidFill>
-            <a:schemeClr val="tx1"/>
-          </a:solidFill>
-          <a:latin typeface="+mn-lt"/>
-          <a:ea typeface="+mn-ea"/>
-          <a:cs typeface="+mn-cs"/>
-        </a:defRPr>
-      </a:lvl6pPr>
-      <a:lvl7pPr marL="2743200" algn="l" defTabSz="914400" rtl="0" eaLnBrk="1" latinLnBrk="0" hangingPunct="1">
-        <a:defRPr sz="1800" kern="1200">
-          <a:solidFill>
-            <a:schemeClr val="tx1"/>
-          </a:solidFill>
-          <a:latin typeface="+mn-lt"/>
-          <a:ea typeface="+mn-ea"/>
-          <a:cs typeface="+mn-cs"/>
-        </a:defRPr>
-      </a:lvl7pPr>
-      <a:lvl8pPr marL="3200400" algn="l" defTabSz="914400" rtl="0" eaLnBrk="1" latinLnBrk="0" hangingPunct="1">
-        <a:defRPr sz="1800" kern="1200">
-          <a:solidFill>
-            <a:schemeClr val="tx1"/>
-          </a:solidFill>
-          <a:latin typeface="+mn-lt"/>
-          <a:ea typeface="+mn-ea"/>
-          <a:cs typeface="+mn-cs"/>
-        </a:defRPr>
-      </a:lvl8pPr>
-      <a:lvl9pPr marL="3657600" algn="l" defTabSz="914400" rtl="0" eaLnBrk="1" latinLnBrk="0" hangingPunct="1">
+      <a:lvl9pPr marL="3657600" algn="l" defTabSz="457200" rtl="0" eaLnBrk="1" latinLnBrk="0" hangingPunct="1">
         <a:defRPr sz="1800" kern="1200">
           <a:solidFill>
             <a:schemeClr val="tx1"/>
@@ -2975,8 +6159,8 @@
         </p:nvSpPr>
         <p:spPr>
           <a:xfrm>
-            <a:off x="1532586" y="1790163"/>
-            <a:ext cx="8345510" cy="369332"/>
+            <a:off x="1983346" y="1996224"/>
+            <a:ext cx="8113690" cy="1200329"/>
           </a:xfrm>
           <a:prstGeom prst="rect">
             <a:avLst/>
@@ -2989,11 +6173,47 @@
           </a:bodyPr>
           <a:lstStyle/>
           <a:p>
-            <a:r>
-              <a:rPr lang="es-HN" dirty="0" smtClean="0"/>
+            <a:pPr algn="ctr"/>
+            <a:r>
+              <a:rPr lang="es-HN" sz="7200" dirty="0" smtClean="0">
+                <a:latin typeface="Arial Black" panose="020B0A04020102020204" pitchFamily="34" charset="0"/>
+              </a:rPr>
               <a:t>APUNTADORES </a:t>
             </a:r>
-            <a:endParaRPr lang="es-HN" dirty="0"/>
+            <a:endParaRPr lang="es-HN" sz="7200" dirty="0">
+              <a:latin typeface="Arial Black" panose="020B0A04020102020204" pitchFamily="34" charset="0"/>
+            </a:endParaRPr>
+          </a:p>
+        </p:txBody>
+      </p:sp>
+      <p:sp>
+        <p:nvSpPr>
+          <p:cNvPr id="2" name="CuadroTexto 1"/>
+          <p:cNvSpPr txBox="1"/>
+          <p:nvPr/>
+        </p:nvSpPr>
+        <p:spPr>
+          <a:xfrm>
+            <a:off x="3528810" y="3402615"/>
+            <a:ext cx="5022761" cy="461665"/>
+          </a:xfrm>
+          <a:prstGeom prst="rect">
+            <a:avLst/>
+          </a:prstGeom>
+          <a:noFill/>
+        </p:spPr>
+        <p:txBody>
+          <a:bodyPr wrap="square" rtlCol="0">
+            <a:spAutoFit/>
+          </a:bodyPr>
+          <a:lstStyle/>
+          <a:p>
+            <a:pPr algn="ctr"/>
+            <a:r>
+              <a:rPr lang="es-HN" sz="2400" b="1" dirty="0" smtClean="0"/>
+              <a:t>LUIS FAJARDO</a:t>
+            </a:r>
+            <a:endParaRPr lang="es-HN" sz="2400" b="1" dirty="0"/>
           </a:p>
         </p:txBody>
       </p:sp>
@@ -3001,6 +6221,982 @@
     <p:extLst>
       <p:ext uri="{BB962C8B-B14F-4D97-AF65-F5344CB8AC3E}">
         <p14:creationId xmlns:p14="http://schemas.microsoft.com/office/powerpoint/2010/main" val="1399943094"/>
+      </p:ext>
+    </p:extLst>
+  </p:cSld>
+  <p:clrMapOvr>
+    <a:masterClrMapping/>
+  </p:clrMapOvr>
+</p:sld>
+</file>
+
+<file path=ppt/slides/slide10.xml><?xml version="1.0" encoding="utf-8"?>
+<p:sld xmlns:a="http://schemas.openxmlformats.org/drawingml/2006/main" xmlns:r="http://schemas.openxmlformats.org/officeDocument/2006/relationships" xmlns:p="http://schemas.openxmlformats.org/presentationml/2006/main">
+  <p:cSld>
+    <p:spTree>
+      <p:nvGrpSpPr>
+        <p:cNvPr id="1" name=""/>
+        <p:cNvGrpSpPr/>
+        <p:nvPr/>
+      </p:nvGrpSpPr>
+      <p:grpSpPr>
+        <a:xfrm>
+          <a:off x="0" y="0"/>
+          <a:ext cx="0" cy="0"/>
+          <a:chOff x="0" y="0"/>
+          <a:chExt cx="0" cy="0"/>
+        </a:xfrm>
+      </p:grpSpPr>
+      <p:sp>
+        <p:nvSpPr>
+          <p:cNvPr id="4" name="CuadroTexto 3"/>
+          <p:cNvSpPr txBox="1"/>
+          <p:nvPr/>
+        </p:nvSpPr>
+        <p:spPr>
+          <a:xfrm>
+            <a:off x="837127" y="2137893"/>
+            <a:ext cx="10238704" cy="1846659"/>
+          </a:xfrm>
+          <a:prstGeom prst="rect">
+            <a:avLst/>
+          </a:prstGeom>
+          <a:noFill/>
+        </p:spPr>
+        <p:txBody>
+          <a:bodyPr wrap="square" rtlCol="0">
+            <a:spAutoFit/>
+          </a:bodyPr>
+          <a:lstStyle/>
+          <a:p>
+            <a:pPr algn="just"/>
+            <a:r>
+              <a:rPr lang="es-HN" sz="2400" b="1" dirty="0" smtClean="0"/>
+              <a:t>Apuntador Constante – Valor no constante</a:t>
+            </a:r>
+          </a:p>
+          <a:p>
+            <a:pPr algn="just"/>
+            <a:endParaRPr lang="es-HN" dirty="0"/>
+          </a:p>
+          <a:p>
+            <a:pPr algn="just"/>
+            <a:r>
+              <a:rPr lang="es-HN" sz="2400" dirty="0" smtClean="0"/>
+              <a:t>Debe ser inicializado en el momento que se declara.</a:t>
+            </a:r>
+          </a:p>
+          <a:p>
+            <a:pPr algn="just"/>
+            <a:r>
+              <a:rPr lang="es-HN" sz="2400" dirty="0" smtClean="0"/>
+              <a:t>No se puede asignar la dirección de otro apuntador, pero si se puede asignar una constante. </a:t>
+            </a:r>
+            <a:endParaRPr lang="es-HN" sz="2400" dirty="0"/>
+          </a:p>
+        </p:txBody>
+      </p:sp>
+      <p:pic>
+        <p:nvPicPr>
+          <p:cNvPr id="5" name="Imagen 4"/>
+          <p:cNvPicPr>
+            <a:picLocks noChangeAspect="1"/>
+          </p:cNvPicPr>
+          <p:nvPr/>
+        </p:nvPicPr>
+        <p:blipFill rotWithShape="1">
+          <a:blip r:embed="rId2"/>
+          <a:srcRect l="24231" t="26188" r="60723" b="60431"/>
+          <a:stretch/>
+        </p:blipFill>
+        <p:spPr>
+          <a:xfrm>
+            <a:off x="2220645" y="4274824"/>
+            <a:ext cx="3711036" cy="1855519"/>
+          </a:xfrm>
+          <a:prstGeom prst="rect">
+            <a:avLst/>
+          </a:prstGeom>
+        </p:spPr>
+      </p:pic>
+      <p:sp>
+        <p:nvSpPr>
+          <p:cNvPr id="7" name="Título 1"/>
+          <p:cNvSpPr txBox="1">
+            <a:spLocks/>
+          </p:cNvSpPr>
+          <p:nvPr/>
+        </p:nvSpPr>
+        <p:spPr>
+          <a:xfrm>
+            <a:off x="514060" y="275025"/>
+            <a:ext cx="10884838" cy="1752599"/>
+          </a:xfrm>
+          <a:prstGeom prst="rect">
+            <a:avLst/>
+          </a:prstGeom>
+          <a:effectLst/>
+        </p:spPr>
+        <p:txBody>
+          <a:bodyPr vert="horz" lIns="91440" tIns="45720" rIns="91440" bIns="45720" rtlCol="0" anchor="ctr">
+            <a:normAutofit/>
+          </a:bodyPr>
+          <a:lstStyle>
+            <a:lvl1pPr algn="ctr" defTabSz="457200" rtl="0" eaLnBrk="1" latinLnBrk="0" hangingPunct="1">
+              <a:spcBef>
+                <a:spcPct val="0"/>
+              </a:spcBef>
+              <a:buNone/>
+              <a:defRPr sz="4000" kern="1200" cap="none">
+                <a:ln w="3175" cmpd="sng">
+                  <a:noFill/>
+                </a:ln>
+                <a:solidFill>
+                  <a:schemeClr val="tx1"/>
+                </a:solidFill>
+                <a:effectLst/>
+                <a:latin typeface="+mj-lt"/>
+                <a:ea typeface="+mj-ea"/>
+                <a:cs typeface="+mj-cs"/>
+              </a:defRPr>
+            </a:lvl1pPr>
+            <a:lvl2pPr eaLnBrk="1" hangingPunct="1">
+              <a:defRPr>
+                <a:solidFill>
+                  <a:schemeClr val="tx2"/>
+                </a:solidFill>
+              </a:defRPr>
+            </a:lvl2pPr>
+            <a:lvl3pPr eaLnBrk="1" hangingPunct="1">
+              <a:defRPr>
+                <a:solidFill>
+                  <a:schemeClr val="tx2"/>
+                </a:solidFill>
+              </a:defRPr>
+            </a:lvl3pPr>
+            <a:lvl4pPr eaLnBrk="1" hangingPunct="1">
+              <a:defRPr>
+                <a:solidFill>
+                  <a:schemeClr val="tx2"/>
+                </a:solidFill>
+              </a:defRPr>
+            </a:lvl4pPr>
+            <a:lvl5pPr eaLnBrk="1" hangingPunct="1">
+              <a:defRPr>
+                <a:solidFill>
+                  <a:schemeClr val="tx2"/>
+                </a:solidFill>
+              </a:defRPr>
+            </a:lvl5pPr>
+            <a:lvl6pPr eaLnBrk="1" hangingPunct="1">
+              <a:defRPr>
+                <a:solidFill>
+                  <a:schemeClr val="tx2"/>
+                </a:solidFill>
+              </a:defRPr>
+            </a:lvl6pPr>
+            <a:lvl7pPr eaLnBrk="1" hangingPunct="1">
+              <a:defRPr>
+                <a:solidFill>
+                  <a:schemeClr val="tx2"/>
+                </a:solidFill>
+              </a:defRPr>
+            </a:lvl7pPr>
+            <a:lvl8pPr eaLnBrk="1" hangingPunct="1">
+              <a:defRPr>
+                <a:solidFill>
+                  <a:schemeClr val="tx2"/>
+                </a:solidFill>
+              </a:defRPr>
+            </a:lvl8pPr>
+            <a:lvl9pPr eaLnBrk="1" hangingPunct="1">
+              <a:defRPr>
+                <a:solidFill>
+                  <a:schemeClr val="tx2"/>
+                </a:solidFill>
+              </a:defRPr>
+            </a:lvl9pPr>
+          </a:lstStyle>
+          <a:p>
+            <a:r>
+              <a:rPr lang="es-HN" b="1" dirty="0" smtClean="0"/>
+              <a:t>Apuntadores constantes y apuntadores a constantes</a:t>
+            </a:r>
+            <a:endParaRPr lang="es-HN" b="1" dirty="0"/>
+          </a:p>
+        </p:txBody>
+      </p:sp>
+    </p:spTree>
+    <p:extLst>
+      <p:ext uri="{BB962C8B-B14F-4D97-AF65-F5344CB8AC3E}">
+        <p14:creationId xmlns:p14="http://schemas.microsoft.com/office/powerpoint/2010/main" val="455600096"/>
+      </p:ext>
+    </p:extLst>
+  </p:cSld>
+  <p:clrMapOvr>
+    <a:masterClrMapping/>
+  </p:clrMapOvr>
+</p:sld>
+</file>
+
+<file path=ppt/slides/slide11.xml><?xml version="1.0" encoding="utf-8"?>
+<p:sld xmlns:a="http://schemas.openxmlformats.org/drawingml/2006/main" xmlns:r="http://schemas.openxmlformats.org/officeDocument/2006/relationships" xmlns:p="http://schemas.openxmlformats.org/presentationml/2006/main">
+  <p:cSld>
+    <p:spTree>
+      <p:nvGrpSpPr>
+        <p:cNvPr id="1" name=""/>
+        <p:cNvGrpSpPr/>
+        <p:nvPr/>
+      </p:nvGrpSpPr>
+      <p:grpSpPr>
+        <a:xfrm>
+          <a:off x="0" y="0"/>
+          <a:ext cx="0" cy="0"/>
+          <a:chOff x="0" y="0"/>
+          <a:chExt cx="0" cy="0"/>
+        </a:xfrm>
+      </p:grpSpPr>
+      <p:sp>
+        <p:nvSpPr>
+          <p:cNvPr id="4" name="CuadroTexto 3"/>
+          <p:cNvSpPr txBox="1"/>
+          <p:nvPr/>
+        </p:nvSpPr>
+        <p:spPr>
+          <a:xfrm>
+            <a:off x="721216" y="2053382"/>
+            <a:ext cx="10187189" cy="2215991"/>
+          </a:xfrm>
+          <a:prstGeom prst="rect">
+            <a:avLst/>
+          </a:prstGeom>
+          <a:noFill/>
+        </p:spPr>
+        <p:txBody>
+          <a:bodyPr wrap="square" rtlCol="0">
+            <a:spAutoFit/>
+          </a:bodyPr>
+          <a:lstStyle/>
+          <a:p>
+            <a:pPr algn="just"/>
+            <a:r>
+              <a:rPr lang="es-HN" sz="2400" b="1" dirty="0" smtClean="0"/>
+              <a:t>Apuntador no constante – Valor constante</a:t>
+            </a:r>
+          </a:p>
+          <a:p>
+            <a:pPr algn="just"/>
+            <a:endParaRPr lang="es-HN" dirty="0"/>
+          </a:p>
+          <a:p>
+            <a:pPr algn="just"/>
+            <a:r>
+              <a:rPr lang="es-HN" sz="2400" dirty="0" smtClean="0"/>
+              <a:t>Es el caso mas común y el que mas se utiliza. Es permitido no inicializarlo en el momento que se declara.</a:t>
+            </a:r>
+          </a:p>
+          <a:p>
+            <a:pPr algn="just"/>
+            <a:r>
+              <a:rPr lang="es-HN" sz="2400" dirty="0" smtClean="0"/>
+              <a:t>Este tipo de apuntador constante permite cualquier operación, desde mi punto de vista es mas flexible que los tipos anteriores.</a:t>
+            </a:r>
+            <a:endParaRPr lang="es-HN" sz="2400" dirty="0"/>
+          </a:p>
+        </p:txBody>
+      </p:sp>
+      <p:pic>
+        <p:nvPicPr>
+          <p:cNvPr id="5" name="Imagen 4"/>
+          <p:cNvPicPr>
+            <a:picLocks noChangeAspect="1"/>
+          </p:cNvPicPr>
+          <p:nvPr/>
+        </p:nvPicPr>
+        <p:blipFill rotWithShape="1">
+          <a:blip r:embed="rId2"/>
+          <a:srcRect l="24231" t="26188" r="64782" b="60255"/>
+          <a:stretch/>
+        </p:blipFill>
+        <p:spPr>
+          <a:xfrm>
+            <a:off x="2356834" y="4590459"/>
+            <a:ext cx="2275529" cy="1578521"/>
+          </a:xfrm>
+          <a:prstGeom prst="rect">
+            <a:avLst/>
+          </a:prstGeom>
+        </p:spPr>
+      </p:pic>
+      <p:sp>
+        <p:nvSpPr>
+          <p:cNvPr id="7" name="Título 1"/>
+          <p:cNvSpPr txBox="1">
+            <a:spLocks/>
+          </p:cNvSpPr>
+          <p:nvPr/>
+        </p:nvSpPr>
+        <p:spPr>
+          <a:xfrm>
+            <a:off x="372392" y="300783"/>
+            <a:ext cx="10884838" cy="1752599"/>
+          </a:xfrm>
+          <a:prstGeom prst="rect">
+            <a:avLst/>
+          </a:prstGeom>
+          <a:effectLst/>
+        </p:spPr>
+        <p:txBody>
+          <a:bodyPr vert="horz" lIns="91440" tIns="45720" rIns="91440" bIns="45720" rtlCol="0" anchor="ctr">
+            <a:normAutofit/>
+          </a:bodyPr>
+          <a:lstStyle>
+            <a:lvl1pPr algn="ctr" defTabSz="457200" rtl="0" eaLnBrk="1" latinLnBrk="0" hangingPunct="1">
+              <a:spcBef>
+                <a:spcPct val="0"/>
+              </a:spcBef>
+              <a:buNone/>
+              <a:defRPr sz="4000" kern="1200" cap="none">
+                <a:ln w="3175" cmpd="sng">
+                  <a:noFill/>
+                </a:ln>
+                <a:solidFill>
+                  <a:schemeClr val="tx1"/>
+                </a:solidFill>
+                <a:effectLst/>
+                <a:latin typeface="+mj-lt"/>
+                <a:ea typeface="+mj-ea"/>
+                <a:cs typeface="+mj-cs"/>
+              </a:defRPr>
+            </a:lvl1pPr>
+            <a:lvl2pPr eaLnBrk="1" hangingPunct="1">
+              <a:defRPr>
+                <a:solidFill>
+                  <a:schemeClr val="tx2"/>
+                </a:solidFill>
+              </a:defRPr>
+            </a:lvl2pPr>
+            <a:lvl3pPr eaLnBrk="1" hangingPunct="1">
+              <a:defRPr>
+                <a:solidFill>
+                  <a:schemeClr val="tx2"/>
+                </a:solidFill>
+              </a:defRPr>
+            </a:lvl3pPr>
+            <a:lvl4pPr eaLnBrk="1" hangingPunct="1">
+              <a:defRPr>
+                <a:solidFill>
+                  <a:schemeClr val="tx2"/>
+                </a:solidFill>
+              </a:defRPr>
+            </a:lvl4pPr>
+            <a:lvl5pPr eaLnBrk="1" hangingPunct="1">
+              <a:defRPr>
+                <a:solidFill>
+                  <a:schemeClr val="tx2"/>
+                </a:solidFill>
+              </a:defRPr>
+            </a:lvl5pPr>
+            <a:lvl6pPr eaLnBrk="1" hangingPunct="1">
+              <a:defRPr>
+                <a:solidFill>
+                  <a:schemeClr val="tx2"/>
+                </a:solidFill>
+              </a:defRPr>
+            </a:lvl6pPr>
+            <a:lvl7pPr eaLnBrk="1" hangingPunct="1">
+              <a:defRPr>
+                <a:solidFill>
+                  <a:schemeClr val="tx2"/>
+                </a:solidFill>
+              </a:defRPr>
+            </a:lvl7pPr>
+            <a:lvl8pPr eaLnBrk="1" hangingPunct="1">
+              <a:defRPr>
+                <a:solidFill>
+                  <a:schemeClr val="tx2"/>
+                </a:solidFill>
+              </a:defRPr>
+            </a:lvl8pPr>
+            <a:lvl9pPr eaLnBrk="1" hangingPunct="1">
+              <a:defRPr>
+                <a:solidFill>
+                  <a:schemeClr val="tx2"/>
+                </a:solidFill>
+              </a:defRPr>
+            </a:lvl9pPr>
+          </a:lstStyle>
+          <a:p>
+            <a:r>
+              <a:rPr lang="es-HN" b="1" dirty="0" smtClean="0"/>
+              <a:t>Apuntadores constantes y apuntadores a constantes</a:t>
+            </a:r>
+            <a:endParaRPr lang="es-HN" b="1" dirty="0"/>
+          </a:p>
+        </p:txBody>
+      </p:sp>
+    </p:spTree>
+    <p:extLst>
+      <p:ext uri="{BB962C8B-B14F-4D97-AF65-F5344CB8AC3E}">
+        <p14:creationId xmlns:p14="http://schemas.microsoft.com/office/powerpoint/2010/main" val="3282614536"/>
+      </p:ext>
+    </p:extLst>
+  </p:cSld>
+  <p:clrMapOvr>
+    <a:masterClrMapping/>
+  </p:clrMapOvr>
+</p:sld>
+</file>
+
+<file path=ppt/slides/slide12.xml><?xml version="1.0" encoding="utf-8"?>
+<p:sld xmlns:a="http://schemas.openxmlformats.org/drawingml/2006/main" xmlns:r="http://schemas.openxmlformats.org/officeDocument/2006/relationships" xmlns:p="http://schemas.openxmlformats.org/presentationml/2006/main">
+  <p:cSld>
+    <p:spTree>
+      <p:nvGrpSpPr>
+        <p:cNvPr id="1" name=""/>
+        <p:cNvGrpSpPr/>
+        <p:nvPr/>
+      </p:nvGrpSpPr>
+      <p:grpSpPr>
+        <a:xfrm>
+          <a:off x="0" y="0"/>
+          <a:ext cx="0" cy="0"/>
+          <a:chOff x="0" y="0"/>
+          <a:chExt cx="0" cy="0"/>
+        </a:xfrm>
+      </p:grpSpPr>
+      <p:sp>
+        <p:nvSpPr>
+          <p:cNvPr id="2" name="Título 1"/>
+          <p:cNvSpPr>
+            <a:spLocks noGrp="1"/>
+          </p:cNvSpPr>
+          <p:nvPr>
+            <p:ph type="title"/>
+          </p:nvPr>
+        </p:nvSpPr>
+        <p:spPr>
+          <a:xfrm>
+            <a:off x="1114547" y="204990"/>
+            <a:ext cx="10018713" cy="1752599"/>
+          </a:xfrm>
+        </p:spPr>
+        <p:txBody>
+          <a:bodyPr>
+            <a:normAutofit/>
+          </a:bodyPr>
+          <a:lstStyle/>
+          <a:p>
+            <a:r>
+              <a:rPr lang="es-HN" b="1" dirty="0" smtClean="0"/>
+              <a:t>Apuntadores a apuntadores</a:t>
+            </a:r>
+            <a:endParaRPr lang="es-HN" b="1" dirty="0"/>
+          </a:p>
+        </p:txBody>
+      </p:sp>
+      <p:sp>
+        <p:nvSpPr>
+          <p:cNvPr id="3" name="CuadroTexto 2"/>
+          <p:cNvSpPr txBox="1"/>
+          <p:nvPr/>
+        </p:nvSpPr>
+        <p:spPr>
+          <a:xfrm>
+            <a:off x="1210614" y="2202287"/>
+            <a:ext cx="10547797" cy="1200329"/>
+          </a:xfrm>
+          <a:prstGeom prst="rect">
+            <a:avLst/>
+          </a:prstGeom>
+          <a:noFill/>
+        </p:spPr>
+        <p:txBody>
+          <a:bodyPr wrap="square" rtlCol="0">
+            <a:spAutoFit/>
+          </a:bodyPr>
+          <a:lstStyle/>
+          <a:p>
+            <a:pPr algn="just"/>
+            <a:r>
+              <a:rPr lang="es-HN" sz="2400" dirty="0" smtClean="0"/>
+              <a:t>Un apuntador es una variable que apunta a otra variable, de este modo se puede crear un apuntador que haga referencia a otro apuntador. Se pueden crear tantos apuntadores haciendo referencia a otro apuntador como se desee.</a:t>
+            </a:r>
+            <a:endParaRPr lang="es-HN" sz="2400" dirty="0"/>
+          </a:p>
+        </p:txBody>
+      </p:sp>
+      <p:pic>
+        <p:nvPicPr>
+          <p:cNvPr id="5" name="Imagen 4"/>
+          <p:cNvPicPr>
+            <a:picLocks noChangeAspect="1"/>
+          </p:cNvPicPr>
+          <p:nvPr/>
+        </p:nvPicPr>
+        <p:blipFill rotWithShape="1">
+          <a:blip r:embed="rId2"/>
+          <a:srcRect l="23835" t="26188" r="63099" b="59551"/>
+          <a:stretch/>
+        </p:blipFill>
+        <p:spPr>
+          <a:xfrm>
+            <a:off x="2073500" y="4172669"/>
+            <a:ext cx="2866568" cy="1759031"/>
+          </a:xfrm>
+          <a:prstGeom prst="rect">
+            <a:avLst/>
+          </a:prstGeom>
+        </p:spPr>
+      </p:pic>
+    </p:spTree>
+    <p:extLst>
+      <p:ext uri="{BB962C8B-B14F-4D97-AF65-F5344CB8AC3E}">
+        <p14:creationId xmlns:p14="http://schemas.microsoft.com/office/powerpoint/2010/main" val="2480746374"/>
+      </p:ext>
+    </p:extLst>
+  </p:cSld>
+  <p:clrMapOvr>
+    <a:masterClrMapping/>
+  </p:clrMapOvr>
+</p:sld>
+</file>
+
+<file path=ppt/slides/slide13.xml><?xml version="1.0" encoding="utf-8"?>
+<p:sld xmlns:a="http://schemas.openxmlformats.org/drawingml/2006/main" xmlns:r="http://schemas.openxmlformats.org/officeDocument/2006/relationships" xmlns:p="http://schemas.openxmlformats.org/presentationml/2006/main">
+  <p:cSld>
+    <p:spTree>
+      <p:nvGrpSpPr>
+        <p:cNvPr id="1" name=""/>
+        <p:cNvGrpSpPr/>
+        <p:nvPr/>
+      </p:nvGrpSpPr>
+      <p:grpSpPr>
+        <a:xfrm>
+          <a:off x="0" y="0"/>
+          <a:ext cx="0" cy="0"/>
+          <a:chOff x="0" y="0"/>
+          <a:chExt cx="0" cy="0"/>
+        </a:xfrm>
+      </p:grpSpPr>
+      <p:sp>
+        <p:nvSpPr>
+          <p:cNvPr id="2" name="Título 1"/>
+          <p:cNvSpPr>
+            <a:spLocks noGrp="1"/>
+          </p:cNvSpPr>
+          <p:nvPr>
+            <p:ph type="title"/>
+          </p:nvPr>
+        </p:nvSpPr>
+        <p:spPr>
+          <a:xfrm>
+            <a:off x="1006150" y="222161"/>
+            <a:ext cx="10018713" cy="1752599"/>
+          </a:xfrm>
+        </p:spPr>
+        <p:txBody>
+          <a:bodyPr/>
+          <a:lstStyle/>
+          <a:p>
+            <a:r>
+              <a:rPr lang="es-HN" b="1" dirty="0" smtClean="0"/>
+              <a:t>Apuntadores genéricos</a:t>
+            </a:r>
+            <a:endParaRPr lang="es-HN" b="1" dirty="0"/>
+          </a:p>
+        </p:txBody>
+      </p:sp>
+      <p:sp>
+        <p:nvSpPr>
+          <p:cNvPr id="3" name="CuadroTexto 2"/>
+          <p:cNvSpPr txBox="1"/>
+          <p:nvPr/>
+        </p:nvSpPr>
+        <p:spPr>
+          <a:xfrm>
+            <a:off x="838200" y="1854558"/>
+            <a:ext cx="10354615" cy="1938992"/>
+          </a:xfrm>
+          <a:prstGeom prst="rect">
+            <a:avLst/>
+          </a:prstGeom>
+          <a:noFill/>
+        </p:spPr>
+        <p:txBody>
+          <a:bodyPr wrap="square" rtlCol="0">
+            <a:spAutoFit/>
+          </a:bodyPr>
+          <a:lstStyle/>
+          <a:p>
+            <a:pPr algn="just"/>
+            <a:r>
+              <a:rPr lang="es-HN" sz="2400" dirty="0" smtClean="0"/>
+              <a:t>Un apuntador genérico es una variable que no tiene un tipo definido, por lo tanto se puede utilizar con cualquier tipo de dato.</a:t>
+            </a:r>
+          </a:p>
+          <a:p>
+            <a:pPr algn="just"/>
+            <a:r>
+              <a:rPr lang="es-HN" sz="2400" dirty="0" smtClean="0"/>
+              <a:t>No se pueden hacer operaciones aritméticas con un puntero genérico ni asignar un valor de tipo especifico; al menos que se especifique el tipo al que se desea convertir.</a:t>
+            </a:r>
+            <a:endParaRPr lang="es-HN" sz="2400" dirty="0"/>
+          </a:p>
+        </p:txBody>
+      </p:sp>
+      <p:pic>
+        <p:nvPicPr>
+          <p:cNvPr id="4" name="Imagen 3"/>
+          <p:cNvPicPr>
+            <a:picLocks noChangeAspect="1"/>
+          </p:cNvPicPr>
+          <p:nvPr/>
+        </p:nvPicPr>
+        <p:blipFill rotWithShape="1">
+          <a:blip r:embed="rId2"/>
+          <a:srcRect l="23737" t="26188" r="64286" b="58143"/>
+          <a:stretch/>
+        </p:blipFill>
+        <p:spPr>
+          <a:xfrm>
+            <a:off x="2871988" y="3793549"/>
+            <a:ext cx="3089439" cy="2272399"/>
+          </a:xfrm>
+          <a:prstGeom prst="rect">
+            <a:avLst/>
+          </a:prstGeom>
+        </p:spPr>
+      </p:pic>
+    </p:spTree>
+    <p:extLst>
+      <p:ext uri="{BB962C8B-B14F-4D97-AF65-F5344CB8AC3E}">
+        <p14:creationId xmlns:p14="http://schemas.microsoft.com/office/powerpoint/2010/main" val="4046810426"/>
+      </p:ext>
+    </p:extLst>
+  </p:cSld>
+  <p:clrMapOvr>
+    <a:masterClrMapping/>
+  </p:clrMapOvr>
+</p:sld>
+</file>
+
+<file path=ppt/slides/slide14.xml><?xml version="1.0" encoding="utf-8"?>
+<p:sld xmlns:a="http://schemas.openxmlformats.org/drawingml/2006/main" xmlns:r="http://schemas.openxmlformats.org/officeDocument/2006/relationships" xmlns:p="http://schemas.openxmlformats.org/presentationml/2006/main">
+  <p:cSld>
+    <p:spTree>
+      <p:nvGrpSpPr>
+        <p:cNvPr id="1" name=""/>
+        <p:cNvGrpSpPr/>
+        <p:nvPr/>
+      </p:nvGrpSpPr>
+      <p:grpSpPr>
+        <a:xfrm>
+          <a:off x="0" y="0"/>
+          <a:ext cx="0" cy="0"/>
+          <a:chOff x="0" y="0"/>
+          <a:chExt cx="0" cy="0"/>
+        </a:xfrm>
+      </p:grpSpPr>
+      <p:sp>
+        <p:nvSpPr>
+          <p:cNvPr id="2" name="Título 1"/>
+          <p:cNvSpPr>
+            <a:spLocks noGrp="1"/>
+          </p:cNvSpPr>
+          <p:nvPr>
+            <p:ph type="title"/>
+          </p:nvPr>
+        </p:nvSpPr>
+        <p:spPr>
+          <a:xfrm>
+            <a:off x="1352806" y="402464"/>
+            <a:ext cx="10018713" cy="1752599"/>
+          </a:xfrm>
+        </p:spPr>
+        <p:txBody>
+          <a:bodyPr/>
+          <a:lstStyle/>
+          <a:p>
+            <a:r>
+              <a:rPr lang="es-HN" b="1" dirty="0" smtClean="0"/>
+              <a:t>Apuntadores nulos</a:t>
+            </a:r>
+            <a:endParaRPr lang="es-HN" b="1" dirty="0"/>
+          </a:p>
+        </p:txBody>
+      </p:sp>
+      <p:sp>
+        <p:nvSpPr>
+          <p:cNvPr id="3" name="CuadroTexto 2"/>
+          <p:cNvSpPr txBox="1"/>
+          <p:nvPr/>
+        </p:nvSpPr>
+        <p:spPr>
+          <a:xfrm>
+            <a:off x="1274482" y="1403798"/>
+            <a:ext cx="10097037" cy="4031087"/>
+          </a:xfrm>
+          <a:prstGeom prst="rect">
+            <a:avLst/>
+          </a:prstGeom>
+          <a:noFill/>
+        </p:spPr>
+        <p:txBody>
+          <a:bodyPr wrap="square" rtlCol="0">
+            <a:spAutoFit/>
+          </a:bodyPr>
+          <a:lstStyle/>
+          <a:p>
+            <a:endParaRPr lang="es-HN" dirty="0"/>
+          </a:p>
+        </p:txBody>
+      </p:sp>
+      <p:sp>
+        <p:nvSpPr>
+          <p:cNvPr id="4" name="CuadroTexto 3"/>
+          <p:cNvSpPr txBox="1"/>
+          <p:nvPr/>
+        </p:nvSpPr>
+        <p:spPr>
+          <a:xfrm>
+            <a:off x="1500387" y="2219012"/>
+            <a:ext cx="9723549" cy="1200329"/>
+          </a:xfrm>
+          <a:prstGeom prst="rect">
+            <a:avLst/>
+          </a:prstGeom>
+          <a:noFill/>
+        </p:spPr>
+        <p:txBody>
+          <a:bodyPr wrap="square" rtlCol="0">
+            <a:spAutoFit/>
+          </a:bodyPr>
+          <a:lstStyle/>
+          <a:p>
+            <a:pPr algn="just"/>
+            <a:r>
+              <a:rPr lang="es-HN" sz="2400" dirty="0" smtClean="0"/>
+              <a:t>Un apuntador a nulo generalmente no apunta a nada. Inicializar un puntero en NULL es muy importante, ya que nos estamos asegurando que el apuntador declarado esta apuntando a algo o no esta apuntando a nada.</a:t>
+            </a:r>
+            <a:endParaRPr lang="es-HN" sz="2400" dirty="0"/>
+          </a:p>
+        </p:txBody>
+      </p:sp>
+      <p:pic>
+        <p:nvPicPr>
+          <p:cNvPr id="5" name="Imagen 4"/>
+          <p:cNvPicPr>
+            <a:picLocks noChangeAspect="1"/>
+          </p:cNvPicPr>
+          <p:nvPr/>
+        </p:nvPicPr>
+        <p:blipFill rotWithShape="1">
+          <a:blip r:embed="rId2"/>
+          <a:srcRect l="23836" t="25836" r="65078" b="65009"/>
+          <a:stretch/>
+        </p:blipFill>
+        <p:spPr>
+          <a:xfrm>
+            <a:off x="1500387" y="4146552"/>
+            <a:ext cx="2912603" cy="1352282"/>
+          </a:xfrm>
+          <a:prstGeom prst="rect">
+            <a:avLst/>
+          </a:prstGeom>
+        </p:spPr>
+      </p:pic>
+      <p:sp>
+        <p:nvSpPr>
+          <p:cNvPr id="6" name="CuadroTexto 5"/>
+          <p:cNvSpPr txBox="1"/>
+          <p:nvPr/>
+        </p:nvSpPr>
+        <p:spPr>
+          <a:xfrm>
+            <a:off x="4638895" y="4146552"/>
+            <a:ext cx="6798068" cy="1200329"/>
+          </a:xfrm>
+          <a:prstGeom prst="rect">
+            <a:avLst/>
+          </a:prstGeom>
+          <a:noFill/>
+        </p:spPr>
+        <p:txBody>
+          <a:bodyPr wrap="square" rtlCol="0">
+            <a:spAutoFit/>
+          </a:bodyPr>
+          <a:lstStyle/>
+          <a:p>
+            <a:pPr algn="just"/>
+            <a:r>
+              <a:rPr lang="es-HN" sz="2400" dirty="0" smtClean="0"/>
+              <a:t>El primer cout imprime ‘0’; fue inicializado en NULL.</a:t>
+            </a:r>
+          </a:p>
+          <a:p>
+            <a:pPr algn="just"/>
+            <a:r>
+              <a:rPr lang="es-HN" sz="2400" dirty="0" smtClean="0"/>
+              <a:t>El segundo imprime un valor en memoria ya que no fue inicializado.</a:t>
+            </a:r>
+            <a:endParaRPr lang="es-HN" sz="2400" dirty="0"/>
+          </a:p>
+        </p:txBody>
+      </p:sp>
+    </p:spTree>
+    <p:extLst>
+      <p:ext uri="{BB962C8B-B14F-4D97-AF65-F5344CB8AC3E}">
+        <p14:creationId xmlns:p14="http://schemas.microsoft.com/office/powerpoint/2010/main" val="3024695762"/>
+      </p:ext>
+    </p:extLst>
+  </p:cSld>
+  <p:clrMapOvr>
+    <a:masterClrMapping/>
+  </p:clrMapOvr>
+</p:sld>
+</file>
+
+<file path=ppt/slides/slide15.xml><?xml version="1.0" encoding="utf-8"?>
+<p:sld xmlns:a="http://schemas.openxmlformats.org/drawingml/2006/main" xmlns:r="http://schemas.openxmlformats.org/officeDocument/2006/relationships" xmlns:p="http://schemas.openxmlformats.org/presentationml/2006/main">
+  <p:cSld>
+    <p:spTree>
+      <p:nvGrpSpPr>
+        <p:cNvPr id="1" name=""/>
+        <p:cNvGrpSpPr/>
+        <p:nvPr/>
+      </p:nvGrpSpPr>
+      <p:grpSpPr>
+        <a:xfrm>
+          <a:off x="0" y="0"/>
+          <a:ext cx="0" cy="0"/>
+          <a:chOff x="0" y="0"/>
+          <a:chExt cx="0" cy="0"/>
+        </a:xfrm>
+      </p:grpSpPr>
+      <p:sp>
+        <p:nvSpPr>
+          <p:cNvPr id="2" name="Título 1"/>
+          <p:cNvSpPr>
+            <a:spLocks noGrp="1"/>
+          </p:cNvSpPr>
+          <p:nvPr>
+            <p:ph type="title"/>
+          </p:nvPr>
+        </p:nvSpPr>
+        <p:spPr>
+          <a:xfrm>
+            <a:off x="943398" y="325192"/>
+            <a:ext cx="10018713" cy="1752599"/>
+          </a:xfrm>
+        </p:spPr>
+        <p:txBody>
+          <a:bodyPr/>
+          <a:lstStyle/>
+          <a:p>
+            <a:r>
+              <a:rPr lang="es-HN" b="1" dirty="0" smtClean="0"/>
+              <a:t>Apuntadores a funciones</a:t>
+            </a:r>
+            <a:endParaRPr lang="es-HN" b="1" dirty="0"/>
+          </a:p>
+        </p:txBody>
+      </p:sp>
+      <p:sp>
+        <p:nvSpPr>
+          <p:cNvPr id="3" name="CuadroTexto 2"/>
+          <p:cNvSpPr txBox="1"/>
+          <p:nvPr/>
+        </p:nvSpPr>
+        <p:spPr>
+          <a:xfrm>
+            <a:off x="824248" y="1957588"/>
+            <a:ext cx="10612192" cy="1200329"/>
+          </a:xfrm>
+          <a:prstGeom prst="rect">
+            <a:avLst/>
+          </a:prstGeom>
+          <a:noFill/>
+        </p:spPr>
+        <p:txBody>
+          <a:bodyPr wrap="square" rtlCol="0">
+            <a:spAutoFit/>
+          </a:bodyPr>
+          <a:lstStyle/>
+          <a:p>
+            <a:pPr algn="just"/>
+            <a:r>
+              <a:rPr lang="es-HN" sz="2400" dirty="0" smtClean="0"/>
+              <a:t>Un apuntador a una función contiene la dirección de esa función en memoria. Las operaciones aritméticas con apuntadores no tienen ningún sentido a la hora de operar con apuntadores a funciones.</a:t>
+            </a:r>
+          </a:p>
+        </p:txBody>
+      </p:sp>
+      <p:pic>
+        <p:nvPicPr>
+          <p:cNvPr id="4" name="Imagen 3"/>
+          <p:cNvPicPr>
+            <a:picLocks noChangeAspect="1"/>
+          </p:cNvPicPr>
+          <p:nvPr/>
+        </p:nvPicPr>
+        <p:blipFill rotWithShape="1">
+          <a:blip r:embed="rId2"/>
+          <a:srcRect l="22252" t="21787" r="58545" b="54269"/>
+          <a:stretch/>
+        </p:blipFill>
+        <p:spPr>
+          <a:xfrm>
+            <a:off x="1532587" y="3568519"/>
+            <a:ext cx="3747751" cy="2627290"/>
+          </a:xfrm>
+          <a:prstGeom prst="rect">
+            <a:avLst/>
+          </a:prstGeom>
+        </p:spPr>
+      </p:pic>
+      <p:sp>
+        <p:nvSpPr>
+          <p:cNvPr id="5" name="CuadroTexto 4"/>
+          <p:cNvSpPr txBox="1"/>
+          <p:nvPr/>
+        </p:nvSpPr>
+        <p:spPr>
+          <a:xfrm>
+            <a:off x="5434885" y="3593206"/>
+            <a:ext cx="5396247" cy="2308324"/>
+          </a:xfrm>
+          <a:prstGeom prst="rect">
+            <a:avLst/>
+          </a:prstGeom>
+          <a:noFill/>
+        </p:spPr>
+        <p:txBody>
+          <a:bodyPr wrap="square" rtlCol="0">
+            <a:spAutoFit/>
+          </a:bodyPr>
+          <a:lstStyle/>
+          <a:p>
+            <a:pPr algn="just"/>
+            <a:r>
+              <a:rPr lang="es-HN" sz="2400" dirty="0" smtClean="0"/>
+              <a:t>Primero se declara una variable que apunta a una función con dos parámetros enteros, luego se asigna la función multiplicar a la variable ‘funcion’.</a:t>
+            </a:r>
+          </a:p>
+          <a:p>
+            <a:pPr algn="just"/>
+            <a:r>
+              <a:rPr lang="es-HN" sz="2400" dirty="0" smtClean="0"/>
+              <a:t>Al final se llama ‘multiplicar´ por medio de ‘funcion’ y se asignan sus parámetros.</a:t>
+            </a:r>
+            <a:endParaRPr lang="es-HN" sz="2400" dirty="0"/>
+          </a:p>
+        </p:txBody>
+      </p:sp>
+    </p:spTree>
+    <p:extLst>
+      <p:ext uri="{BB962C8B-B14F-4D97-AF65-F5344CB8AC3E}">
+        <p14:creationId xmlns:p14="http://schemas.microsoft.com/office/powerpoint/2010/main" val="2116423433"/>
       </p:ext>
     </p:extLst>
   </p:cSld>
@@ -3037,17 +7233,22 @@
             <p:ph type="title"/>
           </p:nvPr>
         </p:nvSpPr>
-        <p:spPr/>
+        <p:spPr>
+          <a:xfrm>
+            <a:off x="1086642" y="170645"/>
+            <a:ext cx="10018713" cy="1752599"/>
+          </a:xfrm>
+        </p:spPr>
         <p:txBody>
           <a:bodyPr/>
           <a:lstStyle/>
           <a:p>
             <a:pPr algn="ctr"/>
             <a:r>
-              <a:rPr lang="es-HN" dirty="0" smtClean="0"/>
+              <a:rPr lang="es-HN" b="1" dirty="0" smtClean="0"/>
               <a:t>¿Qué es un apuntador?</a:t>
             </a:r>
-            <a:endParaRPr lang="es-HN" dirty="0"/>
+            <a:endParaRPr lang="es-HN" b="1" dirty="0"/>
           </a:p>
         </p:txBody>
       </p:sp>
@@ -3059,8 +7260,8 @@
         </p:nvSpPr>
         <p:spPr>
           <a:xfrm>
-            <a:off x="1649458" y="1811260"/>
-            <a:ext cx="8950817" cy="1938992"/>
+            <a:off x="1086642" y="1656807"/>
+            <a:ext cx="9890975" cy="2308324"/>
           </a:xfrm>
           <a:prstGeom prst="rect">
             <a:avLst/>
@@ -3084,6 +7285,13 @@
             <a:r>
               <a:rPr lang="es-HN" sz="2400" dirty="0" smtClean="0"/>
               <a:t>En el siguiente caso ‘p’ apunta a ‘t’ y ‘q’ apunta a ‘p’; de modo que ‘p’ y ‘q’ apuntan al mismo espacio en memoria.</a:t>
+            </a:r>
+          </a:p>
+          <a:p>
+            <a:pPr algn="just"/>
+            <a:r>
+              <a:rPr lang="es-HN" sz="2400" dirty="0" smtClean="0"/>
+              <a:t>Un apuntador no puede ser inicializado al momento de ser declarado.</a:t>
             </a:r>
             <a:endParaRPr lang="es-HN" sz="2400" dirty="0"/>
           </a:p>
@@ -3104,7 +7312,7 @@
         </p:blipFill>
         <p:spPr>
           <a:xfrm>
-            <a:off x="1810225" y="4029525"/>
+            <a:off x="1813774" y="4209830"/>
             <a:ext cx="8893081" cy="1146220"/>
           </a:xfrm>
           <a:prstGeom prst="rect">
@@ -3152,16 +7360,21 @@
             <p:ph type="title"/>
           </p:nvPr>
         </p:nvSpPr>
-        <p:spPr/>
+        <p:spPr>
+          <a:xfrm>
+            <a:off x="1086642" y="299433"/>
+            <a:ext cx="10018713" cy="1752599"/>
+          </a:xfrm>
+        </p:spPr>
         <p:txBody>
           <a:bodyPr/>
           <a:lstStyle/>
           <a:p>
             <a:r>
-              <a:rPr lang="es-HN" dirty="0" smtClean="0"/>
+              <a:rPr lang="es-HN" b="1" dirty="0" smtClean="0"/>
               <a:t>Operador de Dirección</a:t>
             </a:r>
-            <a:endParaRPr lang="es-HN" dirty="0"/>
+            <a:endParaRPr lang="es-HN" b="1" dirty="0"/>
           </a:p>
         </p:txBody>
       </p:sp>
@@ -3174,7 +7387,7 @@
         <p:spPr>
           <a:xfrm>
             <a:off x="838200" y="1880315"/>
-            <a:ext cx="10515600" cy="646331"/>
+            <a:ext cx="10515600" cy="1200329"/>
           </a:xfrm>
           <a:prstGeom prst="rect">
             <a:avLst/>
@@ -3187,19 +7400,20 @@
           </a:bodyPr>
           <a:lstStyle/>
           <a:p>
-            <a:r>
-              <a:rPr lang="es-HN" dirty="0" smtClean="0"/>
+            <a:pPr algn="just"/>
+            <a:r>
+              <a:rPr lang="es-HN" sz="2400" dirty="0" smtClean="0"/>
               <a:t>Para obtener la dirección en memoria de una variable solo se coloca un </a:t>
             </a:r>
             <a:r>
-              <a:rPr lang="es-HN" dirty="0"/>
+              <a:rPr lang="es-HN" sz="2400" dirty="0"/>
               <a:t>ampersand </a:t>
             </a:r>
             <a:r>
-              <a:rPr lang="es-HN" dirty="0" smtClean="0"/>
+              <a:rPr lang="es-HN" sz="2400" dirty="0" smtClean="0"/>
               <a:t>(&amp;) al inicio y luego el nombre de la variable, de esta manera sabremos que dirección esta ocupando una variable en memoria.</a:t>
             </a:r>
-            <a:endParaRPr lang="es-HN" dirty="0"/>
+            <a:endParaRPr lang="es-HN" sz="2400" dirty="0"/>
           </a:p>
         </p:txBody>
       </p:sp>
@@ -3218,7 +7432,7 @@
         </p:blipFill>
         <p:spPr>
           <a:xfrm>
-            <a:off x="1768698" y="2806425"/>
+            <a:off x="1768696" y="3862492"/>
             <a:ext cx="8654603" cy="1407562"/>
           </a:xfrm>
           <a:prstGeom prst="rect">
@@ -3266,15 +7480,78 @@
             <p:ph type="title"/>
           </p:nvPr>
         </p:nvSpPr>
-        <p:spPr/>
+        <p:spPr>
+          <a:xfrm>
+            <a:off x="992725" y="269384"/>
+            <a:ext cx="10018713" cy="1752599"/>
+          </a:xfrm>
+        </p:spPr>
         <p:txBody>
           <a:bodyPr/>
           <a:lstStyle/>
           <a:p>
-            <a:endParaRPr lang="es-HN" dirty="0"/>
-          </a:p>
-        </p:txBody>
-      </p:sp>
+            <a:r>
+              <a:rPr lang="es-HN" b="1" dirty="0" smtClean="0"/>
+              <a:t>Operador de Desreferencia</a:t>
+            </a:r>
+            <a:endParaRPr lang="es-HN" b="1" dirty="0"/>
+          </a:p>
+        </p:txBody>
+      </p:sp>
+      <p:sp>
+        <p:nvSpPr>
+          <p:cNvPr id="3" name="CuadroTexto 2"/>
+          <p:cNvSpPr txBox="1"/>
+          <p:nvPr/>
+        </p:nvSpPr>
+        <p:spPr>
+          <a:xfrm>
+            <a:off x="940158" y="2021983"/>
+            <a:ext cx="10071280" cy="1200329"/>
+          </a:xfrm>
+          <a:prstGeom prst="rect">
+            <a:avLst/>
+          </a:prstGeom>
+          <a:noFill/>
+        </p:spPr>
+        <p:txBody>
+          <a:bodyPr wrap="square" rtlCol="0">
+            <a:spAutoFit/>
+          </a:bodyPr>
+          <a:lstStyle/>
+          <a:p>
+            <a:pPr algn="just"/>
+            <a:r>
+              <a:rPr lang="es-HN" sz="2400" dirty="0" smtClean="0"/>
+              <a:t>También se le puede llamar operador de indirección, ya que considera el asterisco como si fuese una dirección y devuelve el valor almacenado en esa dirección.</a:t>
+            </a:r>
+            <a:endParaRPr lang="es-HN" sz="2400" dirty="0"/>
+          </a:p>
+        </p:txBody>
+      </p:sp>
+      <p:pic>
+        <p:nvPicPr>
+          <p:cNvPr id="4" name="Imagen 3"/>
+          <p:cNvPicPr>
+            <a:picLocks noChangeAspect="1"/>
+          </p:cNvPicPr>
+          <p:nvPr/>
+        </p:nvPicPr>
+        <p:blipFill rotWithShape="1">
+          <a:blip r:embed="rId2"/>
+          <a:srcRect l="22945" t="26364" r="42807" b="59023"/>
+          <a:stretch/>
+        </p:blipFill>
+        <p:spPr>
+          <a:xfrm>
+            <a:off x="1596981" y="3540480"/>
+            <a:ext cx="8487550" cy="2036030"/>
+          </a:xfrm>
+          <a:prstGeom prst="rect">
+            <a:avLst/>
+          </a:prstGeom>
+        </p:spPr>
+      </p:pic>
     </p:spTree>
     <p:extLst>
       <p:ext uri="{BB962C8B-B14F-4D97-AF65-F5344CB8AC3E}">
@@ -3288,10 +7565,817 @@
 </p:sld>
 </file>
 
+<file path=ppt/slides/slide5.xml><?xml version="1.0" encoding="utf-8"?>
+<p:sld xmlns:a="http://schemas.openxmlformats.org/drawingml/2006/main" xmlns:r="http://schemas.openxmlformats.org/officeDocument/2006/relationships" xmlns:p="http://schemas.openxmlformats.org/presentationml/2006/main">
+  <p:cSld>
+    <p:spTree>
+      <p:nvGrpSpPr>
+        <p:cNvPr id="1" name=""/>
+        <p:cNvGrpSpPr/>
+        <p:nvPr/>
+      </p:nvGrpSpPr>
+      <p:grpSpPr>
+        <a:xfrm>
+          <a:off x="0" y="0"/>
+          <a:ext cx="0" cy="0"/>
+          <a:chOff x="0" y="0"/>
+          <a:chExt cx="0" cy="0"/>
+        </a:xfrm>
+      </p:grpSpPr>
+      <p:sp>
+        <p:nvSpPr>
+          <p:cNvPr id="2" name="Título 1"/>
+          <p:cNvSpPr>
+            <a:spLocks noGrp="1"/>
+          </p:cNvSpPr>
+          <p:nvPr>
+            <p:ph type="title"/>
+          </p:nvPr>
+        </p:nvSpPr>
+        <p:spPr>
+          <a:xfrm>
+            <a:off x="1082350" y="359536"/>
+            <a:ext cx="10018713" cy="1752599"/>
+          </a:xfrm>
+        </p:spPr>
+        <p:txBody>
+          <a:bodyPr/>
+          <a:lstStyle/>
+          <a:p>
+            <a:r>
+              <a:rPr lang="es-HN" b="1" dirty="0" smtClean="0"/>
+              <a:t>Declaración de apuntadores</a:t>
+            </a:r>
+            <a:endParaRPr lang="es-HN" b="1" dirty="0"/>
+          </a:p>
+        </p:txBody>
+      </p:sp>
+      <p:sp>
+        <p:nvSpPr>
+          <p:cNvPr id="3" name="CuadroTexto 2"/>
+          <p:cNvSpPr txBox="1"/>
+          <p:nvPr/>
+        </p:nvSpPr>
+        <p:spPr>
+          <a:xfrm>
+            <a:off x="811369" y="2112135"/>
+            <a:ext cx="10560676" cy="830997"/>
+          </a:xfrm>
+          <a:prstGeom prst="rect">
+            <a:avLst/>
+          </a:prstGeom>
+          <a:noFill/>
+        </p:spPr>
+        <p:txBody>
+          <a:bodyPr wrap="square" rtlCol="0">
+            <a:spAutoFit/>
+          </a:bodyPr>
+          <a:lstStyle/>
+          <a:p>
+            <a:pPr algn="just"/>
+            <a:r>
+              <a:rPr lang="es-HN" sz="2400" dirty="0" smtClean="0"/>
+              <a:t>Los apuntadores siguen siendo variables, con la diferencia de que en vez de guardar un valor, guarda una dirección en memoria.</a:t>
+            </a:r>
+            <a:endParaRPr lang="es-HN" sz="2400" dirty="0"/>
+          </a:p>
+        </p:txBody>
+      </p:sp>
+      <p:pic>
+        <p:nvPicPr>
+          <p:cNvPr id="4" name="Imagen 3"/>
+          <p:cNvPicPr>
+            <a:picLocks noChangeAspect="1"/>
+          </p:cNvPicPr>
+          <p:nvPr/>
+        </p:nvPicPr>
+        <p:blipFill rotWithShape="1">
+          <a:blip r:embed="rId2"/>
+          <a:srcRect l="23835" t="26188" r="63297" b="56910"/>
+          <a:stretch/>
+        </p:blipFill>
+        <p:spPr>
+          <a:xfrm>
+            <a:off x="1056068" y="3179913"/>
+            <a:ext cx="2860182" cy="2228046"/>
+          </a:xfrm>
+          <a:prstGeom prst="rect">
+            <a:avLst/>
+          </a:prstGeom>
+        </p:spPr>
+      </p:pic>
+      <p:sp>
+        <p:nvSpPr>
+          <p:cNvPr id="5" name="CuadroTexto 4"/>
+          <p:cNvSpPr txBox="1"/>
+          <p:nvPr/>
+        </p:nvSpPr>
+        <p:spPr>
+          <a:xfrm>
+            <a:off x="4134117" y="3322749"/>
+            <a:ext cx="6966945" cy="1938992"/>
+          </a:xfrm>
+          <a:prstGeom prst="rect">
+            <a:avLst/>
+          </a:prstGeom>
+          <a:noFill/>
+        </p:spPr>
+        <p:txBody>
+          <a:bodyPr wrap="square" rtlCol="0">
+            <a:spAutoFit/>
+          </a:bodyPr>
+          <a:lstStyle/>
+          <a:p>
+            <a:pPr algn="just"/>
+            <a:r>
+              <a:rPr lang="es-HN" sz="2400" dirty="0" smtClean="0"/>
+              <a:t>La variable puntero le asigna una constante a valor1 y valor2, por lo que al momento de imprimir, valor1 mostraría 10 y valor2 mostraría 20; aunque las dos variables usen la variable puntero este solo servirá para pasarle 10 a valor1 y de igual manera con valor2. </a:t>
+            </a:r>
+            <a:endParaRPr lang="es-HN" sz="2400" dirty="0"/>
+          </a:p>
+        </p:txBody>
+      </p:sp>
+    </p:spTree>
+    <p:extLst>
+      <p:ext uri="{BB962C8B-B14F-4D97-AF65-F5344CB8AC3E}">
+        <p14:creationId xmlns:p14="http://schemas.microsoft.com/office/powerpoint/2010/main" val="1490149968"/>
+      </p:ext>
+    </p:extLst>
+  </p:cSld>
+  <p:clrMapOvr>
+    <a:masterClrMapping/>
+  </p:clrMapOvr>
+</p:sld>
+</file>
+
+<file path=ppt/slides/slide6.xml><?xml version="1.0" encoding="utf-8"?>
+<p:sld xmlns:a="http://schemas.openxmlformats.org/drawingml/2006/main" xmlns:r="http://schemas.openxmlformats.org/officeDocument/2006/relationships" xmlns:p="http://schemas.openxmlformats.org/presentationml/2006/main">
+  <p:cSld>
+    <p:spTree>
+      <p:nvGrpSpPr>
+        <p:cNvPr id="1" name=""/>
+        <p:cNvGrpSpPr/>
+        <p:nvPr/>
+      </p:nvGrpSpPr>
+      <p:grpSpPr>
+        <a:xfrm>
+          <a:off x="0" y="0"/>
+          <a:ext cx="0" cy="0"/>
+          <a:chOff x="0" y="0"/>
+          <a:chExt cx="0" cy="0"/>
+        </a:xfrm>
+      </p:grpSpPr>
+      <p:sp>
+        <p:nvSpPr>
+          <p:cNvPr id="2" name="Título 1"/>
+          <p:cNvSpPr>
+            <a:spLocks noGrp="1"/>
+          </p:cNvSpPr>
+          <p:nvPr>
+            <p:ph type="title"/>
+          </p:nvPr>
+        </p:nvSpPr>
+        <p:spPr>
+          <a:xfrm>
+            <a:off x="786136" y="199115"/>
+            <a:ext cx="10018713" cy="1752599"/>
+          </a:xfrm>
+        </p:spPr>
+        <p:txBody>
+          <a:bodyPr/>
+          <a:lstStyle/>
+          <a:p>
+            <a:r>
+              <a:rPr lang="es-HN" b="1" dirty="0" smtClean="0"/>
+              <a:t>Apuntadores y arreglos</a:t>
+            </a:r>
+            <a:endParaRPr lang="es-HN" b="1" dirty="0"/>
+          </a:p>
+        </p:txBody>
+      </p:sp>
+      <p:sp>
+        <p:nvSpPr>
+          <p:cNvPr id="3" name="CuadroTexto 2"/>
+          <p:cNvSpPr txBox="1"/>
+          <p:nvPr/>
+        </p:nvSpPr>
+        <p:spPr>
+          <a:xfrm>
+            <a:off x="708338" y="1690688"/>
+            <a:ext cx="10174310" cy="1015663"/>
+          </a:xfrm>
+          <a:prstGeom prst="rect">
+            <a:avLst/>
+          </a:prstGeom>
+          <a:noFill/>
+        </p:spPr>
+        <p:txBody>
+          <a:bodyPr wrap="square" rtlCol="0">
+            <a:spAutoFit/>
+          </a:bodyPr>
+          <a:lstStyle/>
+          <a:p>
+            <a:pPr algn="just"/>
+            <a:r>
+              <a:rPr lang="es-HN" sz="2000" dirty="0" smtClean="0"/>
+              <a:t>Los arreglos en el fondo son  apuntadores, y esto porque el compilador traduce un simple arreglo a direcciones en memoria; por eso se suele decir que un arreglo es un apuntador.</a:t>
+            </a:r>
+          </a:p>
+          <a:p>
+            <a:pPr algn="just"/>
+            <a:r>
+              <a:rPr lang="es-HN" sz="2000" dirty="0" smtClean="0"/>
+              <a:t>Pero, ¿podremos asociar los arreglos con los apuntadores?</a:t>
+            </a:r>
+            <a:endParaRPr lang="es-HN" sz="2000" dirty="0"/>
+          </a:p>
+        </p:txBody>
+      </p:sp>
+      <p:pic>
+        <p:nvPicPr>
+          <p:cNvPr id="5" name="Imagen 4"/>
+          <p:cNvPicPr>
+            <a:picLocks noChangeAspect="1"/>
+          </p:cNvPicPr>
+          <p:nvPr/>
+        </p:nvPicPr>
+        <p:blipFill rotWithShape="1">
+          <a:blip r:embed="rId2"/>
+          <a:srcRect l="24033" t="26541" r="57160" b="46699"/>
+          <a:stretch/>
+        </p:blipFill>
+        <p:spPr>
+          <a:xfrm>
+            <a:off x="7083379" y="3042009"/>
+            <a:ext cx="3577902" cy="2862322"/>
+          </a:xfrm>
+          <a:prstGeom prst="rect">
+            <a:avLst/>
+          </a:prstGeom>
+        </p:spPr>
+      </p:pic>
+      <p:sp>
+        <p:nvSpPr>
+          <p:cNvPr id="6" name="CuadroTexto 5"/>
+          <p:cNvSpPr txBox="1"/>
+          <p:nvPr/>
+        </p:nvSpPr>
+        <p:spPr>
+          <a:xfrm>
+            <a:off x="618186" y="3042009"/>
+            <a:ext cx="6272011" cy="2862322"/>
+          </a:xfrm>
+          <a:prstGeom prst="rect">
+            <a:avLst/>
+          </a:prstGeom>
+          <a:noFill/>
+        </p:spPr>
+        <p:txBody>
+          <a:bodyPr wrap="square" rtlCol="0">
+            <a:spAutoFit/>
+          </a:bodyPr>
+          <a:lstStyle/>
+          <a:p>
+            <a:pPr algn="just"/>
+            <a:r>
+              <a:rPr lang="es-HN" sz="2000" dirty="0" smtClean="0"/>
+              <a:t>En la primera y segunda línea solo se declaran la variable y el apuntador. Luego asignamos arreglo a la variable apuntador luego se asigna un valor a cada ‘</a:t>
+            </a:r>
+            <a:r>
+              <a:rPr lang="es-HN" sz="2000" dirty="0" err="1" smtClean="0"/>
+              <a:t>ptr_arreglo</a:t>
+            </a:r>
+            <a:r>
+              <a:rPr lang="es-HN" sz="2000" dirty="0" smtClean="0"/>
+              <a:t>’ y luego se va aumentando para que se pase a otra dirección en memoria.</a:t>
+            </a:r>
+          </a:p>
+          <a:p>
+            <a:pPr algn="just"/>
+            <a:r>
+              <a:rPr lang="es-HN" sz="2000" dirty="0" smtClean="0"/>
+              <a:t>Al final en el ciclo si se saca la dirección se podrá observar que cada elemento del arreglo esta posicionado a tan solo cuatro bytes de </a:t>
+            </a:r>
+            <a:r>
+              <a:rPr lang="es-HN" sz="2000" dirty="0" smtClean="0"/>
+              <a:t>diferencia, ya que no podemos hacer que un arreglo apunte a otra dirección en memoria.</a:t>
+            </a:r>
+            <a:endParaRPr lang="es-HN" sz="2000" dirty="0"/>
+          </a:p>
+        </p:txBody>
+      </p:sp>
+    </p:spTree>
+    <p:extLst>
+      <p:ext uri="{BB962C8B-B14F-4D97-AF65-F5344CB8AC3E}">
+        <p14:creationId xmlns:p14="http://schemas.microsoft.com/office/powerpoint/2010/main" val="3924093686"/>
+      </p:ext>
+    </p:extLst>
+  </p:cSld>
+  <p:clrMapOvr>
+    <a:masterClrMapping/>
+  </p:clrMapOvr>
+</p:sld>
+</file>
+
+<file path=ppt/slides/slide7.xml><?xml version="1.0" encoding="utf-8"?>
+<p:sld xmlns:a="http://schemas.openxmlformats.org/drawingml/2006/main" xmlns:r="http://schemas.openxmlformats.org/officeDocument/2006/relationships" xmlns:p="http://schemas.openxmlformats.org/presentationml/2006/main">
+  <p:cSld>
+    <p:spTree>
+      <p:nvGrpSpPr>
+        <p:cNvPr id="1" name=""/>
+        <p:cNvGrpSpPr/>
+        <p:nvPr/>
+      </p:nvGrpSpPr>
+      <p:grpSpPr>
+        <a:xfrm>
+          <a:off x="0" y="0"/>
+          <a:ext cx="0" cy="0"/>
+          <a:chOff x="0" y="0"/>
+          <a:chExt cx="0" cy="0"/>
+        </a:xfrm>
+      </p:grpSpPr>
+      <p:sp>
+        <p:nvSpPr>
+          <p:cNvPr id="2" name="Título 1"/>
+          <p:cNvSpPr>
+            <a:spLocks noGrp="1"/>
+          </p:cNvSpPr>
+          <p:nvPr>
+            <p:ph type="title"/>
+          </p:nvPr>
+        </p:nvSpPr>
+        <p:spPr>
+          <a:xfrm>
+            <a:off x="742133" y="256505"/>
+            <a:ext cx="10018713" cy="1752599"/>
+          </a:xfrm>
+        </p:spPr>
+        <p:txBody>
+          <a:bodyPr/>
+          <a:lstStyle/>
+          <a:p>
+            <a:r>
+              <a:rPr lang="es-HN" dirty="0" smtClean="0"/>
+              <a:t>Operaciones con punteros</a:t>
+            </a:r>
+            <a:endParaRPr lang="es-HN" dirty="0"/>
+          </a:p>
+        </p:txBody>
+      </p:sp>
+      <p:sp>
+        <p:nvSpPr>
+          <p:cNvPr id="3" name="CuadroTexto 2"/>
+          <p:cNvSpPr txBox="1"/>
+          <p:nvPr/>
+        </p:nvSpPr>
+        <p:spPr>
+          <a:xfrm>
+            <a:off x="838199" y="1907120"/>
+            <a:ext cx="9826580" cy="1015663"/>
+          </a:xfrm>
+          <a:prstGeom prst="rect">
+            <a:avLst/>
+          </a:prstGeom>
+          <a:noFill/>
+        </p:spPr>
+        <p:txBody>
+          <a:bodyPr wrap="square" rtlCol="0">
+            <a:spAutoFit/>
+          </a:bodyPr>
+          <a:lstStyle/>
+          <a:p>
+            <a:pPr algn="just"/>
+            <a:r>
+              <a:rPr lang="es-HN" sz="2000" dirty="0" smtClean="0"/>
+              <a:t>Los apuntadores solo permiten operaciones como suma, resta, incremento y decremento.</a:t>
+            </a:r>
+          </a:p>
+          <a:p>
+            <a:pPr algn="just"/>
+            <a:r>
+              <a:rPr lang="es-HN" sz="2000" dirty="0" smtClean="0"/>
+              <a:t>Los valores de un entero no son considerados como memoria física, sino como posiciones de objetos del tipo al que apunta el apuntador.</a:t>
+            </a:r>
+            <a:endParaRPr lang="es-HN" sz="2000" dirty="0"/>
+          </a:p>
+        </p:txBody>
+      </p:sp>
+      <p:pic>
+        <p:nvPicPr>
+          <p:cNvPr id="6" name="Imagen 5"/>
+          <p:cNvPicPr>
+            <a:picLocks noChangeAspect="1"/>
+          </p:cNvPicPr>
+          <p:nvPr/>
+        </p:nvPicPr>
+        <p:blipFill rotWithShape="1">
+          <a:blip r:embed="rId2"/>
+          <a:srcRect l="23737" t="25836" r="65771" b="48460"/>
+          <a:stretch/>
+        </p:blipFill>
+        <p:spPr>
+          <a:xfrm>
+            <a:off x="1249251" y="3250850"/>
+            <a:ext cx="2099256" cy="2891430"/>
+          </a:xfrm>
+          <a:prstGeom prst="rect">
+            <a:avLst/>
+          </a:prstGeom>
+        </p:spPr>
+      </p:pic>
+      <p:sp>
+        <p:nvSpPr>
+          <p:cNvPr id="7" name="CuadroTexto 6"/>
+          <p:cNvSpPr txBox="1"/>
+          <p:nvPr/>
+        </p:nvSpPr>
+        <p:spPr>
+          <a:xfrm>
+            <a:off x="3541691" y="3450013"/>
+            <a:ext cx="7315200" cy="2246769"/>
+          </a:xfrm>
+          <a:prstGeom prst="rect">
+            <a:avLst/>
+          </a:prstGeom>
+          <a:noFill/>
+        </p:spPr>
+        <p:txBody>
+          <a:bodyPr wrap="square" rtlCol="0">
+            <a:spAutoFit/>
+          </a:bodyPr>
+          <a:lstStyle/>
+          <a:p>
+            <a:pPr algn="just"/>
+            <a:r>
+              <a:rPr lang="es-HN" sz="2000" dirty="0" smtClean="0"/>
+              <a:t>En este arreglo buscamos modificar las posiciones a través del apuntador ‘p’; ubicamos nuestro puntero en la primera posición del arreglo y le damos un valor a la primera posición luego incrementamos el puntero el cual se pasa a la posición siguiente asignamos un valor y el mismo procedimiento con las siguientes.</a:t>
+            </a:r>
+          </a:p>
+          <a:p>
+            <a:pPr algn="just"/>
+            <a:r>
+              <a:rPr lang="es-HN" sz="2000" dirty="0" smtClean="0"/>
+              <a:t>En la ultima parte decrece el apuntador y asignamos un valor que se estará modificando en la segunda posición del arreglo.</a:t>
+            </a:r>
+            <a:endParaRPr lang="es-HN" sz="2000" dirty="0"/>
+          </a:p>
+        </p:txBody>
+      </p:sp>
+    </p:spTree>
+    <p:extLst>
+      <p:ext uri="{BB962C8B-B14F-4D97-AF65-F5344CB8AC3E}">
+        <p14:creationId xmlns:p14="http://schemas.microsoft.com/office/powerpoint/2010/main" val="3262632921"/>
+      </p:ext>
+    </p:extLst>
+  </p:cSld>
+  <p:clrMapOvr>
+    <a:masterClrMapping/>
+  </p:clrMapOvr>
+</p:sld>
+</file>
+
+<file path=ppt/slides/slide8.xml><?xml version="1.0" encoding="utf-8"?>
+<p:sld xmlns:a="http://schemas.openxmlformats.org/drawingml/2006/main" xmlns:r="http://schemas.openxmlformats.org/officeDocument/2006/relationships" xmlns:p="http://schemas.openxmlformats.org/presentationml/2006/main">
+  <p:cSld>
+    <p:spTree>
+      <p:nvGrpSpPr>
+        <p:cNvPr id="1" name=""/>
+        <p:cNvGrpSpPr/>
+        <p:nvPr/>
+      </p:nvGrpSpPr>
+      <p:grpSpPr>
+        <a:xfrm>
+          <a:off x="0" y="0"/>
+          <a:ext cx="0" cy="0"/>
+          <a:chOff x="0" y="0"/>
+          <a:chExt cx="0" cy="0"/>
+        </a:xfrm>
+      </p:grpSpPr>
+      <p:sp>
+        <p:nvSpPr>
+          <p:cNvPr id="2" name="Título 1"/>
+          <p:cNvSpPr>
+            <a:spLocks noGrp="1"/>
+          </p:cNvSpPr>
+          <p:nvPr>
+            <p:ph type="title"/>
+          </p:nvPr>
+        </p:nvSpPr>
+        <p:spPr>
+          <a:xfrm>
+            <a:off x="553792" y="439939"/>
+            <a:ext cx="10884838" cy="1752599"/>
+          </a:xfrm>
+        </p:spPr>
+        <p:txBody>
+          <a:bodyPr/>
+          <a:lstStyle/>
+          <a:p>
+            <a:r>
+              <a:rPr lang="es-HN" b="1" dirty="0"/>
+              <a:t>Apuntadores constantes y apuntadores a constantes</a:t>
+            </a:r>
+          </a:p>
+        </p:txBody>
+      </p:sp>
+      <p:sp>
+        <p:nvSpPr>
+          <p:cNvPr id="3" name="CuadroTexto 2"/>
+          <p:cNvSpPr txBox="1"/>
+          <p:nvPr/>
+        </p:nvSpPr>
+        <p:spPr>
+          <a:xfrm>
+            <a:off x="555982" y="2050870"/>
+            <a:ext cx="10882648" cy="2215991"/>
+          </a:xfrm>
+          <a:prstGeom prst="rect">
+            <a:avLst/>
+          </a:prstGeom>
+          <a:noFill/>
+        </p:spPr>
+        <p:txBody>
+          <a:bodyPr wrap="square" rtlCol="0">
+            <a:spAutoFit/>
+          </a:bodyPr>
+          <a:lstStyle/>
+          <a:p>
+            <a:pPr algn="just"/>
+            <a:r>
+              <a:rPr lang="es-HN" sz="2400" b="1" dirty="0" smtClean="0"/>
+              <a:t>Apuntador Constante - Valor constante</a:t>
+            </a:r>
+          </a:p>
+          <a:p>
+            <a:pPr algn="just"/>
+            <a:endParaRPr lang="es-HN" dirty="0"/>
+          </a:p>
+          <a:p>
+            <a:pPr algn="just"/>
+            <a:r>
+              <a:rPr lang="es-HN" sz="2400" dirty="0" smtClean="0"/>
+              <a:t>Este debe ser inicializado en el momento que se declara, de lo contrario se generaría un error.</a:t>
+            </a:r>
+          </a:p>
+          <a:p>
+            <a:pPr algn="just"/>
+            <a:r>
+              <a:rPr lang="es-HN" sz="2400" dirty="0" smtClean="0"/>
+              <a:t>Una vez declarado no se permiten operaciones de asignación, ni de otra variable ni de una constante.</a:t>
+            </a:r>
+            <a:endParaRPr lang="es-HN" sz="2400" dirty="0"/>
+          </a:p>
+        </p:txBody>
+      </p:sp>
+      <p:pic>
+        <p:nvPicPr>
+          <p:cNvPr id="4" name="Imagen 3"/>
+          <p:cNvPicPr>
+            <a:picLocks noChangeAspect="1"/>
+          </p:cNvPicPr>
+          <p:nvPr/>
+        </p:nvPicPr>
+        <p:blipFill rotWithShape="1">
+          <a:blip r:embed="rId2"/>
+          <a:srcRect l="23637" t="25836" r="57754" b="59199"/>
+          <a:stretch/>
+        </p:blipFill>
+        <p:spPr>
+          <a:xfrm>
+            <a:off x="2119640" y="4408529"/>
+            <a:ext cx="4158811" cy="1880315"/>
+          </a:xfrm>
+          <a:prstGeom prst="rect">
+            <a:avLst/>
+          </a:prstGeom>
+        </p:spPr>
+      </p:pic>
+    </p:spTree>
+    <p:extLst>
+      <p:ext uri="{BB962C8B-B14F-4D97-AF65-F5344CB8AC3E}">
+        <p14:creationId xmlns:p14="http://schemas.microsoft.com/office/powerpoint/2010/main" val="1804559221"/>
+      </p:ext>
+    </p:extLst>
+  </p:cSld>
+  <p:clrMapOvr>
+    <a:masterClrMapping/>
+  </p:clrMapOvr>
+</p:sld>
+</file>
+
+<file path=ppt/slides/slide9.xml><?xml version="1.0" encoding="utf-8"?>
+<p:sld xmlns:a="http://schemas.openxmlformats.org/drawingml/2006/main" xmlns:r="http://schemas.openxmlformats.org/officeDocument/2006/relationships" xmlns:p="http://schemas.openxmlformats.org/presentationml/2006/main">
+  <p:cSld>
+    <p:spTree>
+      <p:nvGrpSpPr>
+        <p:cNvPr id="1" name=""/>
+        <p:cNvGrpSpPr/>
+        <p:nvPr/>
+      </p:nvGrpSpPr>
+      <p:grpSpPr>
+        <a:xfrm>
+          <a:off x="0" y="0"/>
+          <a:ext cx="0" cy="0"/>
+          <a:chOff x="0" y="0"/>
+          <a:chExt cx="0" cy="0"/>
+        </a:xfrm>
+      </p:grpSpPr>
+      <p:sp>
+        <p:nvSpPr>
+          <p:cNvPr id="4" name="CuadroTexto 3"/>
+          <p:cNvSpPr txBox="1"/>
+          <p:nvPr/>
+        </p:nvSpPr>
+        <p:spPr>
+          <a:xfrm>
+            <a:off x="746974" y="1918951"/>
+            <a:ext cx="9994005" cy="1846659"/>
+          </a:xfrm>
+          <a:prstGeom prst="rect">
+            <a:avLst/>
+          </a:prstGeom>
+          <a:noFill/>
+        </p:spPr>
+        <p:txBody>
+          <a:bodyPr wrap="square" rtlCol="0">
+            <a:spAutoFit/>
+          </a:bodyPr>
+          <a:lstStyle/>
+          <a:p>
+            <a:pPr algn="just"/>
+            <a:r>
+              <a:rPr lang="es-HN" sz="2400" b="1" dirty="0" smtClean="0"/>
+              <a:t>Apuntador no constante – Valor constante</a:t>
+            </a:r>
+          </a:p>
+          <a:p>
+            <a:pPr algn="just"/>
+            <a:endParaRPr lang="es-HN" dirty="0"/>
+          </a:p>
+          <a:p>
+            <a:pPr algn="just"/>
+            <a:r>
+              <a:rPr lang="es-HN" sz="2400" dirty="0" smtClean="0"/>
+              <a:t>En este caso se puede dejar sin inicializar y no habrán errores.</a:t>
+            </a:r>
+          </a:p>
+          <a:p>
+            <a:pPr algn="just"/>
+            <a:r>
+              <a:rPr lang="es-HN" sz="2400" dirty="0" smtClean="0"/>
+              <a:t>No se permite asignar un apuntador desreferenciado, aunque si se permite apuntar a una dirección en memoria.</a:t>
+            </a:r>
+            <a:endParaRPr lang="es-HN" sz="2400" dirty="0"/>
+          </a:p>
+        </p:txBody>
+      </p:sp>
+      <p:pic>
+        <p:nvPicPr>
+          <p:cNvPr id="5" name="Imagen 4"/>
+          <p:cNvPicPr>
+            <a:picLocks noChangeAspect="1"/>
+          </p:cNvPicPr>
+          <p:nvPr/>
+        </p:nvPicPr>
+        <p:blipFill rotWithShape="1">
+          <a:blip r:embed="rId2"/>
+          <a:srcRect l="24033" t="26188" r="65870" b="60431"/>
+          <a:stretch/>
+        </p:blipFill>
+        <p:spPr>
+          <a:xfrm>
+            <a:off x="2112135" y="4056845"/>
+            <a:ext cx="2955699" cy="2202287"/>
+          </a:xfrm>
+          <a:prstGeom prst="rect">
+            <a:avLst/>
+          </a:prstGeom>
+        </p:spPr>
+      </p:pic>
+      <p:sp>
+        <p:nvSpPr>
+          <p:cNvPr id="6" name="Título 1"/>
+          <p:cNvSpPr txBox="1">
+            <a:spLocks/>
+          </p:cNvSpPr>
+          <p:nvPr/>
+        </p:nvSpPr>
+        <p:spPr>
+          <a:xfrm>
+            <a:off x="301558" y="262146"/>
+            <a:ext cx="10884838" cy="1752599"/>
+          </a:xfrm>
+          <a:prstGeom prst="rect">
+            <a:avLst/>
+          </a:prstGeom>
+          <a:effectLst/>
+        </p:spPr>
+        <p:txBody>
+          <a:bodyPr vert="horz" lIns="91440" tIns="45720" rIns="91440" bIns="45720" rtlCol="0" anchor="ctr">
+            <a:normAutofit/>
+          </a:bodyPr>
+          <a:lstStyle>
+            <a:lvl1pPr algn="ctr" defTabSz="457200" rtl="0" eaLnBrk="1" latinLnBrk="0" hangingPunct="1">
+              <a:spcBef>
+                <a:spcPct val="0"/>
+              </a:spcBef>
+              <a:buNone/>
+              <a:defRPr sz="4000" kern="1200" cap="none">
+                <a:ln w="3175" cmpd="sng">
+                  <a:noFill/>
+                </a:ln>
+                <a:solidFill>
+                  <a:schemeClr val="tx1"/>
+                </a:solidFill>
+                <a:effectLst/>
+                <a:latin typeface="+mj-lt"/>
+                <a:ea typeface="+mj-ea"/>
+                <a:cs typeface="+mj-cs"/>
+              </a:defRPr>
+            </a:lvl1pPr>
+            <a:lvl2pPr eaLnBrk="1" hangingPunct="1">
+              <a:defRPr>
+                <a:solidFill>
+                  <a:schemeClr val="tx2"/>
+                </a:solidFill>
+              </a:defRPr>
+            </a:lvl2pPr>
+            <a:lvl3pPr eaLnBrk="1" hangingPunct="1">
+              <a:defRPr>
+                <a:solidFill>
+                  <a:schemeClr val="tx2"/>
+                </a:solidFill>
+              </a:defRPr>
+            </a:lvl3pPr>
+            <a:lvl4pPr eaLnBrk="1" hangingPunct="1">
+              <a:defRPr>
+                <a:solidFill>
+                  <a:schemeClr val="tx2"/>
+                </a:solidFill>
+              </a:defRPr>
+            </a:lvl4pPr>
+            <a:lvl5pPr eaLnBrk="1" hangingPunct="1">
+              <a:defRPr>
+                <a:solidFill>
+                  <a:schemeClr val="tx2"/>
+                </a:solidFill>
+              </a:defRPr>
+            </a:lvl5pPr>
+            <a:lvl6pPr eaLnBrk="1" hangingPunct="1">
+              <a:defRPr>
+                <a:solidFill>
+                  <a:schemeClr val="tx2"/>
+                </a:solidFill>
+              </a:defRPr>
+            </a:lvl6pPr>
+            <a:lvl7pPr eaLnBrk="1" hangingPunct="1">
+              <a:defRPr>
+                <a:solidFill>
+                  <a:schemeClr val="tx2"/>
+                </a:solidFill>
+              </a:defRPr>
+            </a:lvl7pPr>
+            <a:lvl8pPr eaLnBrk="1" hangingPunct="1">
+              <a:defRPr>
+                <a:solidFill>
+                  <a:schemeClr val="tx2"/>
+                </a:solidFill>
+              </a:defRPr>
+            </a:lvl8pPr>
+            <a:lvl9pPr eaLnBrk="1" hangingPunct="1">
+              <a:defRPr>
+                <a:solidFill>
+                  <a:schemeClr val="tx2"/>
+                </a:solidFill>
+              </a:defRPr>
+            </a:lvl9pPr>
+          </a:lstStyle>
+          <a:p>
+            <a:r>
+              <a:rPr lang="es-HN" b="1" dirty="0" smtClean="0"/>
+              <a:t>Apuntadores constantes y apuntadores a constantes</a:t>
+            </a:r>
+            <a:endParaRPr lang="es-HN" b="1" dirty="0"/>
+          </a:p>
+        </p:txBody>
+      </p:sp>
+    </p:spTree>
+    <p:extLst>
+      <p:ext uri="{BB962C8B-B14F-4D97-AF65-F5344CB8AC3E}">
+        <p14:creationId xmlns:p14="http://schemas.microsoft.com/office/powerpoint/2010/main" val="1822678561"/>
+      </p:ext>
+    </p:extLst>
+  </p:cSld>
+  <p:clrMapOvr>
+    <a:masterClrMapping/>
+  </p:clrMapOvr>
+</p:sld>
+</file>
+
 <file path=ppt/theme/theme1.xml><?xml version="1.0" encoding="utf-8"?>
-<a:theme xmlns:a="http://schemas.openxmlformats.org/drawingml/2006/main" name="Tema de Office">
+<a:theme xmlns:a="http://schemas.openxmlformats.org/drawingml/2006/main" name="Parallax">
   <a:themeElements>
-    <a:clrScheme name="Office">
+    <a:clrScheme name="Parallax">
       <a:dk1>
         <a:sysClr val="windowText" lastClr="000000"/>
       </a:dk1>
@@ -3299,52 +8383,52 @@
         <a:sysClr val="window" lastClr="FFFFFF"/>
       </a:lt1>
       <a:dk2>
-        <a:srgbClr val="44546A"/>
+        <a:srgbClr val="212121"/>
       </a:dk2>
       <a:lt2>
-        <a:srgbClr val="E7E6E6"/>
+        <a:srgbClr val="CDD0D1"/>
       </a:lt2>
       <a:accent1>
-        <a:srgbClr val="5B9BD5"/>
+        <a:srgbClr val="30ACEC"/>
       </a:accent1>
       <a:accent2>
-        <a:srgbClr val="ED7D31"/>
+        <a:srgbClr val="80C34F"/>
       </a:accent2>
       <a:accent3>
-        <a:srgbClr val="A5A5A5"/>
+        <a:srgbClr val="E29D3E"/>
       </a:accent3>
       <a:accent4>
-        <a:srgbClr val="FFC000"/>
+        <a:srgbClr val="D64A3B"/>
       </a:accent4>
       <a:accent5>
-        <a:srgbClr val="4472C4"/>
+        <a:srgbClr val="D64787"/>
       </a:accent5>
       <a:accent6>
-        <a:srgbClr val="70AD47"/>
+        <a:srgbClr val="A666E1"/>
       </a:accent6>
       <a:hlink>
-        <a:srgbClr val="0563C1"/>
+        <a:srgbClr val="3085ED"/>
       </a:hlink>
       <a:folHlink>
-        <a:srgbClr val="954F72"/>
+        <a:srgbClr val="82B6F4"/>
       </a:folHlink>
     </a:clrScheme>
-    <a:fontScheme name="Office">
+    <a:fontScheme name="Parallax">
       <a:majorFont>
-        <a:latin typeface="Calibri Light" panose="020F0302020204030204"/>
+        <a:latin typeface="Corbel" panose="020B0503020204020204"/>
         <a:ea typeface=""/>
         <a:cs typeface=""/>
-        <a:font script="Jpan" typeface="ＭＳ Ｐゴシック"/>
-        <a:font script="Hang" typeface="맑은 고딕"/>
-        <a:font script="Hans" typeface="宋体"/>
+        <a:font script="Jpan" typeface="HGｺﾞｼｯｸM"/>
+        <a:font script="Hang" typeface="HY엽서L"/>
+        <a:font script="Hans" typeface="华文楷体"/>
         <a:font script="Hant" typeface="新細明體"/>
-        <a:font script="Arab" typeface="Times New Roman"/>
-        <a:font script="Hebr" typeface="Times New Roman"/>
-        <a:font script="Thai" typeface="Angsana New"/>
+        <a:font script="Arab" typeface="Tahoma"/>
+        <a:font script="Hebr" typeface="Miriam"/>
+        <a:font script="Thai" typeface="DilleniaUPC"/>
         <a:font script="Ethi" typeface="Nyala"/>
         <a:font script="Beng" typeface="Vrinda"/>
         <a:font script="Gujr" typeface="Shruti"/>
-        <a:font script="Khmr" typeface="MoolBoran"/>
+        <a:font script="Khmr" typeface="DaunPenh"/>
         <a:font script="Knda" typeface="Tunga"/>
         <a:font script="Guru" typeface="Raavi"/>
         <a:font script="Cans" typeface="Euphemia"/>
@@ -3361,21 +8445,21 @@
         <a:font script="Laoo" typeface="DokChampa"/>
         <a:font script="Sinh" typeface="Iskoola Pota"/>
         <a:font script="Mong" typeface="Mongolian Baiti"/>
-        <a:font script="Viet" typeface="Times New Roman"/>
+        <a:font script="Viet" typeface="Arial"/>
         <a:font script="Uigh" typeface="Microsoft Uighur"/>
         <a:font script="Geor" typeface="Sylfaen"/>
       </a:majorFont>
       <a:minorFont>
-        <a:latin typeface="Calibri" panose="020F0502020204030204"/>
+        <a:latin typeface="Corbel" panose="020B0503020204020204"/>
         <a:ea typeface=""/>
         <a:cs typeface=""/>
-        <a:font script="Jpan" typeface="ＭＳ Ｐゴシック"/>
-        <a:font script="Hang" typeface="맑은 고딕"/>
-        <a:font script="Hans" typeface="宋体"/>
+        <a:font script="Jpan" typeface="HGｺﾞｼｯｸM"/>
+        <a:font script="Hang" typeface="HY엽서L"/>
+        <a:font script="Hans" typeface="华文楷体"/>
         <a:font script="Hant" typeface="新細明體"/>
-        <a:font script="Arab" typeface="Arial"/>
-        <a:font script="Hebr" typeface="Arial"/>
-        <a:font script="Thai" typeface="Cordia New"/>
+        <a:font script="Arab" typeface="Tahoma"/>
+        <a:font script="Hebr" typeface="Miriam"/>
+        <a:font script="Thai" typeface="DilleniaUPC"/>
         <a:font script="Ethi" typeface="Nyala"/>
         <a:font script="Beng" typeface="Vrinda"/>
         <a:font script="Gujr" typeface="Shruti"/>
@@ -3401,7 +8485,7 @@
         <a:font script="Geor" typeface="Sylfaen"/>
       </a:minorFont>
     </a:fontScheme>
-    <a:fmtScheme name="Office">
+    <a:fmtScheme name="Parallax">
       <a:fillStyleLst>
         <a:solidFill>
           <a:schemeClr val="phClr"/>
@@ -3410,23 +8494,13 @@
           <a:gsLst>
             <a:gs pos="0">
               <a:schemeClr val="phClr">
-                <a:lumMod val="110000"/>
-                <a:satMod val="105000"/>
-                <a:tint val="67000"/>
-              </a:schemeClr>
-            </a:gs>
-            <a:gs pos="50000">
-              <a:schemeClr val="phClr">
-                <a:lumMod val="105000"/>
-                <a:satMod val="103000"/>
-                <a:tint val="73000"/>
+                <a:tint val="60000"/>
+                <a:lumMod val="104000"/>
               </a:schemeClr>
             </a:gs>
             <a:gs pos="100000">
               <a:schemeClr val="phClr">
-                <a:lumMod val="105000"/>
-                <a:satMod val="109000"/>
-                <a:tint val="81000"/>
+                <a:tint val="84000"/>
               </a:schemeClr>
             </a:gs>
           </a:gsLst>
@@ -3436,50 +8510,42 @@
           <a:gsLst>
             <a:gs pos="0">
               <a:schemeClr val="phClr">
-                <a:satMod val="103000"/>
+                <a:tint val="96000"/>
                 <a:lumMod val="102000"/>
-                <a:tint val="94000"/>
-              </a:schemeClr>
-            </a:gs>
-            <a:gs pos="50000">
-              <a:schemeClr val="phClr">
-                <a:satMod val="110000"/>
-                <a:lumMod val="100000"/>
-                <a:shade val="100000"/>
               </a:schemeClr>
             </a:gs>
             <a:gs pos="100000">
               <a:schemeClr val="phClr">
-                <a:lumMod val="99000"/>
-                <a:satMod val="120000"/>
-                <a:shade val="78000"/>
+                <a:shade val="88000"/>
+                <a:lumMod val="94000"/>
               </a:schemeClr>
             </a:gs>
           </a:gsLst>
-          <a:lin ang="5400000" scaled="0"/>
+          <a:path path="circle">
+            <a:fillToRect l="50000" t="100000" r="100000" b="50000"/>
+          </a:path>
         </a:gradFill>
       </a:fillStyleLst>
       <a:lnStyleLst>
-        <a:ln w="6350" cap="flat" cmpd="sng" algn="ctr">
+        <a:ln w="9525" cap="rnd" cmpd="sng" algn="ctr">
+          <a:solidFill>
+            <a:schemeClr val="phClr">
+              <a:tint val="60000"/>
+            </a:schemeClr>
+          </a:solidFill>
+          <a:prstDash val="solid"/>
+        </a:ln>
+        <a:ln w="15875" cap="rnd" cmpd="sng" algn="ctr">
           <a:solidFill>
             <a:schemeClr val="phClr"/>
           </a:solidFill>
           <a:prstDash val="solid"/>
-          <a:miter lim="800000"/>
         </a:ln>
-        <a:ln w="12700" cap="flat" cmpd="sng" algn="ctr">
+        <a:ln w="22225" cap="rnd" cmpd="sng" algn="ctr">
           <a:solidFill>
             <a:schemeClr val="phClr"/>
           </a:solidFill>
           <a:prstDash val="solid"/>
-          <a:miter lim="800000"/>
-        </a:ln>
-        <a:ln w="19050" cap="flat" cmpd="sng" algn="ctr">
-          <a:solidFill>
-            <a:schemeClr val="phClr"/>
-          </a:solidFill>
-          <a:prstDash val="solid"/>
-          <a:miter lim="800000"/>
         </a:ln>
       </a:lnStyleLst>
       <a:effectStyleLst>
@@ -3487,55 +8553,68 @@
           <a:effectLst/>
         </a:effectStyle>
         <a:effectStyle>
-          <a:effectLst/>
+          <a:effectLst>
+            <a:reflection blurRad="12700" stA="26000" endPos="32000" dist="12700" dir="5400000" sy="-100000" rotWithShape="0"/>
+          </a:effectLst>
         </a:effectStyle>
         <a:effectStyle>
           <a:effectLst>
-            <a:outerShdw blurRad="57150" dist="19050" dir="5400000" algn="ctr" rotWithShape="0">
+            <a:outerShdw blurRad="38100" dist="25400" dir="5400000" rotWithShape="0">
               <a:srgbClr val="000000">
-                <a:alpha val="63000"/>
+                <a:alpha val="64000"/>
               </a:srgbClr>
             </a:outerShdw>
           </a:effectLst>
+          <a:scene3d>
+            <a:camera prst="orthographicFront">
+              <a:rot lat="0" lon="0" rev="0"/>
+            </a:camera>
+            <a:lightRig rig="threePt" dir="tl">
+              <a:rot lat="0" lon="0" rev="1200000"/>
+            </a:lightRig>
+          </a:scene3d>
+          <a:sp3d>
+            <a:bevelT w="25400" h="12700"/>
+          </a:sp3d>
         </a:effectStyle>
       </a:effectStyleLst>
       <a:bgFillStyleLst>
         <a:solidFill>
           <a:schemeClr val="phClr"/>
         </a:solidFill>
-        <a:solidFill>
-          <a:schemeClr val="phClr">
-            <a:tint val="95000"/>
-            <a:satMod val="170000"/>
-          </a:schemeClr>
-        </a:solidFill>
         <a:gradFill rotWithShape="1">
           <a:gsLst>
             <a:gs pos="0">
               <a:schemeClr val="phClr">
-                <a:tint val="93000"/>
-                <a:satMod val="150000"/>
-                <a:shade val="98000"/>
-                <a:lumMod val="102000"/>
-              </a:schemeClr>
-            </a:gs>
-            <a:gs pos="50000">
-              <a:schemeClr val="phClr">
-                <a:tint val="98000"/>
-                <a:satMod val="130000"/>
-                <a:shade val="90000"/>
-                <a:lumMod val="103000"/>
+                <a:tint val="90000"/>
+                <a:lumMod val="110000"/>
               </a:schemeClr>
             </a:gs>
             <a:gs pos="100000">
               <a:schemeClr val="phClr">
-                <a:shade val="63000"/>
-                <a:satMod val="120000"/>
+                <a:shade val="64000"/>
+                <a:lumMod val="98000"/>
               </a:schemeClr>
             </a:gs>
           </a:gsLst>
           <a:lin ang="5400000" scaled="0"/>
         </a:gradFill>
+        <a:blipFill rotWithShape="1">
+          <a:blip xmlns:r="http://schemas.openxmlformats.org/officeDocument/2006/relationships" r:embed="rId1">
+            <a:duotone>
+              <a:schemeClr val="phClr">
+                <a:shade val="76000"/>
+                <a:satMod val="180000"/>
+              </a:schemeClr>
+              <a:schemeClr val="phClr">
+                <a:tint val="80000"/>
+                <a:satMod val="120000"/>
+                <a:lumMod val="180000"/>
+              </a:schemeClr>
+            </a:duotone>
+          </a:blip>
+          <a:stretch/>
+        </a:blipFill>
       </a:bgFillStyleLst>
     </a:fmtScheme>
   </a:themeElements>
@@ -3543,7 +8622,7 @@
   <a:extraClrSchemeLst/>
   <a:extLst>
     <a:ext uri="{05A4C25C-085E-4340-85A3-A5531E510DB2}">
-      <thm15:themeFamily xmlns:thm15="http://schemas.microsoft.com/office/thememl/2012/main" name="Office Theme" id="{62F939B6-93AF-4DB8-9C6B-D6C7DFDC589F}" vid="{4A3C46E8-61CC-4603-A589-7422A47A8E4A}"/>
+      <thm15:themeFamily xmlns:thm15="http://schemas.microsoft.com/office/thememl/2012/main" name="Parallax" id="{3388167B-A2EB-4685-9635-1831D9AEF8C4}" vid="{4F7A876A-7598-49CA-AFC8-8EDA2551E4A7}"/>
     </a:ext>
   </a:extLst>
 </a:theme>
